--- a/poster.pptx
+++ b/poster.pptx
@@ -3260,8 +3260,8 @@
         </p:nvSpPr>
         <p:spPr>
           <a:xfrm>
-            <a:off x="1499453" y="508001"/>
-            <a:ext cx="18384717" cy="1938992"/>
+            <a:off x="1499452" y="440899"/>
+            <a:ext cx="18384717" cy="2123658"/>
           </a:xfrm>
           <a:prstGeom prst="rect">
             <a:avLst/>
@@ -3276,35 +3276,35 @@
           <a:p>
             <a:pPr algn="ctr"/>
             <a:r>
-              <a:rPr kumimoji="1" lang="zh-TW" altLang="en-US" sz="6000" dirty="0">
+              <a:rPr kumimoji="1" lang="zh-TW" altLang="en-US" sz="6600" b="1" dirty="0">
                 <a:latin typeface="Microsoft JhengHei" panose="020B0604030504040204" pitchFamily="34" charset="-120"/>
                 <a:ea typeface="Microsoft JhengHei" panose="020B0604030504040204" pitchFamily="34" charset="-120"/>
               </a:rPr>
               <a:t>網路多媒體實驗：</a:t>
             </a:r>
             <a:r>
-              <a:rPr kumimoji="1" lang="zh-CN" altLang="en-US" sz="6000" dirty="0">
+              <a:rPr kumimoji="1" lang="zh-CN" altLang="en-US" sz="6600" b="1" dirty="0">
                 <a:latin typeface="Microsoft JhengHei" panose="020B0604030504040204" pitchFamily="34" charset="-120"/>
                 <a:ea typeface="Microsoft JhengHei" panose="020B0604030504040204" pitchFamily="34" charset="-120"/>
               </a:rPr>
               <a:t>利用</a:t>
             </a:r>
             <a:r>
-              <a:rPr kumimoji="1" lang="en-US" altLang="zh-CN" sz="6000" dirty="0">
+              <a:rPr kumimoji="1" lang="en-US" altLang="zh-CN" sz="6600" b="1" dirty="0">
                 <a:latin typeface="Microsoft JhengHei" panose="020B0604030504040204" pitchFamily="34" charset="-120"/>
                 <a:ea typeface="Microsoft JhengHei" panose="020B0604030504040204" pitchFamily="34" charset="-120"/>
               </a:rPr>
               <a:t>model output </a:t>
             </a:r>
             <a:r>
-              <a:rPr kumimoji="1" lang="zh-CN" altLang="en-US" sz="6000" dirty="0">
+              <a:rPr kumimoji="1" lang="zh-CN" altLang="en-US" sz="6600" b="1" dirty="0">
                 <a:latin typeface="Microsoft JhengHei" panose="020B0604030504040204" pitchFamily="34" charset="-120"/>
                 <a:ea typeface="Microsoft JhengHei" panose="020B0604030504040204" pitchFamily="34" charset="-120"/>
               </a:rPr>
               <a:t>偷取</a:t>
             </a:r>
             <a:r>
-              <a:rPr kumimoji="1" lang="en-US" altLang="zh-CN" sz="6000" dirty="0">
+              <a:rPr kumimoji="1" lang="en-US" altLang="zh-CN" sz="6600" b="1" dirty="0">
                 <a:latin typeface="Microsoft JhengHei" panose="020B0604030504040204" pitchFamily="34" charset="-120"/>
                 <a:ea typeface="Microsoft JhengHei" panose="020B0604030504040204" pitchFamily="34" charset="-120"/>
               </a:rPr>
@@ -3314,27 +3314,27 @@
           <a:p>
             <a:pPr algn="ctr"/>
             <a:r>
-              <a:rPr kumimoji="1" lang="en-US" altLang="zh-CN" sz="6000" dirty="0">
+              <a:rPr kumimoji="1" lang="en-US" altLang="zh-CN" sz="6600" b="1" dirty="0">
                 <a:latin typeface="Microsoft JhengHei" panose="020B0604030504040204" pitchFamily="34" charset="-120"/>
                 <a:ea typeface="Microsoft JhengHei" panose="020B0604030504040204" pitchFamily="34" charset="-120"/>
               </a:rPr>
               <a:t>Machine Learning-as-a-Service </a:t>
             </a:r>
             <a:r>
-              <a:rPr kumimoji="1" lang="zh-CN" altLang="en-US" sz="6000" dirty="0">
+              <a:rPr kumimoji="1" lang="zh-CN" altLang="en-US" sz="6600" b="1" dirty="0">
                 <a:latin typeface="Microsoft JhengHei" panose="020B0604030504040204" pitchFamily="34" charset="-120"/>
                 <a:ea typeface="Microsoft JhengHei" panose="020B0604030504040204" pitchFamily="34" charset="-120"/>
               </a:rPr>
               <a:t>平台</a:t>
             </a:r>
             <a:r>
-              <a:rPr kumimoji="1" lang="en-US" altLang="zh-CN" sz="6000" dirty="0">
+              <a:rPr kumimoji="1" lang="en-US" altLang="zh-CN" sz="6600" b="1" dirty="0">
                 <a:latin typeface="Microsoft JhengHei" panose="020B0604030504040204" pitchFamily="34" charset="-120"/>
                 <a:ea typeface="Microsoft JhengHei" panose="020B0604030504040204" pitchFamily="34" charset="-120"/>
               </a:rPr>
               <a:t> model</a:t>
             </a:r>
-            <a:endParaRPr kumimoji="1" lang="zh-TW" altLang="en-US" sz="6000" dirty="0">
+            <a:endParaRPr kumimoji="1" lang="zh-TW" altLang="en-US" sz="6600" b="1" dirty="0">
               <a:latin typeface="Microsoft JhengHei" panose="020B0604030504040204" pitchFamily="34" charset="-120"/>
               <a:ea typeface="Microsoft JhengHei" panose="020B0604030504040204" pitchFamily="34" charset="-120"/>
             </a:endParaRPr>
@@ -3370,48 +3370,48 @@
           <a:lstStyle/>
           <a:p>
             <a:r>
-              <a:rPr kumimoji="1" lang="zh-CN" altLang="en-US" sz="4000" dirty="0">
+              <a:rPr kumimoji="1" lang="zh-CN" altLang="en-US" sz="4000" b="1" dirty="0">
                 <a:latin typeface="Microsoft JhengHei" panose="020B0604030504040204" pitchFamily="34" charset="-120"/>
                 <a:ea typeface="Microsoft JhengHei" panose="020B0604030504040204" pitchFamily="34" charset="-120"/>
               </a:rPr>
               <a:t>組員：林承德、趙冠豪、李</a:t>
             </a:r>
             <a:r>
-              <a:rPr kumimoji="1" lang="zh-TW" altLang="en-US" sz="4000" dirty="0">
+              <a:rPr kumimoji="1" lang="zh-TW" altLang="en-US" sz="4000" b="1" dirty="0">
                 <a:latin typeface="Microsoft JhengHei" panose="020B0604030504040204" pitchFamily="34" charset="-120"/>
                 <a:ea typeface="Microsoft JhengHei" panose="020B0604030504040204" pitchFamily="34" charset="-120"/>
               </a:rPr>
               <a:t>羚毓</a:t>
             </a:r>
             <a:r>
-              <a:rPr kumimoji="1" lang="en-US" altLang="zh-TW" sz="4000" dirty="0">
+              <a:rPr kumimoji="1" lang="en-US" altLang="zh-TW" sz="4000" b="1" dirty="0">
                 <a:latin typeface="Microsoft JhengHei" panose="020B0604030504040204" pitchFamily="34" charset="-120"/>
                 <a:ea typeface="Microsoft JhengHei" panose="020B0604030504040204" pitchFamily="34" charset="-120"/>
               </a:rPr>
               <a:t>				</a:t>
             </a:r>
             <a:r>
-              <a:rPr kumimoji="1" lang="zh-CN" altLang="en-US" sz="4000" dirty="0">
+              <a:rPr kumimoji="1" lang="zh-CN" altLang="en-US" sz="4000" b="1" dirty="0">
                 <a:latin typeface="Microsoft JhengHei" panose="020B0604030504040204" pitchFamily="34" charset="-120"/>
                 <a:ea typeface="Microsoft JhengHei" panose="020B0604030504040204" pitchFamily="34" charset="-120"/>
               </a:rPr>
               <a:t>指導助教：曾煒傑</a:t>
             </a:r>
             <a:r>
-              <a:rPr kumimoji="1" lang="en-US" altLang="zh-CN" sz="4000" dirty="0">
+              <a:rPr kumimoji="1" lang="en-US" altLang="zh-CN" sz="4000" b="1" dirty="0">
                 <a:latin typeface="Microsoft JhengHei" panose="020B0604030504040204" pitchFamily="34" charset="-120"/>
                 <a:ea typeface="Microsoft JhengHei" panose="020B0604030504040204" pitchFamily="34" charset="-120"/>
               </a:rPr>
               <a:t>			</a:t>
             </a:r>
             <a:r>
-              <a:rPr kumimoji="1" lang="zh-CN" altLang="en-US" sz="4000" dirty="0">
+              <a:rPr kumimoji="1" lang="zh-CN" altLang="en-US" sz="4000" b="1" dirty="0">
                 <a:latin typeface="Microsoft JhengHei" panose="020B0604030504040204" pitchFamily="34" charset="-120"/>
                 <a:ea typeface="Microsoft JhengHei" panose="020B0604030504040204" pitchFamily="34" charset="-120"/>
               </a:rPr>
               <a:t>指導老師：林宗男教授</a:t>
             </a:r>
-            <a:endParaRPr kumimoji="1" lang="zh-TW" altLang="en-US" sz="4000" dirty="0">
+            <a:endParaRPr kumimoji="1" lang="zh-TW" altLang="en-US" sz="4000" b="1" dirty="0">
               <a:latin typeface="Microsoft JhengHei" panose="020B0604030504040204" pitchFamily="34" charset="-120"/>
               <a:ea typeface="Microsoft JhengHei" panose="020B0604030504040204" pitchFamily="34" charset="-120"/>
             </a:endParaRPr>
@@ -3459,55 +3459,6 @@
           </a:fontRef>
         </p:style>
       </p:cxnSp>
-      <p:sp>
-        <p:nvSpPr>
-          <p:cNvPr id="10" name="文字方塊 9">
-            <a:extLst>
-              <a:ext uri="{FF2B5EF4-FFF2-40B4-BE49-F238E27FC236}">
-                <a16:creationId xmlns:a16="http://schemas.microsoft.com/office/drawing/2014/main" id="{F209B8BE-6D08-144E-B9AB-03116FE61421}"/>
-              </a:ext>
-            </a:extLst>
-          </p:cNvPr>
-          <p:cNvSpPr txBox="1"/>
-          <p:nvPr/>
-        </p:nvSpPr>
-        <p:spPr>
-          <a:xfrm>
-            <a:off x="-6259639" y="4326973"/>
-            <a:ext cx="4551246" cy="861774"/>
-          </a:xfrm>
-          <a:prstGeom prst="rect">
-            <a:avLst/>
-          </a:prstGeom>
-          <a:noFill/>
-        </p:spPr>
-        <p:txBody>
-          <a:bodyPr wrap="none" rtlCol="0">
-            <a:spAutoFit/>
-          </a:bodyPr>
-          <a:lstStyle/>
-          <a:p>
-            <a:r>
-              <a:rPr kumimoji="1" lang="en-US" altLang="zh-TW" sz="5000" b="1" dirty="0">
-                <a:latin typeface="Microsoft JhengHei" panose="020B0604030504040204" pitchFamily="34" charset="-120"/>
-                <a:ea typeface="Microsoft JhengHei" panose="020B0604030504040204" pitchFamily="34" charset="-120"/>
-              </a:rPr>
-              <a:t>2.</a:t>
-            </a:r>
-            <a:r>
-              <a:rPr kumimoji="1" lang="zh-TW" altLang="en-US" sz="5000" b="1" dirty="0">
-                <a:latin typeface="Microsoft JhengHei" panose="020B0604030504040204" pitchFamily="34" charset="-120"/>
-                <a:ea typeface="Microsoft JhengHei" panose="020B0604030504040204" pitchFamily="34" charset="-120"/>
-              </a:rPr>
-              <a:t>實驗主架構：</a:t>
-            </a:r>
-            <a:endParaRPr kumimoji="1" lang="en-US" altLang="zh-TW" sz="5000" b="1" dirty="0">
-              <a:latin typeface="Microsoft JhengHei" panose="020B0604030504040204" pitchFamily="34" charset="-120"/>
-              <a:ea typeface="Microsoft JhengHei" panose="020B0604030504040204" pitchFamily="34" charset="-120"/>
-            </a:endParaRPr>
-          </a:p>
-        </p:txBody>
-      </p:sp>
       <p:sp>
         <p:nvSpPr>
           <p:cNvPr id="11" name="文字方塊 10">
@@ -4418,52 +4369,6 @@
           </a:fontRef>
         </p:style>
       </p:cxnSp>
-      <p:sp>
-        <p:nvSpPr>
-          <p:cNvPr id="43" name="文字方塊 42">
-            <a:extLst>
-              <a:ext uri="{FF2B5EF4-FFF2-40B4-BE49-F238E27FC236}">
-                <a16:creationId xmlns:a16="http://schemas.microsoft.com/office/drawing/2014/main" id="{F2C6B74B-6F2D-EA47-8555-8691447C3660}"/>
-              </a:ext>
-            </a:extLst>
-          </p:cNvPr>
-          <p:cNvSpPr txBox="1"/>
-          <p:nvPr/>
-        </p:nvSpPr>
-        <p:spPr>
-          <a:xfrm>
-            <a:off x="-5770391" y="5170826"/>
-            <a:ext cx="2929007" cy="707886"/>
-          </a:xfrm>
-          <a:prstGeom prst="rect">
-            <a:avLst/>
-          </a:prstGeom>
-          <a:noFill/>
-        </p:spPr>
-        <p:txBody>
-          <a:bodyPr wrap="none" rtlCol="0">
-            <a:spAutoFit/>
-          </a:bodyPr>
-          <a:lstStyle/>
-          <a:p>
-            <a:pPr marL="685800" indent="-685800">
-              <a:buFont typeface="Wingdings" pitchFamily="2" charset="2"/>
-              <a:buChar char="l"/>
-            </a:pPr>
-            <a:r>
-              <a:rPr kumimoji="1" lang="zh-CN" altLang="en-US" sz="4000" dirty="0">
-                <a:latin typeface="Microsoft JhengHei" panose="020B0604030504040204" pitchFamily="34" charset="-120"/>
-                <a:ea typeface="Microsoft JhengHei" panose="020B0604030504040204" pitchFamily="34" charset="-120"/>
-              </a:rPr>
-              <a:t>流程圖：</a:t>
-            </a:r>
-            <a:endParaRPr kumimoji="1" lang="en-US" altLang="zh-TW" sz="4000" dirty="0">
-              <a:latin typeface="Microsoft JhengHei" panose="020B0604030504040204" pitchFamily="34" charset="-120"/>
-              <a:ea typeface="Microsoft JhengHei" panose="020B0604030504040204" pitchFamily="34" charset="-120"/>
-            </a:endParaRPr>
-          </a:p>
-        </p:txBody>
-      </p:sp>
       <p:sp>
         <p:nvSpPr>
           <p:cNvPr id="44" name="文字方塊 43">
@@ -9526,7 +9431,7 @@
         <p:spPr>
           <a:xfrm>
             <a:off x="11525298" y="13627932"/>
-            <a:ext cx="6447249" cy="6447249"/>
+            <a:ext cx="5579045" cy="5579045"/>
           </a:xfrm>
           <a:prstGeom prst="rect">
             <a:avLst/>
@@ -9555,8 +9460,8 @@
         </p:blipFill>
         <p:spPr>
           <a:xfrm>
-            <a:off x="11520726" y="20026995"/>
-            <a:ext cx="6447249" cy="6447249"/>
+            <a:off x="11520726" y="19236940"/>
+            <a:ext cx="5545089" cy="5545089"/>
           </a:xfrm>
           <a:prstGeom prst="rect">
             <a:avLst/>
@@ -9578,7 +9483,7 @@
         <p:spPr>
           <a:xfrm>
             <a:off x="18178276" y="13595460"/>
-            <a:ext cx="2891598" cy="2785378"/>
+            <a:ext cx="2891598" cy="3323987"/>
           </a:xfrm>
           <a:prstGeom prst="rect">
             <a:avLst/>
@@ -9593,35 +9498,37 @@
           <a:p>
             <a:r>
               <a:rPr kumimoji="1" lang="en-US" altLang="zh-CN" sz="3500" dirty="0"/>
-              <a:t>2)</a:t>
+              <a:t>1) </a:t>
+            </a:r>
+            <a:r>
+              <a:rPr kumimoji="1" lang="zh-CN" altLang="en-US" sz="3500" dirty="0"/>
+              <a:t>在不同的</a:t>
+            </a:r>
+            <a:r>
+              <a:rPr kumimoji="1" lang="en-US" altLang="zh-CN" sz="3500" dirty="0"/>
+              <a:t>Training size </a:t>
+            </a:r>
+            <a:r>
+              <a:rPr kumimoji="1" lang="zh-CN" altLang="en-US" sz="3500" dirty="0"/>
+              <a:t>下，</a:t>
+            </a:r>
+            <a:r>
+              <a:rPr kumimoji="1" lang="en-US" altLang="zh-CN" sz="3500" dirty="0"/>
+              <a:t>copy model </a:t>
+            </a:r>
+            <a:r>
+              <a:rPr kumimoji="1" lang="zh-CN" altLang="en-US" sz="3500" dirty="0"/>
+              <a:t>的準確率</a:t>
             </a:r>
             <a:r>
               <a:rPr kumimoji="1" lang="zh-TW" altLang="en-US" sz="3500" dirty="0"/>
-              <a:t> </a:t>
-            </a:r>
-            <a:r>
-              <a:rPr kumimoji="1" lang="zh-CN" altLang="en-US" sz="3500" dirty="0"/>
-              <a:t>利用</a:t>
-            </a:r>
-            <a:r>
-              <a:rPr kumimoji="1" lang="en-US" altLang="zh-CN" sz="3500" dirty="0"/>
-              <a:t> Deep Learning </a:t>
-            </a:r>
-            <a:r>
-              <a:rPr kumimoji="1" lang="zh-CN" altLang="en-US" sz="3500" dirty="0"/>
-              <a:t>的方式嘗試偷取各種不同模</a:t>
+              <a:t>大部分</a:t>
+            </a:r>
+            <a:r>
+              <a:rPr kumimoji="1" lang="en-US" altLang="zh-TW" sz="3500" dirty="0"/>
+              <a:t>Control Model.</a:t>
             </a:r>
             <a:endParaRPr kumimoji="1" lang="en-US" altLang="zh-CN" sz="3500" dirty="0"/>
-          </a:p>
-          <a:p>
-            <a:r>
-              <a:rPr kumimoji="1" lang="zh-CN" altLang="en-US" sz="3500" dirty="0"/>
-              <a:t>型的</a:t>
-            </a:r>
-            <a:r>
-              <a:rPr kumimoji="1" lang="en-US" altLang="zh-CN" sz="3500" dirty="0"/>
-              <a:t> Model</a:t>
-            </a:r>
           </a:p>
         </p:txBody>
       </p:sp>
@@ -9639,8 +9546,8 @@
         </p:nvSpPr>
         <p:spPr>
           <a:xfrm>
-            <a:off x="18147129" y="20558774"/>
-            <a:ext cx="2891598" cy="2785378"/>
+            <a:off x="18147129" y="20747493"/>
+            <a:ext cx="2891598" cy="3323987"/>
           </a:xfrm>
           <a:prstGeom prst="rect">
             <a:avLst/>
@@ -9655,35 +9562,37 @@
           <a:p>
             <a:r>
               <a:rPr kumimoji="1" lang="en-US" altLang="zh-CN" sz="3500" dirty="0"/>
-              <a:t>2)</a:t>
+              <a:t>2) </a:t>
+            </a:r>
+            <a:r>
+              <a:rPr kumimoji="1" lang="zh-CN" altLang="en-US" sz="3500" dirty="0"/>
+              <a:t>在不同的</a:t>
+            </a:r>
+            <a:r>
+              <a:rPr kumimoji="1" lang="en-US" altLang="zh-CN" sz="3500" dirty="0"/>
+              <a:t>Training size </a:t>
+            </a:r>
+            <a:r>
+              <a:rPr kumimoji="1" lang="zh-CN" altLang="en-US" sz="3500" dirty="0"/>
+              <a:t>下，</a:t>
+            </a:r>
+            <a:r>
+              <a:rPr kumimoji="1" lang="en-US" altLang="zh-CN" sz="3500" dirty="0"/>
+              <a:t>copy model </a:t>
+            </a:r>
+            <a:r>
+              <a:rPr kumimoji="1" lang="zh-CN" altLang="en-US" sz="3500" dirty="0"/>
+              <a:t>的準確率皆高於</a:t>
             </a:r>
             <a:r>
               <a:rPr kumimoji="1" lang="zh-TW" altLang="en-US" sz="3500" dirty="0"/>
               <a:t> </a:t>
             </a:r>
             <a:r>
-              <a:rPr kumimoji="1" lang="zh-CN" altLang="en-US" sz="3500" dirty="0"/>
-              <a:t>利用</a:t>
-            </a:r>
-            <a:r>
-              <a:rPr kumimoji="1" lang="en-US" altLang="zh-CN" sz="3500" dirty="0"/>
-              <a:t> Deep Learning </a:t>
-            </a:r>
-            <a:r>
-              <a:rPr kumimoji="1" lang="zh-CN" altLang="en-US" sz="3500" dirty="0"/>
-              <a:t>的方式嘗試偷取各種不同模</a:t>
+              <a:rPr kumimoji="1" lang="en-US" altLang="zh-TW" sz="3500" dirty="0"/>
+              <a:t>Control Model.</a:t>
             </a:r>
             <a:endParaRPr kumimoji="1" lang="en-US" altLang="zh-CN" sz="3500" dirty="0"/>
-          </a:p>
-          <a:p>
-            <a:r>
-              <a:rPr kumimoji="1" lang="zh-CN" altLang="en-US" sz="3500" dirty="0"/>
-              <a:t>型的</a:t>
-            </a:r>
-            <a:r>
-              <a:rPr kumimoji="1" lang="en-US" altLang="zh-CN" sz="3500" dirty="0"/>
-              <a:t> Model</a:t>
-            </a:r>
           </a:p>
         </p:txBody>
       </p:sp>
@@ -9730,6 +9639,70 @@
               <a:latin typeface="Microsoft JhengHei" panose="020B0604030504040204" pitchFamily="34" charset="-120"/>
               <a:ea typeface="Microsoft JhengHei" panose="020B0604030504040204" pitchFamily="34" charset="-120"/>
             </a:endParaRPr>
+          </a:p>
+        </p:txBody>
+      </p:sp>
+      <p:sp>
+        <p:nvSpPr>
+          <p:cNvPr id="133" name="文字方塊 132">
+            <a:extLst>
+              <a:ext uri="{FF2B5EF4-FFF2-40B4-BE49-F238E27FC236}">
+                <a16:creationId xmlns:a16="http://schemas.microsoft.com/office/drawing/2014/main" id="{88169F7F-7AD8-3244-BA13-B84C1D52BE33}"/>
+              </a:ext>
+            </a:extLst>
+          </p:cNvPr>
+          <p:cNvSpPr txBox="1"/>
+          <p:nvPr/>
+        </p:nvSpPr>
+        <p:spPr>
+          <a:xfrm>
+            <a:off x="11748741" y="27200950"/>
+            <a:ext cx="9321126" cy="1169551"/>
+          </a:xfrm>
+          <a:prstGeom prst="rect">
+            <a:avLst/>
+          </a:prstGeom>
+          <a:noFill/>
+        </p:spPr>
+        <p:txBody>
+          <a:bodyPr wrap="square" rtlCol="0">
+            <a:spAutoFit/>
+          </a:bodyPr>
+          <a:lstStyle/>
+          <a:p>
+            <a:r>
+              <a:rPr kumimoji="1" lang="en-US" altLang="zh-CN" sz="3500" dirty="0"/>
+              <a:t>2) </a:t>
+            </a:r>
+            <a:r>
+              <a:rPr kumimoji="1" lang="zh-CN" altLang="en-US" sz="3500" dirty="0"/>
+              <a:t>在不同的</a:t>
+            </a:r>
+            <a:r>
+              <a:rPr kumimoji="1" lang="en-US" altLang="zh-CN" sz="3500" dirty="0"/>
+              <a:t>Training size </a:t>
+            </a:r>
+            <a:r>
+              <a:rPr kumimoji="1" lang="zh-CN" altLang="en-US" sz="3500" dirty="0"/>
+              <a:t>下，</a:t>
+            </a:r>
+            <a:r>
+              <a:rPr kumimoji="1" lang="en-US" altLang="zh-CN" sz="3500" dirty="0"/>
+              <a:t>copy model </a:t>
+            </a:r>
+            <a:r>
+              <a:rPr kumimoji="1" lang="zh-CN" altLang="en-US" sz="3500" dirty="0"/>
+              <a:t>的準確率皆高於</a:t>
+            </a:r>
+            <a:r>
+              <a:rPr kumimoji="1" lang="zh-TW" altLang="en-US" sz="3500" dirty="0"/>
+              <a:t> </a:t>
+            </a:r>
+            <a:r>
+              <a:rPr kumimoji="1" lang="en-US" altLang="zh-TW" sz="3500" dirty="0"/>
+              <a:t>Control Model.</a:t>
+            </a:r>
+            <a:endParaRPr kumimoji="1" lang="en-US" altLang="zh-CN" sz="3500" dirty="0"/>
           </a:p>
         </p:txBody>
       </p:sp>

--- a/poster.pptx
+++ b/poster.pptx
@@ -4561,7 +4561,7 @@
         <p:spPr>
           <a:xfrm>
             <a:off x="910272" y="6036225"/>
-            <a:ext cx="9762609" cy="1169551"/>
+            <a:ext cx="9916689" cy="1169551"/>
           </a:xfrm>
           <a:prstGeom prst="rect">
             <a:avLst/>
@@ -4588,11 +4588,19 @@
             </a:r>
             <a:r>
               <a:rPr kumimoji="1" lang="en-US" altLang="zh-CN" sz="3500" dirty="0"/>
-              <a:t> Deep Learning </a:t>
+              <a:t> </a:t>
+            </a:r>
+            <a:r>
+              <a:rPr kumimoji="1" lang="en-US" altLang="zh-CN" sz="3500"/>
+              <a:t>neural network </a:t>
+            </a:r>
+            <a:r>
+              <a:rPr kumimoji="1" lang="zh-CN" altLang="en-US" sz="3500"/>
+              <a:t>的</a:t>
             </a:r>
             <a:r>
               <a:rPr kumimoji="1" lang="zh-CN" altLang="en-US" sz="3500" dirty="0"/>
-              <a:t>的方式嘗試偷取各種不同模</a:t>
+              <a:t>方式嘗試偷取各種不同模</a:t>
             </a:r>
             <a:endParaRPr kumimoji="1" lang="en-US" altLang="zh-CN" sz="3500" dirty="0"/>
           </a:p>
@@ -5991,9 +5999,9 @@
         <p:grpSpPr>
           <a:xfrm>
             <a:off x="1166818" y="14973013"/>
-            <a:ext cx="9074898" cy="6476006"/>
+            <a:ext cx="9005602" cy="6446026"/>
             <a:chOff x="1166818" y="23117199"/>
-            <a:chExt cx="9074898" cy="6476006"/>
+            <a:chExt cx="9005602" cy="6446026"/>
           </a:xfrm>
         </p:grpSpPr>
         <p:sp>
@@ -6075,8 +6083,8 @@
           </p:nvSpPr>
           <p:spPr>
             <a:xfrm>
-              <a:off x="1361382" y="25993758"/>
-              <a:ext cx="2399642" cy="908288"/>
+              <a:off x="2034420" y="25993758"/>
+              <a:ext cx="3339806" cy="908288"/>
             </a:xfrm>
             <a:prstGeom prst="roundRect">
               <a:avLst/>
@@ -6140,8 +6148,8 @@
           </p:nvSpPr>
           <p:spPr>
             <a:xfrm>
-              <a:off x="4187230" y="25978260"/>
-              <a:ext cx="2814140" cy="908288"/>
+              <a:off x="5962107" y="25978260"/>
+              <a:ext cx="3345297" cy="908288"/>
             </a:xfrm>
             <a:prstGeom prst="roundRect">
               <a:avLst/>
@@ -6180,71 +6188,6 @@
                   <a:ea typeface="Microsoft JhengHei" panose="020B0604030504040204" pitchFamily="34" charset="-120"/>
                 </a:rPr>
                 <a:t>Decision Tree</a:t>
-              </a:r>
-              <a:endParaRPr kumimoji="1" lang="zh-TW" altLang="en-US" sz="3000" dirty="0">
-                <a:solidFill>
-                  <a:schemeClr val="bg1"/>
-                </a:solidFill>
-                <a:latin typeface="Microsoft JhengHei" panose="020B0604030504040204" pitchFamily="34" charset="-120"/>
-                <a:ea typeface="Microsoft JhengHei" panose="020B0604030504040204" pitchFamily="34" charset="-120"/>
-              </a:endParaRPr>
-            </a:p>
-          </p:txBody>
-        </p:sp>
-        <p:sp>
-          <p:nvSpPr>
-            <p:cNvPr id="94" name="圓角矩形 93">
-              <a:extLst>
-                <a:ext uri="{FF2B5EF4-FFF2-40B4-BE49-F238E27FC236}">
-                  <a16:creationId xmlns:a16="http://schemas.microsoft.com/office/drawing/2014/main" id="{3B545842-503C-8B48-B0C3-83E5DF4CA876}"/>
-                </a:ext>
-              </a:extLst>
-            </p:cNvPr>
-            <p:cNvSpPr/>
-            <p:nvPr/>
-          </p:nvSpPr>
-          <p:spPr>
-            <a:xfrm>
-              <a:off x="7427576" y="25978260"/>
-              <a:ext cx="2814140" cy="908288"/>
-            </a:xfrm>
-            <a:prstGeom prst="roundRect">
-              <a:avLst/>
-            </a:prstGeom>
-            <a:solidFill>
-              <a:schemeClr val="accent1"/>
-            </a:solidFill>
-          </p:spPr>
-          <p:style>
-            <a:lnRef idx="2">
-              <a:schemeClr val="accent1">
-                <a:shade val="50000"/>
-              </a:schemeClr>
-            </a:lnRef>
-            <a:fillRef idx="1">
-              <a:schemeClr val="accent1"/>
-            </a:fillRef>
-            <a:effectRef idx="0">
-              <a:schemeClr val="accent1"/>
-            </a:effectRef>
-            <a:fontRef idx="minor">
-              <a:schemeClr val="lt1"/>
-            </a:fontRef>
-          </p:style>
-          <p:txBody>
-            <a:bodyPr rtlCol="0" anchor="ctr"/>
-            <a:lstStyle/>
-            <a:p>
-              <a:pPr algn="ctr"/>
-              <a:r>
-                <a:rPr kumimoji="1" lang="en-US" altLang="zh-TW" sz="3000" dirty="0">
-                  <a:solidFill>
-                    <a:schemeClr val="bg1"/>
-                  </a:solidFill>
-                  <a:latin typeface="Microsoft JhengHei" panose="020B0604030504040204" pitchFamily="34" charset="-120"/>
-                  <a:ea typeface="Microsoft JhengHei" panose="020B0604030504040204" pitchFamily="34" charset="-120"/>
-                </a:rPr>
-                <a:t>Ensemble</a:t>
               </a:r>
               <a:endParaRPr kumimoji="1" lang="zh-TW" altLang="en-US" sz="3000" dirty="0">
                 <a:solidFill>
@@ -6396,7 +6339,7 @@
           </p:nvSpPr>
           <p:spPr>
             <a:xfrm>
-              <a:off x="2242574" y="25483873"/>
+              <a:off x="3257667" y="25483873"/>
               <a:ext cx="1338107" cy="479109"/>
             </a:xfrm>
             <a:prstGeom prst="downArrow">
@@ -6447,58 +6390,7 @@
           </p:nvSpPr>
           <p:spPr>
             <a:xfrm>
-              <a:off x="5015143" y="26915350"/>
-              <a:ext cx="1338107" cy="479109"/>
-            </a:xfrm>
-            <a:prstGeom prst="downArrow">
-              <a:avLst/>
-            </a:prstGeom>
-            <a:solidFill>
-              <a:schemeClr val="tx2">
-                <a:lumMod val="75000"/>
-              </a:schemeClr>
-            </a:solidFill>
-          </p:spPr>
-          <p:style>
-            <a:lnRef idx="2">
-              <a:schemeClr val="accent1">
-                <a:shade val="50000"/>
-              </a:schemeClr>
-            </a:lnRef>
-            <a:fillRef idx="1">
-              <a:schemeClr val="accent1"/>
-            </a:fillRef>
-            <a:effectRef idx="0">
-              <a:schemeClr val="accent1"/>
-            </a:effectRef>
-            <a:fontRef idx="minor">
-              <a:schemeClr val="lt1"/>
-            </a:fontRef>
-          </p:style>
-          <p:txBody>
-            <a:bodyPr rtlCol="0" anchor="ctr"/>
-            <a:lstStyle/>
-            <a:p>
-              <a:pPr algn="ctr"/>
-              <a:endParaRPr kumimoji="1" lang="zh-TW" altLang="en-US" dirty="0"/>
-            </a:p>
-          </p:txBody>
-        </p:sp>
-        <p:sp>
-          <p:nvSpPr>
-            <p:cNvPr id="102" name="向下箭號 101">
-              <a:extLst>
-                <a:ext uri="{FF2B5EF4-FFF2-40B4-BE49-F238E27FC236}">
-                  <a16:creationId xmlns:a16="http://schemas.microsoft.com/office/drawing/2014/main" id="{B6B6032D-6C59-B948-8E7C-AC096D46B3E7}"/>
-                </a:ext>
-              </a:extLst>
-            </p:cNvPr>
-            <p:cNvSpPr/>
-            <p:nvPr/>
-          </p:nvSpPr>
-          <p:spPr>
-            <a:xfrm>
-              <a:off x="7455579" y="25483871"/>
+              <a:off x="3260243" y="26915350"/>
               <a:ext cx="1338107" cy="479109"/>
             </a:xfrm>
             <a:prstGeom prst="downArrow">
@@ -6549,7 +6441,7 @@
           </p:nvSpPr>
           <p:spPr>
             <a:xfrm>
-              <a:off x="1166818" y="28500085"/>
+              <a:off x="1166818" y="28470105"/>
               <a:ext cx="4278907" cy="1093120"/>
             </a:xfrm>
             <a:prstGeom prst="roundRect">
@@ -6627,7 +6519,7 @@
           </p:nvSpPr>
           <p:spPr>
             <a:xfrm>
-              <a:off x="5571000" y="28500085"/>
+              <a:off x="5571000" y="28470105"/>
               <a:ext cx="4601420" cy="1088702"/>
             </a:xfrm>
             <a:prstGeom prst="roundRect">
@@ -6698,7 +6590,7 @@
           </p:nvSpPr>
           <p:spPr>
             <a:xfrm>
-              <a:off x="5077890" y="25515957"/>
+              <a:off x="6834701" y="25475198"/>
               <a:ext cx="1338107" cy="479109"/>
             </a:xfrm>
             <a:prstGeom prst="downArrow">
@@ -6749,7 +6641,7 @@
           </p:nvSpPr>
           <p:spPr>
             <a:xfrm>
-              <a:off x="2766070" y="27429677"/>
+              <a:off x="2766070" y="27414687"/>
               <a:ext cx="5903576" cy="908288"/>
             </a:xfrm>
             <a:prstGeom prst="roundRect">
@@ -6986,7 +6878,7 @@
           <p:spPr>
             <a:xfrm>
               <a:off x="12598170" y="11483745"/>
-              <a:ext cx="8071440" cy="646331"/>
+              <a:ext cx="3597908" cy="646331"/>
             </a:xfrm>
             <a:prstGeom prst="rect">
               <a:avLst/>
@@ -7006,14 +6898,6 @@
               <a:r>
                 <a:rPr kumimoji="1" lang="en-US" altLang="zh-CN" sz="3600" b="1" dirty="0" err="1"/>
                 <a:t>X_copy_testing</a:t>
-              </a:r>
-              <a:r>
-                <a:rPr kumimoji="1" lang="en-US" altLang="zh-CN" sz="3600" dirty="0"/>
-                <a:t>, </a:t>
-              </a:r>
-              <a:r>
-                <a:rPr kumimoji="1" lang="en-US" altLang="zh-CN" sz="3600" b="1" dirty="0"/>
-                <a:t>Y_copy_training_label</a:t>
               </a:r>
               <a:r>
                 <a:rPr kumimoji="1" lang="en-US" altLang="zh-CN" sz="3600" dirty="0"/>
@@ -7101,8 +6985,8 @@
           </p:nvSpPr>
           <p:spPr>
             <a:xfrm>
-              <a:off x="13955683" y="14639469"/>
-              <a:ext cx="5446619" cy="630942"/>
+              <a:off x="13837891" y="14676371"/>
+              <a:ext cx="6721153" cy="584775"/>
             </a:xfrm>
             <a:prstGeom prst="rect">
               <a:avLst/>
@@ -7110,16 +6994,32 @@
             <a:noFill/>
           </p:spPr>
           <p:txBody>
-            <a:bodyPr wrap="none" rtlCol="0">
+            <a:bodyPr wrap="square" rtlCol="0">
               <a:spAutoFit/>
             </a:bodyPr>
             <a:lstStyle/>
             <a:p>
               <a:r>
-                <a:rPr kumimoji="1" lang="en-US" altLang="zh-CN" sz="3500" b="1" dirty="0" err="1"/>
-                <a:t>Y_copy_training_probability</a:t>
+                <a:rPr kumimoji="1" lang="en-US" altLang="zh-CN" sz="3200" b="1" dirty="0"/>
+                <a:t>( </a:t>
               </a:r>
-              <a:endParaRPr kumimoji="1" lang="en-US" altLang="zh-CN" sz="3500" dirty="0"/>
+              <a:r>
+                <a:rPr kumimoji="1" lang="en-US" altLang="zh-CN" sz="3200" b="1" dirty="0" err="1"/>
+                <a:t>Y_target_probability</a:t>
+              </a:r>
+              <a:r>
+                <a:rPr kumimoji="1" lang="en-US" altLang="zh-CN" sz="3200" dirty="0"/>
+                <a:t> , </a:t>
+              </a:r>
+              <a:r>
+                <a:rPr kumimoji="1" lang="en-US" altLang="zh-CN" sz="3200" b="1" dirty="0" err="1"/>
+                <a:t>Y_target_label</a:t>
+              </a:r>
+              <a:r>
+                <a:rPr kumimoji="1" lang="en-US" altLang="zh-CN" sz="3200" b="1" dirty="0"/>
+                <a:t> )</a:t>
+              </a:r>
+              <a:endParaRPr kumimoji="1" lang="en-US" altLang="zh-CN" sz="3200" dirty="0"/>
             </a:p>
           </p:txBody>
         </p:sp>
@@ -7508,8 +7408,8 @@
           </p:nvSpPr>
           <p:spPr>
             <a:xfrm>
-              <a:off x="19820292" y="12088404"/>
-              <a:ext cx="403521" cy="3919308"/>
+              <a:off x="19820292" y="15299548"/>
+              <a:ext cx="403521" cy="708164"/>
             </a:xfrm>
             <a:prstGeom prst="downArrow">
               <a:avLst/>
@@ -7908,23 +7808,7 @@
               <a:pPr algn="ctr"/>
               <a:r>
                 <a:rPr lang="en-US" altLang="zh-TW" sz="2000" dirty="0"/>
-                <a:t>Size : 100</a:t>
-              </a:r>
-              <a:r>
-                <a:rPr lang="zh-TW" altLang="en-US" sz="2000" dirty="0"/>
-                <a:t>、</a:t>
-              </a:r>
-              <a:r>
-                <a:rPr lang="en-US" altLang="zh-TW" sz="2000" dirty="0"/>
-                <a:t>200</a:t>
-              </a:r>
-              <a:r>
-                <a:rPr lang="zh-TW" altLang="en-US" sz="2000" dirty="0"/>
-                <a:t>、</a:t>
-              </a:r>
-              <a:r>
-                <a:rPr lang="en-US" altLang="zh-TW" sz="2000" dirty="0"/>
-                <a:t>500</a:t>
+                <a:t>Size : 500</a:t>
               </a:r>
               <a:r>
                 <a:rPr lang="zh-TW" altLang="en-US" sz="2000" dirty="0"/>
@@ -7940,7 +7824,7 @@
               </a:r>
               <a:r>
                 <a:rPr lang="en-US" altLang="zh-TW" sz="2000" dirty="0"/>
-                <a:t>2000</a:t>
+                <a:t>3000</a:t>
               </a:r>
               <a:r>
                 <a:rPr lang="zh-TW" altLang="en-US" sz="2000" dirty="0"/>
@@ -7957,6 +7841,14 @@
               <a:r>
                 <a:rPr lang="en-US" altLang="zh-TW" sz="2000" dirty="0"/>
                 <a:t>7000</a:t>
+              </a:r>
+              <a:r>
+                <a:rPr lang="zh-TW" altLang="en-US" sz="2000" dirty="0"/>
+                <a:t>、</a:t>
+              </a:r>
+              <a:r>
+                <a:rPr lang="en-US" altLang="zh-TW" sz="2000" dirty="0"/>
+                <a:t>9000</a:t>
               </a:r>
               <a:endParaRPr lang="zh-TW" altLang="en-US" sz="2000" dirty="0"/>
             </a:p>
@@ -8737,7 +8629,7 @@
               </a:r>
               <a:r>
                 <a:rPr lang="en-US" altLang="zh-TW" sz="2400" dirty="0"/>
-                <a:t>label of each data</a:t>
+                <a:t>label from target model</a:t>
               </a:r>
             </a:p>
             <a:p>
@@ -8818,14 +8710,6 @@
               <a:r>
                 <a:rPr lang="en-US" altLang="zh-TW" sz="2000" dirty="0" err="1"/>
                 <a:t>BCEloss</a:t>
-              </a:r>
-              <a:r>
-                <a:rPr lang="en-US" altLang="zh-TW" sz="2000" dirty="0"/>
-                <a:t>, </a:t>
-              </a:r>
-              <a:r>
-                <a:rPr lang="en-US" altLang="zh-TW" sz="2000" dirty="0" err="1"/>
-                <a:t>MSELoss</a:t>
               </a:r>
               <a:endParaRPr lang="zh-TW" altLang="en-US" sz="2000" dirty="0"/>
             </a:p>
@@ -9703,6 +9587,57 @@
               <a:t>Control Model.</a:t>
             </a:r>
             <a:endParaRPr kumimoji="1" lang="en-US" altLang="zh-CN" sz="3500" dirty="0"/>
+          </a:p>
+        </p:txBody>
+      </p:sp>
+      <p:sp>
+        <p:nvSpPr>
+          <p:cNvPr id="135" name="向下箭號 134">
+            <a:extLst>
+              <a:ext uri="{FF2B5EF4-FFF2-40B4-BE49-F238E27FC236}">
+                <a16:creationId xmlns:a16="http://schemas.microsoft.com/office/drawing/2014/main" id="{65E75096-77A0-C746-B02B-743B1FA0F0C3}"/>
+              </a:ext>
+            </a:extLst>
+          </p:cNvPr>
+          <p:cNvSpPr/>
+          <p:nvPr/>
+        </p:nvSpPr>
+        <p:spPr>
+          <a:xfrm>
+            <a:off x="6829742" y="18757645"/>
+            <a:ext cx="1338107" cy="528061"/>
+          </a:xfrm>
+          <a:prstGeom prst="downArrow">
+            <a:avLst/>
+          </a:prstGeom>
+          <a:solidFill>
+            <a:schemeClr val="tx2">
+              <a:lumMod val="75000"/>
+            </a:schemeClr>
+          </a:solidFill>
+        </p:spPr>
+        <p:style>
+          <a:lnRef idx="2">
+            <a:schemeClr val="accent1">
+              <a:shade val="50000"/>
+            </a:schemeClr>
+          </a:lnRef>
+          <a:fillRef idx="1">
+            <a:schemeClr val="accent1"/>
+          </a:fillRef>
+          <a:effectRef idx="0">
+            <a:schemeClr val="accent1"/>
+          </a:effectRef>
+          <a:fontRef idx="minor">
+            <a:schemeClr val="lt1"/>
+          </a:fontRef>
+        </p:style>
+        <p:txBody>
+          <a:bodyPr rtlCol="0" anchor="ctr"/>
+          <a:lstStyle/>
+          <a:p>
+            <a:pPr algn="ctr"/>
+            <a:endParaRPr kumimoji="1" lang="zh-TW" altLang="en-US" dirty="0"/>
           </a:p>
         </p:txBody>
       </p:sp>

--- a/poster.pptx
+++ b/poster.pptx
@@ -6701,1022 +6701,6 @@
                   <a:ea typeface="Microsoft JhengHei" panose="020B0604030504040204" pitchFamily="34" charset="-120"/>
                 </a:rPr>
                 <a:t>Available</a:t>
-              </a:r>
-              <a:endParaRPr kumimoji="1" lang="zh-TW" altLang="en-US" sz="3000" dirty="0">
-                <a:solidFill>
-                  <a:schemeClr val="bg1"/>
-                </a:solidFill>
-                <a:latin typeface="Microsoft JhengHei" panose="020B0604030504040204" pitchFamily="34" charset="-120"/>
-                <a:ea typeface="Microsoft JhengHei" panose="020B0604030504040204" pitchFamily="34" charset="-120"/>
-              </a:endParaRPr>
-            </a:p>
-          </p:txBody>
-        </p:sp>
-      </p:grpSp>
-      <p:grpSp>
-        <p:nvGrpSpPr>
-          <p:cNvPr id="3" name="群組 2">
-            <a:extLst>
-              <a:ext uri="{FF2B5EF4-FFF2-40B4-BE49-F238E27FC236}">
-                <a16:creationId xmlns:a16="http://schemas.microsoft.com/office/drawing/2014/main" id="{BD5EB608-B1A0-EA4A-ABE8-D857CF581EF2}"/>
-              </a:ext>
-            </a:extLst>
-          </p:cNvPr>
-          <p:cNvGrpSpPr/>
-          <p:nvPr/>
-        </p:nvGrpSpPr>
-        <p:grpSpPr>
-          <a:xfrm>
-            <a:off x="1288710" y="22424045"/>
-            <a:ext cx="8684076" cy="7650442"/>
-            <a:chOff x="12180790" y="11483745"/>
-            <a:chExt cx="8684076" cy="7650442"/>
-          </a:xfrm>
-        </p:grpSpPr>
-        <p:sp>
-          <p:nvSpPr>
-            <p:cNvPr id="112" name="圓角矩形 111">
-              <a:extLst>
-                <a:ext uri="{FF2B5EF4-FFF2-40B4-BE49-F238E27FC236}">
-                  <a16:creationId xmlns:a16="http://schemas.microsoft.com/office/drawing/2014/main" id="{77336536-3599-2241-997D-79618FD70A1B}"/>
-                </a:ext>
-              </a:extLst>
-            </p:cNvPr>
-            <p:cNvSpPr/>
-            <p:nvPr/>
-          </p:nvSpPr>
-          <p:spPr>
-            <a:xfrm>
-              <a:off x="17356466" y="17044488"/>
-              <a:ext cx="3508400" cy="912954"/>
-            </a:xfrm>
-            <a:prstGeom prst="roundRect">
-              <a:avLst/>
-            </a:prstGeom>
-            <a:solidFill>
-              <a:schemeClr val="accent1"/>
-            </a:solidFill>
-          </p:spPr>
-          <p:style>
-            <a:lnRef idx="2">
-              <a:schemeClr val="accent1">
-                <a:shade val="50000"/>
-              </a:schemeClr>
-            </a:lnRef>
-            <a:fillRef idx="1">
-              <a:schemeClr val="accent1"/>
-            </a:fillRef>
-            <a:effectRef idx="0">
-              <a:schemeClr val="accent1"/>
-            </a:effectRef>
-            <a:fontRef idx="minor">
-              <a:schemeClr val="lt1"/>
-            </a:fontRef>
-          </p:style>
-          <p:txBody>
-            <a:bodyPr rtlCol="0" anchor="ctr"/>
-            <a:lstStyle/>
-            <a:p>
-              <a:pPr algn="ctr"/>
-              <a:r>
-                <a:rPr kumimoji="1" lang="en-US" altLang="zh-TW" sz="3000" b="1" u="sng" dirty="0">
-                  <a:solidFill>
-                    <a:schemeClr val="bg1"/>
-                  </a:solidFill>
-                  <a:latin typeface="Microsoft JhengHei" panose="020B0604030504040204" pitchFamily="34" charset="-120"/>
-                  <a:ea typeface="Microsoft JhengHei" panose="020B0604030504040204" pitchFamily="34" charset="-120"/>
-                </a:rPr>
-                <a:t>Control Model</a:t>
-              </a:r>
-              <a:endParaRPr kumimoji="1" lang="zh-TW" altLang="en-US" sz="3000" b="1" u="sng" dirty="0">
-                <a:solidFill>
-                  <a:schemeClr val="bg1"/>
-                </a:solidFill>
-                <a:latin typeface="Microsoft JhengHei" panose="020B0604030504040204" pitchFamily="34" charset="-120"/>
-                <a:ea typeface="Microsoft JhengHei" panose="020B0604030504040204" pitchFamily="34" charset="-120"/>
-              </a:endParaRPr>
-            </a:p>
-          </p:txBody>
-        </p:sp>
-        <p:sp>
-          <p:nvSpPr>
-            <p:cNvPr id="113" name="圓角矩形 112">
-              <a:extLst>
-                <a:ext uri="{FF2B5EF4-FFF2-40B4-BE49-F238E27FC236}">
-                  <a16:creationId xmlns:a16="http://schemas.microsoft.com/office/drawing/2014/main" id="{FECBD56E-86CD-BC43-8816-2182D557DD30}"/>
-                </a:ext>
-              </a:extLst>
-            </p:cNvPr>
-            <p:cNvSpPr/>
-            <p:nvPr/>
-          </p:nvSpPr>
-          <p:spPr>
-            <a:xfrm>
-              <a:off x="12180790" y="17030603"/>
-              <a:ext cx="3508396" cy="908288"/>
-            </a:xfrm>
-            <a:prstGeom prst="roundRect">
-              <a:avLst/>
-            </a:prstGeom>
-            <a:solidFill>
-              <a:schemeClr val="accent1"/>
-            </a:solidFill>
-          </p:spPr>
-          <p:style>
-            <a:lnRef idx="2">
-              <a:schemeClr val="accent1">
-                <a:shade val="50000"/>
-              </a:schemeClr>
-            </a:lnRef>
-            <a:fillRef idx="1">
-              <a:schemeClr val="accent1"/>
-            </a:fillRef>
-            <a:effectRef idx="0">
-              <a:schemeClr val="accent1"/>
-            </a:effectRef>
-            <a:fontRef idx="minor">
-              <a:schemeClr val="lt1"/>
-            </a:fontRef>
-          </p:style>
-          <p:txBody>
-            <a:bodyPr rtlCol="0" anchor="ctr"/>
-            <a:lstStyle/>
-            <a:p>
-              <a:pPr algn="ctr"/>
-              <a:r>
-                <a:rPr kumimoji="1" lang="en-US" altLang="zh-TW" sz="3000" b="1" u="sng" dirty="0">
-                  <a:solidFill>
-                    <a:schemeClr val="bg1"/>
-                  </a:solidFill>
-                  <a:latin typeface="Microsoft JhengHei" panose="020B0604030504040204" pitchFamily="34" charset="-120"/>
-                  <a:ea typeface="Microsoft JhengHei" panose="020B0604030504040204" pitchFamily="34" charset="-120"/>
-                </a:rPr>
-                <a:t>Copy Model</a:t>
-              </a:r>
-              <a:endParaRPr kumimoji="1" lang="zh-TW" altLang="en-US" sz="3000" b="1" u="sng" dirty="0">
-                <a:solidFill>
-                  <a:schemeClr val="bg1"/>
-                </a:solidFill>
-                <a:latin typeface="Microsoft JhengHei" panose="020B0604030504040204" pitchFamily="34" charset="-120"/>
-                <a:ea typeface="Microsoft JhengHei" panose="020B0604030504040204" pitchFamily="34" charset="-120"/>
-              </a:endParaRPr>
-            </a:p>
-          </p:txBody>
-        </p:sp>
-        <p:sp>
-          <p:nvSpPr>
-            <p:cNvPr id="131" name="文字方塊 130">
-              <a:extLst>
-                <a:ext uri="{FF2B5EF4-FFF2-40B4-BE49-F238E27FC236}">
-                  <a16:creationId xmlns:a16="http://schemas.microsoft.com/office/drawing/2014/main" id="{0B7D061C-03CC-3D44-A594-F49CC7AD2639}"/>
-                </a:ext>
-              </a:extLst>
-            </p:cNvPr>
-            <p:cNvSpPr txBox="1"/>
-            <p:nvPr/>
-          </p:nvSpPr>
-          <p:spPr>
-            <a:xfrm>
-              <a:off x="12598170" y="11483745"/>
-              <a:ext cx="3597908" cy="646331"/>
-            </a:xfrm>
-            <a:prstGeom prst="rect">
-              <a:avLst/>
-            </a:prstGeom>
-            <a:noFill/>
-          </p:spPr>
-          <p:txBody>
-            <a:bodyPr wrap="none" rtlCol="0">
-              <a:spAutoFit/>
-            </a:bodyPr>
-            <a:lstStyle/>
-            <a:p>
-              <a:r>
-                <a:rPr kumimoji="1" lang="en-US" altLang="zh-CN" sz="3600" dirty="0"/>
-                <a:t>( </a:t>
-              </a:r>
-              <a:r>
-                <a:rPr kumimoji="1" lang="en-US" altLang="zh-CN" sz="3600" b="1" dirty="0" err="1"/>
-                <a:t>X_copy_testing</a:t>
-              </a:r>
-              <a:r>
-                <a:rPr kumimoji="1" lang="en-US" altLang="zh-CN" sz="3600" dirty="0"/>
-                <a:t> )</a:t>
-              </a:r>
-            </a:p>
-          </p:txBody>
-        </p:sp>
-        <p:sp>
-          <p:nvSpPr>
-            <p:cNvPr id="132" name="圓角矩形 131">
-              <a:extLst>
-                <a:ext uri="{FF2B5EF4-FFF2-40B4-BE49-F238E27FC236}">
-                  <a16:creationId xmlns:a16="http://schemas.microsoft.com/office/drawing/2014/main" id="{BE074D82-E8C7-EA4B-9BB2-424D205A9AC0}"/>
-                </a:ext>
-              </a:extLst>
-            </p:cNvPr>
-            <p:cNvSpPr/>
-            <p:nvPr/>
-          </p:nvSpPr>
-          <p:spPr>
-            <a:xfrm>
-              <a:off x="13478329" y="12726646"/>
-              <a:ext cx="5903576" cy="1488176"/>
-            </a:xfrm>
-            <a:prstGeom prst="roundRect">
-              <a:avLst/>
-            </a:prstGeom>
-            <a:solidFill>
-              <a:schemeClr val="accent1"/>
-            </a:solidFill>
-          </p:spPr>
-          <p:style>
-            <a:lnRef idx="2">
-              <a:schemeClr val="accent1">
-                <a:shade val="50000"/>
-              </a:schemeClr>
-            </a:lnRef>
-            <a:fillRef idx="1">
-              <a:schemeClr val="accent1"/>
-            </a:fillRef>
-            <a:effectRef idx="0">
-              <a:schemeClr val="accent1"/>
-            </a:effectRef>
-            <a:fontRef idx="minor">
-              <a:schemeClr val="lt1"/>
-            </a:fontRef>
-          </p:style>
-          <p:txBody>
-            <a:bodyPr rtlCol="0" anchor="ctr"/>
-            <a:lstStyle/>
-            <a:p>
-              <a:pPr algn="ctr"/>
-              <a:r>
-                <a:rPr kumimoji="1" lang="en-US" altLang="zh-TW" sz="3000" dirty="0">
-                  <a:solidFill>
-                    <a:schemeClr val="bg1"/>
-                  </a:solidFill>
-                  <a:latin typeface="Microsoft JhengHei" panose="020B0604030504040204" pitchFamily="34" charset="-120"/>
-                  <a:ea typeface="Microsoft JhengHei" panose="020B0604030504040204" pitchFamily="34" charset="-120"/>
-                </a:rPr>
-                <a:t>Target model (pre-trained)</a:t>
-              </a:r>
-              <a:endParaRPr kumimoji="1" lang="zh-TW" altLang="en-US" sz="3000" dirty="0">
-                <a:solidFill>
-                  <a:schemeClr val="bg1"/>
-                </a:solidFill>
-                <a:latin typeface="Microsoft JhengHei" panose="020B0604030504040204" pitchFamily="34" charset="-120"/>
-                <a:ea typeface="Microsoft JhengHei" panose="020B0604030504040204" pitchFamily="34" charset="-120"/>
-              </a:endParaRPr>
-            </a:p>
-          </p:txBody>
-        </p:sp>
-        <p:sp>
-          <p:nvSpPr>
-            <p:cNvPr id="134" name="文字方塊 133">
-              <a:extLst>
-                <a:ext uri="{FF2B5EF4-FFF2-40B4-BE49-F238E27FC236}">
-                  <a16:creationId xmlns:a16="http://schemas.microsoft.com/office/drawing/2014/main" id="{F5915409-C656-0340-A570-0EDFD4C088ED}"/>
-                </a:ext>
-              </a:extLst>
-            </p:cNvPr>
-            <p:cNvSpPr txBox="1"/>
-            <p:nvPr/>
-          </p:nvSpPr>
-          <p:spPr>
-            <a:xfrm>
-              <a:off x="13837891" y="14676371"/>
-              <a:ext cx="6721153" cy="584775"/>
-            </a:xfrm>
-            <a:prstGeom prst="rect">
-              <a:avLst/>
-            </a:prstGeom>
-            <a:noFill/>
-          </p:spPr>
-          <p:txBody>
-            <a:bodyPr wrap="square" rtlCol="0">
-              <a:spAutoFit/>
-            </a:bodyPr>
-            <a:lstStyle/>
-            <a:p>
-              <a:r>
-                <a:rPr kumimoji="1" lang="en-US" altLang="zh-CN" sz="3200" b="1" dirty="0"/>
-                <a:t>( </a:t>
-              </a:r>
-              <a:r>
-                <a:rPr kumimoji="1" lang="en-US" altLang="zh-CN" sz="3200" b="1" dirty="0" err="1"/>
-                <a:t>Y_target_probability</a:t>
-              </a:r>
-              <a:r>
-                <a:rPr kumimoji="1" lang="en-US" altLang="zh-CN" sz="3200" dirty="0"/>
-                <a:t> , </a:t>
-              </a:r>
-              <a:r>
-                <a:rPr kumimoji="1" lang="en-US" altLang="zh-CN" sz="3200" b="1" dirty="0" err="1"/>
-                <a:t>Y_target_label</a:t>
-              </a:r>
-              <a:r>
-                <a:rPr kumimoji="1" lang="en-US" altLang="zh-CN" sz="3200" b="1" dirty="0"/>
-                <a:t> )</a:t>
-              </a:r>
-              <a:endParaRPr kumimoji="1" lang="en-US" altLang="zh-CN" sz="3200" dirty="0"/>
-            </a:p>
-          </p:txBody>
-        </p:sp>
-        <p:sp>
-          <p:nvSpPr>
-            <p:cNvPr id="137" name="向下箭號 136">
-              <a:extLst>
-                <a:ext uri="{FF2B5EF4-FFF2-40B4-BE49-F238E27FC236}">
-                  <a16:creationId xmlns:a16="http://schemas.microsoft.com/office/drawing/2014/main" id="{BA59E4D5-8DEA-6846-B8E1-96BBC5010362}"/>
-                </a:ext>
-              </a:extLst>
-            </p:cNvPr>
-            <p:cNvSpPr/>
-            <p:nvPr/>
-          </p:nvSpPr>
-          <p:spPr>
-            <a:xfrm>
-              <a:off x="14521580" y="12020204"/>
-              <a:ext cx="950494" cy="684072"/>
-            </a:xfrm>
-            <a:prstGeom prst="downArrow">
-              <a:avLst/>
-            </a:prstGeom>
-            <a:solidFill>
-              <a:schemeClr val="tx2">
-                <a:lumMod val="75000"/>
-              </a:schemeClr>
-            </a:solidFill>
-          </p:spPr>
-          <p:style>
-            <a:lnRef idx="2">
-              <a:schemeClr val="accent1">
-                <a:shade val="50000"/>
-              </a:schemeClr>
-            </a:lnRef>
-            <a:fillRef idx="1">
-              <a:schemeClr val="accent1"/>
-            </a:fillRef>
-            <a:effectRef idx="0">
-              <a:schemeClr val="accent1"/>
-            </a:effectRef>
-            <a:fontRef idx="minor">
-              <a:schemeClr val="lt1"/>
-            </a:fontRef>
-          </p:style>
-          <p:txBody>
-            <a:bodyPr rtlCol="0" anchor="ctr"/>
-            <a:lstStyle/>
-            <a:p>
-              <a:pPr algn="ctr"/>
-              <a:endParaRPr kumimoji="1" lang="zh-TW" altLang="en-US" dirty="0"/>
-            </a:p>
-          </p:txBody>
-        </p:sp>
-        <p:sp>
-          <p:nvSpPr>
-            <p:cNvPr id="142" name="向下箭號 141">
-              <a:extLst>
-                <a:ext uri="{FF2B5EF4-FFF2-40B4-BE49-F238E27FC236}">
-                  <a16:creationId xmlns:a16="http://schemas.microsoft.com/office/drawing/2014/main" id="{0B19A701-426E-2241-8836-CBD51AFD900E}"/>
-                </a:ext>
-              </a:extLst>
-            </p:cNvPr>
-            <p:cNvSpPr/>
-            <p:nvPr/>
-          </p:nvSpPr>
-          <p:spPr>
-            <a:xfrm>
-              <a:off x="15651380" y="14238340"/>
-              <a:ext cx="1338107" cy="479109"/>
-            </a:xfrm>
-            <a:prstGeom prst="downArrow">
-              <a:avLst/>
-            </a:prstGeom>
-            <a:solidFill>
-              <a:schemeClr val="tx2">
-                <a:lumMod val="75000"/>
-              </a:schemeClr>
-            </a:solidFill>
-          </p:spPr>
-          <p:style>
-            <a:lnRef idx="2">
-              <a:schemeClr val="accent1">
-                <a:shade val="50000"/>
-              </a:schemeClr>
-            </a:lnRef>
-            <a:fillRef idx="1">
-              <a:schemeClr val="accent1"/>
-            </a:fillRef>
-            <a:effectRef idx="0">
-              <a:schemeClr val="accent1"/>
-            </a:effectRef>
-            <a:fontRef idx="minor">
-              <a:schemeClr val="lt1"/>
-            </a:fontRef>
-          </p:style>
-          <p:txBody>
-            <a:bodyPr rtlCol="0" anchor="ctr"/>
-            <a:lstStyle/>
-            <a:p>
-              <a:pPr algn="ctr"/>
-              <a:endParaRPr kumimoji="1" lang="zh-TW" altLang="en-US" dirty="0"/>
-            </a:p>
-          </p:txBody>
-        </p:sp>
-        <p:sp>
-          <p:nvSpPr>
-            <p:cNvPr id="143" name="圓角矩形 142">
-              <a:extLst>
-                <a:ext uri="{FF2B5EF4-FFF2-40B4-BE49-F238E27FC236}">
-                  <a16:creationId xmlns:a16="http://schemas.microsoft.com/office/drawing/2014/main" id="{AEA8B43D-DEE2-214B-9388-C58C07DC9396}"/>
-                </a:ext>
-              </a:extLst>
-            </p:cNvPr>
-            <p:cNvSpPr/>
-            <p:nvPr/>
-          </p:nvSpPr>
-          <p:spPr>
-            <a:xfrm>
-              <a:off x="12507193" y="16039829"/>
-              <a:ext cx="2690667" cy="430430"/>
-            </a:xfrm>
-            <a:prstGeom prst="roundRect">
-              <a:avLst/>
-            </a:prstGeom>
-            <a:solidFill>
-              <a:schemeClr val="accent1"/>
-            </a:solidFill>
-          </p:spPr>
-          <p:style>
-            <a:lnRef idx="2">
-              <a:schemeClr val="accent1">
-                <a:shade val="50000"/>
-              </a:schemeClr>
-            </a:lnRef>
-            <a:fillRef idx="1">
-              <a:schemeClr val="accent1"/>
-            </a:fillRef>
-            <a:effectRef idx="0">
-              <a:schemeClr val="accent1"/>
-            </a:effectRef>
-            <a:fontRef idx="minor">
-              <a:schemeClr val="lt1"/>
-            </a:fontRef>
-          </p:style>
-          <p:txBody>
-            <a:bodyPr rtlCol="0" anchor="ctr"/>
-            <a:lstStyle/>
-            <a:p>
-              <a:pPr algn="ctr"/>
-              <a:r>
-                <a:rPr kumimoji="1" lang="en-US" altLang="zh-TW" sz="3000" dirty="0">
-                  <a:solidFill>
-                    <a:schemeClr val="bg1"/>
-                  </a:solidFill>
-                  <a:latin typeface="Microsoft JhengHei" panose="020B0604030504040204" pitchFamily="34" charset="-120"/>
-                  <a:ea typeface="Microsoft JhengHei" panose="020B0604030504040204" pitchFamily="34" charset="-120"/>
-                </a:rPr>
-                <a:t>train</a:t>
-              </a:r>
-              <a:endParaRPr kumimoji="1" lang="zh-TW" altLang="en-US" sz="3000" dirty="0">
-                <a:solidFill>
-                  <a:schemeClr val="bg1"/>
-                </a:solidFill>
-                <a:latin typeface="Microsoft JhengHei" panose="020B0604030504040204" pitchFamily="34" charset="-120"/>
-                <a:ea typeface="Microsoft JhengHei" panose="020B0604030504040204" pitchFamily="34" charset="-120"/>
-              </a:endParaRPr>
-            </a:p>
-          </p:txBody>
-        </p:sp>
-        <p:sp>
-          <p:nvSpPr>
-            <p:cNvPr id="145" name="向下箭號 144">
-              <a:extLst>
-                <a:ext uri="{FF2B5EF4-FFF2-40B4-BE49-F238E27FC236}">
-                  <a16:creationId xmlns:a16="http://schemas.microsoft.com/office/drawing/2014/main" id="{6F59A0B4-9AC4-E64C-A03D-2863C9B9CDF5}"/>
-                </a:ext>
-              </a:extLst>
-            </p:cNvPr>
-            <p:cNvSpPr/>
-            <p:nvPr/>
-          </p:nvSpPr>
-          <p:spPr>
-            <a:xfrm>
-              <a:off x="12697540" y="12088404"/>
-              <a:ext cx="403521" cy="3919308"/>
-            </a:xfrm>
-            <a:prstGeom prst="downArrow">
-              <a:avLst/>
-            </a:prstGeom>
-            <a:solidFill>
-              <a:schemeClr val="tx2">
-                <a:lumMod val="75000"/>
-              </a:schemeClr>
-            </a:solidFill>
-          </p:spPr>
-          <p:style>
-            <a:lnRef idx="2">
-              <a:schemeClr val="accent1">
-                <a:shade val="50000"/>
-              </a:schemeClr>
-            </a:lnRef>
-            <a:fillRef idx="1">
-              <a:schemeClr val="accent1"/>
-            </a:fillRef>
-            <a:effectRef idx="0">
-              <a:schemeClr val="accent1"/>
-            </a:effectRef>
-            <a:fontRef idx="minor">
-              <a:schemeClr val="lt1"/>
-            </a:fontRef>
-          </p:style>
-          <p:txBody>
-            <a:bodyPr rtlCol="0" anchor="ctr"/>
-            <a:lstStyle/>
-            <a:p>
-              <a:pPr algn="ctr"/>
-              <a:endParaRPr kumimoji="1" lang="zh-TW" altLang="en-US" dirty="0"/>
-            </a:p>
-          </p:txBody>
-        </p:sp>
-        <p:sp>
-          <p:nvSpPr>
-            <p:cNvPr id="146" name="向下箭號 145">
-              <a:extLst>
-                <a:ext uri="{FF2B5EF4-FFF2-40B4-BE49-F238E27FC236}">
-                  <a16:creationId xmlns:a16="http://schemas.microsoft.com/office/drawing/2014/main" id="{6CA9A765-28C9-2B4F-82CF-633C9FE70350}"/>
-                </a:ext>
-              </a:extLst>
-            </p:cNvPr>
-            <p:cNvSpPr/>
-            <p:nvPr/>
-          </p:nvSpPr>
-          <p:spPr>
-            <a:xfrm>
-              <a:off x="17899745" y="15418137"/>
-              <a:ext cx="403521" cy="589574"/>
-            </a:xfrm>
-            <a:prstGeom prst="downArrow">
-              <a:avLst/>
-            </a:prstGeom>
-            <a:solidFill>
-              <a:schemeClr val="tx2">
-                <a:lumMod val="75000"/>
-              </a:schemeClr>
-            </a:solidFill>
-          </p:spPr>
-          <p:style>
-            <a:lnRef idx="2">
-              <a:schemeClr val="accent1">
-                <a:shade val="50000"/>
-              </a:schemeClr>
-            </a:lnRef>
-            <a:fillRef idx="1">
-              <a:schemeClr val="accent1"/>
-            </a:fillRef>
-            <a:effectRef idx="0">
-              <a:schemeClr val="accent1"/>
-            </a:effectRef>
-            <a:fontRef idx="minor">
-              <a:schemeClr val="lt1"/>
-            </a:fontRef>
-          </p:style>
-          <p:txBody>
-            <a:bodyPr rtlCol="0" anchor="ctr"/>
-            <a:lstStyle/>
-            <a:p>
-              <a:pPr algn="ctr"/>
-              <a:endParaRPr kumimoji="1" lang="zh-TW" altLang="en-US" dirty="0"/>
-            </a:p>
-          </p:txBody>
-        </p:sp>
-        <p:sp>
-          <p:nvSpPr>
-            <p:cNvPr id="147" name="矩形 146">
-              <a:extLst>
-                <a:ext uri="{FF2B5EF4-FFF2-40B4-BE49-F238E27FC236}">
-                  <a16:creationId xmlns:a16="http://schemas.microsoft.com/office/drawing/2014/main" id="{13DF33F0-FE00-DD4C-94C3-E14382E2489F}"/>
-                </a:ext>
-              </a:extLst>
-            </p:cNvPr>
-            <p:cNvSpPr/>
-            <p:nvPr/>
-          </p:nvSpPr>
-          <p:spPr>
-            <a:xfrm>
-              <a:off x="13098324" y="12079766"/>
-              <a:ext cx="204213" cy="3346876"/>
-            </a:xfrm>
-            <a:prstGeom prst="rect">
-              <a:avLst/>
-            </a:prstGeom>
-            <a:solidFill>
-              <a:schemeClr val="tx2">
-                <a:lumMod val="75000"/>
-              </a:schemeClr>
-            </a:solidFill>
-          </p:spPr>
-          <p:style>
-            <a:lnRef idx="2">
-              <a:schemeClr val="accent1">
-                <a:shade val="50000"/>
-              </a:schemeClr>
-            </a:lnRef>
-            <a:fillRef idx="1">
-              <a:schemeClr val="accent1"/>
-            </a:fillRef>
-            <a:effectRef idx="0">
-              <a:schemeClr val="accent1"/>
-            </a:effectRef>
-            <a:fontRef idx="minor">
-              <a:schemeClr val="lt1"/>
-            </a:fontRef>
-          </p:style>
-          <p:txBody>
-            <a:bodyPr rtlCol="0" anchor="ctr"/>
-            <a:lstStyle/>
-            <a:p>
-              <a:pPr algn="ctr"/>
-              <a:endParaRPr kumimoji="1" lang="zh-TW" altLang="en-US" dirty="0"/>
-            </a:p>
-          </p:txBody>
-        </p:sp>
-        <p:sp>
-          <p:nvSpPr>
-            <p:cNvPr id="148" name="矩形 147">
-              <a:extLst>
-                <a:ext uri="{FF2B5EF4-FFF2-40B4-BE49-F238E27FC236}">
-                  <a16:creationId xmlns:a16="http://schemas.microsoft.com/office/drawing/2014/main" id="{22310394-721E-CC44-BD76-335735C0161B}"/>
-                </a:ext>
-              </a:extLst>
-            </p:cNvPr>
-            <p:cNvSpPr/>
-            <p:nvPr/>
-          </p:nvSpPr>
-          <p:spPr>
-            <a:xfrm rot="5400000">
-              <a:off x="15442813" y="13073648"/>
-              <a:ext cx="204213" cy="4893192"/>
-            </a:xfrm>
-            <a:prstGeom prst="rect">
-              <a:avLst/>
-            </a:prstGeom>
-            <a:solidFill>
-              <a:schemeClr val="tx2">
-                <a:lumMod val="75000"/>
-              </a:schemeClr>
-            </a:solidFill>
-          </p:spPr>
-          <p:style>
-            <a:lnRef idx="2">
-              <a:schemeClr val="accent1">
-                <a:shade val="50000"/>
-              </a:schemeClr>
-            </a:lnRef>
-            <a:fillRef idx="1">
-              <a:schemeClr val="accent1"/>
-            </a:fillRef>
-            <a:effectRef idx="0">
-              <a:schemeClr val="accent1"/>
-            </a:effectRef>
-            <a:fontRef idx="minor">
-              <a:schemeClr val="lt1"/>
-            </a:fontRef>
-          </p:style>
-          <p:txBody>
-            <a:bodyPr rtlCol="0" anchor="ctr"/>
-            <a:lstStyle/>
-            <a:p>
-              <a:pPr algn="ctr"/>
-              <a:endParaRPr kumimoji="1" lang="zh-TW" altLang="en-US" dirty="0"/>
-            </a:p>
-          </p:txBody>
-        </p:sp>
-        <p:sp>
-          <p:nvSpPr>
-            <p:cNvPr id="149" name="向下箭號 148">
-              <a:extLst>
-                <a:ext uri="{FF2B5EF4-FFF2-40B4-BE49-F238E27FC236}">
-                  <a16:creationId xmlns:a16="http://schemas.microsoft.com/office/drawing/2014/main" id="{6717225D-6B8E-8D42-9872-7E569A2D84BA}"/>
-                </a:ext>
-              </a:extLst>
-            </p:cNvPr>
-            <p:cNvSpPr/>
-            <p:nvPr/>
-          </p:nvSpPr>
-          <p:spPr>
-            <a:xfrm>
-              <a:off x="19820292" y="15299548"/>
-              <a:ext cx="403521" cy="708164"/>
-            </a:xfrm>
-            <a:prstGeom prst="downArrow">
-              <a:avLst/>
-            </a:prstGeom>
-            <a:solidFill>
-              <a:schemeClr val="tx2">
-                <a:lumMod val="75000"/>
-              </a:schemeClr>
-            </a:solidFill>
-          </p:spPr>
-          <p:style>
-            <a:lnRef idx="2">
-              <a:schemeClr val="accent1">
-                <a:shade val="50000"/>
-              </a:schemeClr>
-            </a:lnRef>
-            <a:fillRef idx="1">
-              <a:schemeClr val="accent1"/>
-            </a:fillRef>
-            <a:effectRef idx="0">
-              <a:schemeClr val="accent1"/>
-            </a:effectRef>
-            <a:fontRef idx="minor">
-              <a:schemeClr val="lt1"/>
-            </a:fontRef>
-          </p:style>
-          <p:txBody>
-            <a:bodyPr rtlCol="0" anchor="ctr"/>
-            <a:lstStyle/>
-            <a:p>
-              <a:pPr algn="ctr"/>
-              <a:endParaRPr kumimoji="1" lang="zh-TW" altLang="en-US" dirty="0"/>
-            </a:p>
-          </p:txBody>
-        </p:sp>
-        <p:sp>
-          <p:nvSpPr>
-            <p:cNvPr id="150" name="向下箭號 149">
-              <a:extLst>
-                <a:ext uri="{FF2B5EF4-FFF2-40B4-BE49-F238E27FC236}">
-                  <a16:creationId xmlns:a16="http://schemas.microsoft.com/office/drawing/2014/main" id="{309EC31F-C92B-244F-A408-DD805F3FA8FC}"/>
-                </a:ext>
-              </a:extLst>
-            </p:cNvPr>
-            <p:cNvSpPr/>
-            <p:nvPr/>
-          </p:nvSpPr>
-          <p:spPr>
-            <a:xfrm>
-              <a:off x="14478171" y="15193435"/>
-              <a:ext cx="403521" cy="814276"/>
-            </a:xfrm>
-            <a:prstGeom prst="downArrow">
-              <a:avLst/>
-            </a:prstGeom>
-            <a:solidFill>
-              <a:schemeClr val="tx2">
-                <a:lumMod val="75000"/>
-              </a:schemeClr>
-            </a:solidFill>
-          </p:spPr>
-          <p:style>
-            <a:lnRef idx="2">
-              <a:schemeClr val="accent1">
-                <a:shade val="50000"/>
-              </a:schemeClr>
-            </a:lnRef>
-            <a:fillRef idx="1">
-              <a:schemeClr val="accent1"/>
-            </a:fillRef>
-            <a:effectRef idx="0">
-              <a:schemeClr val="accent1"/>
-            </a:effectRef>
-            <a:fontRef idx="minor">
-              <a:schemeClr val="lt1"/>
-            </a:fontRef>
-          </p:style>
-          <p:txBody>
-            <a:bodyPr rtlCol="0" anchor="ctr"/>
-            <a:lstStyle/>
-            <a:p>
-              <a:pPr algn="ctr"/>
-              <a:endParaRPr kumimoji="1" lang="zh-TW" altLang="en-US" dirty="0"/>
-            </a:p>
-          </p:txBody>
-        </p:sp>
-        <p:sp>
-          <p:nvSpPr>
-            <p:cNvPr id="151" name="圓角矩形 150">
-              <a:extLst>
-                <a:ext uri="{FF2B5EF4-FFF2-40B4-BE49-F238E27FC236}">
-                  <a16:creationId xmlns:a16="http://schemas.microsoft.com/office/drawing/2014/main" id="{C41FAAB4-860C-D241-839A-837C75E71776}"/>
-                </a:ext>
-              </a:extLst>
-            </p:cNvPr>
-            <p:cNvSpPr/>
-            <p:nvPr/>
-          </p:nvSpPr>
-          <p:spPr>
-            <a:xfrm>
-              <a:off x="17589638" y="16032692"/>
-              <a:ext cx="2690667" cy="430430"/>
-            </a:xfrm>
-            <a:prstGeom prst="roundRect">
-              <a:avLst/>
-            </a:prstGeom>
-            <a:solidFill>
-              <a:schemeClr val="accent1"/>
-            </a:solidFill>
-          </p:spPr>
-          <p:style>
-            <a:lnRef idx="2">
-              <a:schemeClr val="accent1">
-                <a:shade val="50000"/>
-              </a:schemeClr>
-            </a:lnRef>
-            <a:fillRef idx="1">
-              <a:schemeClr val="accent1"/>
-            </a:fillRef>
-            <a:effectRef idx="0">
-              <a:schemeClr val="accent1"/>
-            </a:effectRef>
-            <a:fontRef idx="minor">
-              <a:schemeClr val="lt1"/>
-            </a:fontRef>
-          </p:style>
-          <p:txBody>
-            <a:bodyPr rtlCol="0" anchor="ctr"/>
-            <a:lstStyle/>
-            <a:p>
-              <a:pPr algn="ctr"/>
-              <a:r>
-                <a:rPr kumimoji="1" lang="en-US" altLang="zh-TW" sz="3000" dirty="0">
-                  <a:solidFill>
-                    <a:schemeClr val="bg1"/>
-                  </a:solidFill>
-                  <a:latin typeface="Microsoft JhengHei" panose="020B0604030504040204" pitchFamily="34" charset="-120"/>
-                  <a:ea typeface="Microsoft JhengHei" panose="020B0604030504040204" pitchFamily="34" charset="-120"/>
-                </a:rPr>
-                <a:t>train</a:t>
-              </a:r>
-              <a:endParaRPr kumimoji="1" lang="zh-TW" altLang="en-US" sz="3000" dirty="0">
-                <a:solidFill>
-                  <a:schemeClr val="bg1"/>
-                </a:solidFill>
-                <a:latin typeface="Microsoft JhengHei" panose="020B0604030504040204" pitchFamily="34" charset="-120"/>
-                <a:ea typeface="Microsoft JhengHei" panose="020B0604030504040204" pitchFamily="34" charset="-120"/>
-              </a:endParaRPr>
-            </a:p>
-          </p:txBody>
-        </p:sp>
-        <p:sp>
-          <p:nvSpPr>
-            <p:cNvPr id="152" name="向下箭號 151">
-              <a:extLst>
-                <a:ext uri="{FF2B5EF4-FFF2-40B4-BE49-F238E27FC236}">
-                  <a16:creationId xmlns:a16="http://schemas.microsoft.com/office/drawing/2014/main" id="{50D5E080-2FC1-5342-9496-A725E24FB619}"/>
-                </a:ext>
-              </a:extLst>
-            </p:cNvPr>
-            <p:cNvSpPr/>
-            <p:nvPr/>
-          </p:nvSpPr>
-          <p:spPr>
-            <a:xfrm>
-              <a:off x="13183472" y="16510747"/>
-              <a:ext cx="1338107" cy="479109"/>
-            </a:xfrm>
-            <a:prstGeom prst="downArrow">
-              <a:avLst/>
-            </a:prstGeom>
-            <a:solidFill>
-              <a:schemeClr val="tx2">
-                <a:lumMod val="75000"/>
-              </a:schemeClr>
-            </a:solidFill>
-          </p:spPr>
-          <p:style>
-            <a:lnRef idx="2">
-              <a:schemeClr val="accent1">
-                <a:shade val="50000"/>
-              </a:schemeClr>
-            </a:lnRef>
-            <a:fillRef idx="1">
-              <a:schemeClr val="accent1"/>
-            </a:fillRef>
-            <a:effectRef idx="0">
-              <a:schemeClr val="accent1"/>
-            </a:effectRef>
-            <a:fontRef idx="minor">
-              <a:schemeClr val="lt1"/>
-            </a:fontRef>
-          </p:style>
-          <p:txBody>
-            <a:bodyPr rtlCol="0" anchor="ctr"/>
-            <a:lstStyle/>
-            <a:p>
-              <a:pPr algn="ctr"/>
-              <a:endParaRPr kumimoji="1" lang="zh-TW" altLang="en-US" dirty="0"/>
-            </a:p>
-          </p:txBody>
-        </p:sp>
-        <p:sp>
-          <p:nvSpPr>
-            <p:cNvPr id="153" name="向下箭號 152">
-              <a:extLst>
-                <a:ext uri="{FF2B5EF4-FFF2-40B4-BE49-F238E27FC236}">
-                  <a16:creationId xmlns:a16="http://schemas.microsoft.com/office/drawing/2014/main" id="{637CBDAA-99AC-474A-8A03-0B353E5DA8CF}"/>
-                </a:ext>
-              </a:extLst>
-            </p:cNvPr>
-            <p:cNvSpPr/>
-            <p:nvPr/>
-          </p:nvSpPr>
-          <p:spPr>
-            <a:xfrm>
-              <a:off x="18308563" y="16516397"/>
-              <a:ext cx="1338107" cy="479109"/>
-            </a:xfrm>
-            <a:prstGeom prst="downArrow">
-              <a:avLst/>
-            </a:prstGeom>
-            <a:solidFill>
-              <a:schemeClr val="tx2">
-                <a:lumMod val="75000"/>
-              </a:schemeClr>
-            </a:solidFill>
-          </p:spPr>
-          <p:style>
-            <a:lnRef idx="2">
-              <a:schemeClr val="accent1">
-                <a:shade val="50000"/>
-              </a:schemeClr>
-            </a:lnRef>
-            <a:fillRef idx="1">
-              <a:schemeClr val="accent1"/>
-            </a:fillRef>
-            <a:effectRef idx="0">
-              <a:schemeClr val="accent1"/>
-            </a:effectRef>
-            <a:fontRef idx="minor">
-              <a:schemeClr val="lt1"/>
-            </a:fontRef>
-          </p:style>
-          <p:txBody>
-            <a:bodyPr rtlCol="0" anchor="ctr"/>
-            <a:lstStyle/>
-            <a:p>
-              <a:pPr algn="ctr"/>
-              <a:endParaRPr kumimoji="1" lang="zh-TW" altLang="en-US" dirty="0"/>
-            </a:p>
-          </p:txBody>
-        </p:sp>
-        <p:sp>
-          <p:nvSpPr>
-            <p:cNvPr id="154" name="圓角矩形 153">
-              <a:extLst>
-                <a:ext uri="{FF2B5EF4-FFF2-40B4-BE49-F238E27FC236}">
-                  <a16:creationId xmlns:a16="http://schemas.microsoft.com/office/drawing/2014/main" id="{5C339DFD-B33C-A84B-95AB-D94A7C58FBA6}"/>
-                </a:ext>
-              </a:extLst>
-            </p:cNvPr>
-            <p:cNvSpPr/>
-            <p:nvPr/>
-          </p:nvSpPr>
-          <p:spPr>
-            <a:xfrm>
-              <a:off x="12183420" y="18225899"/>
-              <a:ext cx="8681442" cy="908288"/>
-            </a:xfrm>
-            <a:prstGeom prst="roundRect">
-              <a:avLst/>
-            </a:prstGeom>
-            <a:solidFill>
-              <a:schemeClr val="accent1"/>
-            </a:solidFill>
-          </p:spPr>
-          <p:style>
-            <a:lnRef idx="2">
-              <a:schemeClr val="accent1">
-                <a:shade val="50000"/>
-              </a:schemeClr>
-            </a:lnRef>
-            <a:fillRef idx="1">
-              <a:schemeClr val="accent1"/>
-            </a:fillRef>
-            <a:effectRef idx="0">
-              <a:schemeClr val="accent1"/>
-            </a:effectRef>
-            <a:fontRef idx="minor">
-              <a:schemeClr val="lt1"/>
-            </a:fontRef>
-          </p:style>
-          <p:txBody>
-            <a:bodyPr rtlCol="0" anchor="ctr"/>
-            <a:lstStyle/>
-            <a:p>
-              <a:pPr algn="ctr"/>
-              <a:r>
-                <a:rPr kumimoji="1" lang="en-US" altLang="zh-TW" sz="3000" dirty="0">
-                  <a:solidFill>
-                    <a:schemeClr val="bg1"/>
-                  </a:solidFill>
-                  <a:latin typeface="Microsoft JhengHei" panose="020B0604030504040204" pitchFamily="34" charset="-120"/>
-                  <a:ea typeface="Microsoft JhengHei" panose="020B0604030504040204" pitchFamily="34" charset="-120"/>
-                </a:rPr>
-                <a:t>Accuracy Evaluation (vs Target Model)</a:t>
               </a:r>
               <a:endParaRPr kumimoji="1" lang="zh-TW" altLang="en-US" sz="3000" dirty="0">
                 <a:solidFill>
@@ -9641,6 +8625,1026 @@
           </a:p>
         </p:txBody>
       </p:sp>
+      <p:grpSp>
+        <p:nvGrpSpPr>
+          <p:cNvPr id="187" name="群組 186">
+            <a:extLst>
+              <a:ext uri="{FF2B5EF4-FFF2-40B4-BE49-F238E27FC236}">
+                <a16:creationId xmlns:a16="http://schemas.microsoft.com/office/drawing/2014/main" id="{E137B5D8-12E9-1347-86FA-181D743BFB0B}"/>
+              </a:ext>
+            </a:extLst>
+          </p:cNvPr>
+          <p:cNvGrpSpPr/>
+          <p:nvPr/>
+        </p:nvGrpSpPr>
+        <p:grpSpPr>
+          <a:xfrm>
+            <a:off x="1667159" y="22576227"/>
+            <a:ext cx="8271926" cy="6701707"/>
+            <a:chOff x="12180790" y="11328000"/>
+            <a:chExt cx="8684076" cy="7806187"/>
+          </a:xfrm>
+        </p:grpSpPr>
+        <p:sp>
+          <p:nvSpPr>
+            <p:cNvPr id="188" name="圓角矩形 187">
+              <a:extLst>
+                <a:ext uri="{FF2B5EF4-FFF2-40B4-BE49-F238E27FC236}">
+                  <a16:creationId xmlns:a16="http://schemas.microsoft.com/office/drawing/2014/main" id="{763C87A9-6E7E-5C48-8C04-F52999FBD726}"/>
+                </a:ext>
+              </a:extLst>
+            </p:cNvPr>
+            <p:cNvSpPr/>
+            <p:nvPr/>
+          </p:nvSpPr>
+          <p:spPr>
+            <a:xfrm>
+              <a:off x="17356466" y="17044488"/>
+              <a:ext cx="3508400" cy="912954"/>
+            </a:xfrm>
+            <a:prstGeom prst="roundRect">
+              <a:avLst/>
+            </a:prstGeom>
+            <a:solidFill>
+              <a:schemeClr val="accent1"/>
+            </a:solidFill>
+          </p:spPr>
+          <p:style>
+            <a:lnRef idx="2">
+              <a:schemeClr val="accent1">
+                <a:shade val="50000"/>
+              </a:schemeClr>
+            </a:lnRef>
+            <a:fillRef idx="1">
+              <a:schemeClr val="accent1"/>
+            </a:fillRef>
+            <a:effectRef idx="0">
+              <a:schemeClr val="accent1"/>
+            </a:effectRef>
+            <a:fontRef idx="minor">
+              <a:schemeClr val="lt1"/>
+            </a:fontRef>
+          </p:style>
+          <p:txBody>
+            <a:bodyPr rtlCol="0" anchor="ctr"/>
+            <a:lstStyle/>
+            <a:p>
+              <a:pPr algn="ctr"/>
+              <a:r>
+                <a:rPr kumimoji="1" lang="en-US" altLang="zh-TW" sz="2400" b="1" u="sng" dirty="0">
+                  <a:solidFill>
+                    <a:schemeClr val="bg1"/>
+                  </a:solidFill>
+                  <a:latin typeface="Microsoft JhengHei" panose="020B0604030504040204" pitchFamily="34" charset="-120"/>
+                  <a:ea typeface="Microsoft JhengHei" panose="020B0604030504040204" pitchFamily="34" charset="-120"/>
+                </a:rPr>
+                <a:t>Control Model</a:t>
+              </a:r>
+              <a:endParaRPr kumimoji="1" lang="zh-TW" altLang="en-US" sz="2400" b="1" u="sng" dirty="0">
+                <a:solidFill>
+                  <a:schemeClr val="bg1"/>
+                </a:solidFill>
+                <a:latin typeface="Microsoft JhengHei" panose="020B0604030504040204" pitchFamily="34" charset="-120"/>
+                <a:ea typeface="Microsoft JhengHei" panose="020B0604030504040204" pitchFamily="34" charset="-120"/>
+              </a:endParaRPr>
+            </a:p>
+          </p:txBody>
+        </p:sp>
+        <p:sp>
+          <p:nvSpPr>
+            <p:cNvPr id="189" name="圓角矩形 188">
+              <a:extLst>
+                <a:ext uri="{FF2B5EF4-FFF2-40B4-BE49-F238E27FC236}">
+                  <a16:creationId xmlns:a16="http://schemas.microsoft.com/office/drawing/2014/main" id="{969ADDB3-5B52-C441-99B9-C86577099821}"/>
+                </a:ext>
+              </a:extLst>
+            </p:cNvPr>
+            <p:cNvSpPr/>
+            <p:nvPr/>
+          </p:nvSpPr>
+          <p:spPr>
+            <a:xfrm>
+              <a:off x="12180790" y="17030603"/>
+              <a:ext cx="3508396" cy="908288"/>
+            </a:xfrm>
+            <a:prstGeom prst="roundRect">
+              <a:avLst/>
+            </a:prstGeom>
+            <a:solidFill>
+              <a:schemeClr val="accent1"/>
+            </a:solidFill>
+          </p:spPr>
+          <p:style>
+            <a:lnRef idx="2">
+              <a:schemeClr val="accent1">
+                <a:shade val="50000"/>
+              </a:schemeClr>
+            </a:lnRef>
+            <a:fillRef idx="1">
+              <a:schemeClr val="accent1"/>
+            </a:fillRef>
+            <a:effectRef idx="0">
+              <a:schemeClr val="accent1"/>
+            </a:effectRef>
+            <a:fontRef idx="minor">
+              <a:schemeClr val="lt1"/>
+            </a:fontRef>
+          </p:style>
+          <p:txBody>
+            <a:bodyPr rtlCol="0" anchor="ctr"/>
+            <a:lstStyle/>
+            <a:p>
+              <a:pPr algn="ctr"/>
+              <a:r>
+                <a:rPr kumimoji="1" lang="en-US" altLang="zh-TW" sz="2400" b="1" u="sng" dirty="0">
+                  <a:solidFill>
+                    <a:schemeClr val="bg1"/>
+                  </a:solidFill>
+                  <a:latin typeface="Microsoft JhengHei" panose="020B0604030504040204" pitchFamily="34" charset="-120"/>
+                  <a:ea typeface="Microsoft JhengHei" panose="020B0604030504040204" pitchFamily="34" charset="-120"/>
+                </a:rPr>
+                <a:t>Copy Model</a:t>
+              </a:r>
+              <a:endParaRPr kumimoji="1" lang="zh-TW" altLang="en-US" sz="2400" b="1" u="sng" dirty="0">
+                <a:solidFill>
+                  <a:schemeClr val="bg1"/>
+                </a:solidFill>
+                <a:latin typeface="Microsoft JhengHei" panose="020B0604030504040204" pitchFamily="34" charset="-120"/>
+                <a:ea typeface="Microsoft JhengHei" panose="020B0604030504040204" pitchFamily="34" charset="-120"/>
+              </a:endParaRPr>
+            </a:p>
+          </p:txBody>
+        </p:sp>
+        <p:sp>
+          <p:nvSpPr>
+            <p:cNvPr id="190" name="文字方塊 189">
+              <a:extLst>
+                <a:ext uri="{FF2B5EF4-FFF2-40B4-BE49-F238E27FC236}">
+                  <a16:creationId xmlns:a16="http://schemas.microsoft.com/office/drawing/2014/main" id="{6A46963A-49F3-2F4A-8F4D-E5C7682F6992}"/>
+                </a:ext>
+              </a:extLst>
+            </p:cNvPr>
+            <p:cNvSpPr txBox="1"/>
+            <p:nvPr/>
+          </p:nvSpPr>
+          <p:spPr>
+            <a:xfrm>
+              <a:off x="14906563" y="11328000"/>
+              <a:ext cx="3970711" cy="762476"/>
+            </a:xfrm>
+            <a:prstGeom prst="rect">
+              <a:avLst/>
+            </a:prstGeom>
+            <a:noFill/>
+          </p:spPr>
+          <p:txBody>
+            <a:bodyPr wrap="none" rtlCol="0">
+              <a:spAutoFit/>
+            </a:bodyPr>
+            <a:lstStyle/>
+            <a:p>
+              <a:r>
+                <a:rPr kumimoji="1" lang="en-US" altLang="zh-CN" sz="2800" dirty="0"/>
+                <a:t>( </a:t>
+              </a:r>
+              <a:r>
+                <a:rPr kumimoji="1" lang="en-US" altLang="zh-CN" sz="2800" b="1" dirty="0" err="1" smtClean="0"/>
+                <a:t>X_training_data</a:t>
+              </a:r>
+              <a:r>
+                <a:rPr kumimoji="1" lang="en-US" altLang="zh-CN" sz="2800" dirty="0" smtClean="0"/>
+                <a:t> </a:t>
+              </a:r>
+              <a:r>
+                <a:rPr kumimoji="1" lang="en-US" altLang="zh-CN" sz="2800" dirty="0"/>
+                <a:t>)</a:t>
+              </a:r>
+            </a:p>
+          </p:txBody>
+        </p:sp>
+        <p:sp>
+          <p:nvSpPr>
+            <p:cNvPr id="191" name="圓角矩形 190">
+              <a:extLst>
+                <a:ext uri="{FF2B5EF4-FFF2-40B4-BE49-F238E27FC236}">
+                  <a16:creationId xmlns:a16="http://schemas.microsoft.com/office/drawing/2014/main" id="{5237820B-6ADF-CB44-80D2-97F9674FFB82}"/>
+                </a:ext>
+              </a:extLst>
+            </p:cNvPr>
+            <p:cNvSpPr/>
+            <p:nvPr/>
+          </p:nvSpPr>
+          <p:spPr>
+            <a:xfrm>
+              <a:off x="13478329" y="12726646"/>
+              <a:ext cx="5903576" cy="1488176"/>
+            </a:xfrm>
+            <a:prstGeom prst="roundRect">
+              <a:avLst/>
+            </a:prstGeom>
+            <a:solidFill>
+              <a:schemeClr val="accent1"/>
+            </a:solidFill>
+          </p:spPr>
+          <p:style>
+            <a:lnRef idx="2">
+              <a:schemeClr val="accent1">
+                <a:shade val="50000"/>
+              </a:schemeClr>
+            </a:lnRef>
+            <a:fillRef idx="1">
+              <a:schemeClr val="accent1"/>
+            </a:fillRef>
+            <a:effectRef idx="0">
+              <a:schemeClr val="accent1"/>
+            </a:effectRef>
+            <a:fontRef idx="minor">
+              <a:schemeClr val="lt1"/>
+            </a:fontRef>
+          </p:style>
+          <p:txBody>
+            <a:bodyPr rtlCol="0" anchor="ctr"/>
+            <a:lstStyle/>
+            <a:p>
+              <a:pPr algn="ctr"/>
+              <a:r>
+                <a:rPr kumimoji="1" lang="en-US" altLang="zh-TW" sz="2400" dirty="0">
+                  <a:solidFill>
+                    <a:schemeClr val="bg1"/>
+                  </a:solidFill>
+                  <a:latin typeface="Microsoft JhengHei" panose="020B0604030504040204" pitchFamily="34" charset="-120"/>
+                  <a:ea typeface="Microsoft JhengHei" panose="020B0604030504040204" pitchFamily="34" charset="-120"/>
+                </a:rPr>
+                <a:t>Target model (pre-trained)</a:t>
+              </a:r>
+              <a:endParaRPr kumimoji="1" lang="zh-TW" altLang="en-US" sz="2400" dirty="0">
+                <a:solidFill>
+                  <a:schemeClr val="bg1"/>
+                </a:solidFill>
+                <a:latin typeface="Microsoft JhengHei" panose="020B0604030504040204" pitchFamily="34" charset="-120"/>
+                <a:ea typeface="Microsoft JhengHei" panose="020B0604030504040204" pitchFamily="34" charset="-120"/>
+              </a:endParaRPr>
+            </a:p>
+          </p:txBody>
+        </p:sp>
+        <p:sp>
+          <p:nvSpPr>
+            <p:cNvPr id="192" name="文字方塊 191">
+              <a:extLst>
+                <a:ext uri="{FF2B5EF4-FFF2-40B4-BE49-F238E27FC236}">
+                  <a16:creationId xmlns:a16="http://schemas.microsoft.com/office/drawing/2014/main" id="{611F6DFE-C932-EA4A-8AD5-B993CB34FEFF}"/>
+                </a:ext>
+              </a:extLst>
+            </p:cNvPr>
+            <p:cNvSpPr txBox="1"/>
+            <p:nvPr/>
+          </p:nvSpPr>
+          <p:spPr>
+            <a:xfrm>
+              <a:off x="13684418" y="14624456"/>
+              <a:ext cx="7026971" cy="672773"/>
+            </a:xfrm>
+            <a:prstGeom prst="rect">
+              <a:avLst/>
+            </a:prstGeom>
+            <a:noFill/>
+          </p:spPr>
+          <p:txBody>
+            <a:bodyPr wrap="square" rtlCol="0">
+              <a:spAutoFit/>
+            </a:bodyPr>
+            <a:lstStyle/>
+            <a:p>
+              <a:r>
+                <a:rPr kumimoji="1" lang="en-US" altLang="zh-CN" sz="2400" b="1" dirty="0"/>
+                <a:t>( </a:t>
+              </a:r>
+              <a:r>
+                <a:rPr kumimoji="1" lang="en-US" altLang="zh-CN" sz="2400" b="1" dirty="0" err="1"/>
+                <a:t>Y_target_probability</a:t>
+              </a:r>
+              <a:r>
+                <a:rPr kumimoji="1" lang="en-US" altLang="zh-CN" sz="2400" dirty="0"/>
+                <a:t> , </a:t>
+              </a:r>
+              <a:r>
+                <a:rPr kumimoji="1" lang="en-US" altLang="zh-CN" sz="2400" b="1" dirty="0" err="1"/>
+                <a:t>Y_target_label</a:t>
+              </a:r>
+              <a:r>
+                <a:rPr kumimoji="1" lang="en-US" altLang="zh-CN" sz="2400" b="1" dirty="0"/>
+                <a:t> )</a:t>
+              </a:r>
+              <a:endParaRPr kumimoji="1" lang="en-US" altLang="zh-CN" sz="2400" dirty="0"/>
+            </a:p>
+          </p:txBody>
+        </p:sp>
+        <p:sp>
+          <p:nvSpPr>
+            <p:cNvPr id="193" name="向下箭號 192">
+              <a:extLst>
+                <a:ext uri="{FF2B5EF4-FFF2-40B4-BE49-F238E27FC236}">
+                  <a16:creationId xmlns:a16="http://schemas.microsoft.com/office/drawing/2014/main" id="{16439768-8595-BC49-88E2-83397F7A9C85}"/>
+                </a:ext>
+              </a:extLst>
+            </p:cNvPr>
+            <p:cNvSpPr/>
+            <p:nvPr/>
+          </p:nvSpPr>
+          <p:spPr>
+            <a:xfrm>
+              <a:off x="15954870" y="12059072"/>
+              <a:ext cx="950494" cy="684072"/>
+            </a:xfrm>
+            <a:prstGeom prst="downArrow">
+              <a:avLst/>
+            </a:prstGeom>
+            <a:solidFill>
+              <a:schemeClr val="tx2">
+                <a:lumMod val="75000"/>
+              </a:schemeClr>
+            </a:solidFill>
+          </p:spPr>
+          <p:style>
+            <a:lnRef idx="2">
+              <a:schemeClr val="accent1">
+                <a:shade val="50000"/>
+              </a:schemeClr>
+            </a:lnRef>
+            <a:fillRef idx="1">
+              <a:schemeClr val="accent1"/>
+            </a:fillRef>
+            <a:effectRef idx="0">
+              <a:schemeClr val="accent1"/>
+            </a:effectRef>
+            <a:fontRef idx="minor">
+              <a:schemeClr val="lt1"/>
+            </a:fontRef>
+          </p:style>
+          <p:txBody>
+            <a:bodyPr rtlCol="0" anchor="ctr"/>
+            <a:lstStyle/>
+            <a:p>
+              <a:pPr algn="ctr"/>
+              <a:endParaRPr kumimoji="1" lang="zh-TW" altLang="en-US" sz="1400" dirty="0"/>
+            </a:p>
+          </p:txBody>
+        </p:sp>
+        <p:sp>
+          <p:nvSpPr>
+            <p:cNvPr id="194" name="向下箭號 193">
+              <a:extLst>
+                <a:ext uri="{FF2B5EF4-FFF2-40B4-BE49-F238E27FC236}">
+                  <a16:creationId xmlns:a16="http://schemas.microsoft.com/office/drawing/2014/main" id="{ECB3F12C-F2E7-2C45-B7C4-E62F72BAAE99}"/>
+                </a:ext>
+              </a:extLst>
+            </p:cNvPr>
+            <p:cNvSpPr/>
+            <p:nvPr/>
+          </p:nvSpPr>
+          <p:spPr>
+            <a:xfrm>
+              <a:off x="15855086" y="14214245"/>
+              <a:ext cx="1338107" cy="479109"/>
+            </a:xfrm>
+            <a:prstGeom prst="downArrow">
+              <a:avLst/>
+            </a:prstGeom>
+            <a:solidFill>
+              <a:schemeClr val="tx2">
+                <a:lumMod val="75000"/>
+              </a:schemeClr>
+            </a:solidFill>
+          </p:spPr>
+          <p:style>
+            <a:lnRef idx="2">
+              <a:schemeClr val="accent1">
+                <a:shade val="50000"/>
+              </a:schemeClr>
+            </a:lnRef>
+            <a:fillRef idx="1">
+              <a:schemeClr val="accent1"/>
+            </a:fillRef>
+            <a:effectRef idx="0">
+              <a:schemeClr val="accent1"/>
+            </a:effectRef>
+            <a:fontRef idx="minor">
+              <a:schemeClr val="lt1"/>
+            </a:fontRef>
+          </p:style>
+          <p:txBody>
+            <a:bodyPr rtlCol="0" anchor="ctr"/>
+            <a:lstStyle/>
+            <a:p>
+              <a:pPr algn="ctr"/>
+              <a:endParaRPr kumimoji="1" lang="zh-TW" altLang="en-US" sz="1400" dirty="0"/>
+            </a:p>
+          </p:txBody>
+        </p:sp>
+        <p:sp>
+          <p:nvSpPr>
+            <p:cNvPr id="195" name="圓角矩形 194">
+              <a:extLst>
+                <a:ext uri="{FF2B5EF4-FFF2-40B4-BE49-F238E27FC236}">
+                  <a16:creationId xmlns:a16="http://schemas.microsoft.com/office/drawing/2014/main" id="{D3D6A1A5-8200-6248-B743-38A02999CE41}"/>
+                </a:ext>
+              </a:extLst>
+            </p:cNvPr>
+            <p:cNvSpPr/>
+            <p:nvPr/>
+          </p:nvSpPr>
+          <p:spPr>
+            <a:xfrm>
+              <a:off x="12507193" y="16039829"/>
+              <a:ext cx="2690667" cy="430430"/>
+            </a:xfrm>
+            <a:prstGeom prst="roundRect">
+              <a:avLst/>
+            </a:prstGeom>
+            <a:solidFill>
+              <a:schemeClr val="accent1"/>
+            </a:solidFill>
+          </p:spPr>
+          <p:style>
+            <a:lnRef idx="2">
+              <a:schemeClr val="accent1">
+                <a:shade val="50000"/>
+              </a:schemeClr>
+            </a:lnRef>
+            <a:fillRef idx="1">
+              <a:schemeClr val="accent1"/>
+            </a:fillRef>
+            <a:effectRef idx="0">
+              <a:schemeClr val="accent1"/>
+            </a:effectRef>
+            <a:fontRef idx="minor">
+              <a:schemeClr val="lt1"/>
+            </a:fontRef>
+          </p:style>
+          <p:txBody>
+            <a:bodyPr rtlCol="0" anchor="ctr"/>
+            <a:lstStyle/>
+            <a:p>
+              <a:pPr algn="ctr"/>
+              <a:r>
+                <a:rPr kumimoji="1" lang="en-US" altLang="zh-TW" sz="2400" dirty="0">
+                  <a:solidFill>
+                    <a:schemeClr val="bg1"/>
+                  </a:solidFill>
+                  <a:latin typeface="Microsoft JhengHei" panose="020B0604030504040204" pitchFamily="34" charset="-120"/>
+                  <a:ea typeface="Microsoft JhengHei" panose="020B0604030504040204" pitchFamily="34" charset="-120"/>
+                </a:rPr>
+                <a:t>train</a:t>
+              </a:r>
+              <a:endParaRPr kumimoji="1" lang="zh-TW" altLang="en-US" sz="2400" dirty="0">
+                <a:solidFill>
+                  <a:schemeClr val="bg1"/>
+                </a:solidFill>
+                <a:latin typeface="Microsoft JhengHei" panose="020B0604030504040204" pitchFamily="34" charset="-120"/>
+                <a:ea typeface="Microsoft JhengHei" panose="020B0604030504040204" pitchFamily="34" charset="-120"/>
+              </a:endParaRPr>
+            </a:p>
+          </p:txBody>
+        </p:sp>
+        <p:sp>
+          <p:nvSpPr>
+            <p:cNvPr id="196" name="向下箭號 195">
+              <a:extLst>
+                <a:ext uri="{FF2B5EF4-FFF2-40B4-BE49-F238E27FC236}">
+                  <a16:creationId xmlns:a16="http://schemas.microsoft.com/office/drawing/2014/main" id="{A1038F3D-579B-5249-B369-8A744A7A8047}"/>
+                </a:ext>
+              </a:extLst>
+            </p:cNvPr>
+            <p:cNvSpPr/>
+            <p:nvPr/>
+          </p:nvSpPr>
+          <p:spPr>
+            <a:xfrm>
+              <a:off x="12697540" y="11629088"/>
+              <a:ext cx="403521" cy="4378625"/>
+            </a:xfrm>
+            <a:prstGeom prst="downArrow">
+              <a:avLst/>
+            </a:prstGeom>
+            <a:solidFill>
+              <a:schemeClr val="tx2">
+                <a:lumMod val="75000"/>
+              </a:schemeClr>
+            </a:solidFill>
+          </p:spPr>
+          <p:style>
+            <a:lnRef idx="2">
+              <a:schemeClr val="accent1">
+                <a:shade val="50000"/>
+              </a:schemeClr>
+            </a:lnRef>
+            <a:fillRef idx="1">
+              <a:schemeClr val="accent1"/>
+            </a:fillRef>
+            <a:effectRef idx="0">
+              <a:schemeClr val="accent1"/>
+            </a:effectRef>
+            <a:fontRef idx="minor">
+              <a:schemeClr val="lt1"/>
+            </a:fontRef>
+          </p:style>
+          <p:txBody>
+            <a:bodyPr rtlCol="0" anchor="ctr"/>
+            <a:lstStyle/>
+            <a:p>
+              <a:pPr algn="ctr"/>
+              <a:endParaRPr kumimoji="1" lang="zh-TW" altLang="en-US" sz="1400" dirty="0"/>
+            </a:p>
+          </p:txBody>
+        </p:sp>
+        <p:sp>
+          <p:nvSpPr>
+            <p:cNvPr id="197" name="向下箭號 196">
+              <a:extLst>
+                <a:ext uri="{FF2B5EF4-FFF2-40B4-BE49-F238E27FC236}">
+                  <a16:creationId xmlns:a16="http://schemas.microsoft.com/office/drawing/2014/main" id="{F47B0495-3344-CC43-8284-01956B15691C}"/>
+                </a:ext>
+              </a:extLst>
+            </p:cNvPr>
+            <p:cNvSpPr/>
+            <p:nvPr/>
+          </p:nvSpPr>
+          <p:spPr>
+            <a:xfrm>
+              <a:off x="17899745" y="15193437"/>
+              <a:ext cx="403521" cy="814276"/>
+            </a:xfrm>
+            <a:prstGeom prst="downArrow">
+              <a:avLst/>
+            </a:prstGeom>
+            <a:solidFill>
+              <a:schemeClr val="tx2">
+                <a:lumMod val="75000"/>
+              </a:schemeClr>
+            </a:solidFill>
+          </p:spPr>
+          <p:style>
+            <a:lnRef idx="2">
+              <a:schemeClr val="accent1">
+                <a:shade val="50000"/>
+              </a:schemeClr>
+            </a:lnRef>
+            <a:fillRef idx="1">
+              <a:schemeClr val="accent1"/>
+            </a:fillRef>
+            <a:effectRef idx="0">
+              <a:schemeClr val="accent1"/>
+            </a:effectRef>
+            <a:fontRef idx="minor">
+              <a:schemeClr val="lt1"/>
+            </a:fontRef>
+          </p:style>
+          <p:txBody>
+            <a:bodyPr rtlCol="0" anchor="ctr"/>
+            <a:lstStyle/>
+            <a:p>
+              <a:pPr algn="ctr"/>
+              <a:endParaRPr kumimoji="1" lang="zh-TW" altLang="en-US" sz="1400" dirty="0"/>
+            </a:p>
+          </p:txBody>
+        </p:sp>
+        <p:sp>
+          <p:nvSpPr>
+            <p:cNvPr id="198" name="矩形 197">
+              <a:extLst>
+                <a:ext uri="{FF2B5EF4-FFF2-40B4-BE49-F238E27FC236}">
+                  <a16:creationId xmlns:a16="http://schemas.microsoft.com/office/drawing/2014/main" id="{E697AEB9-6C65-E048-856F-26EEE6C4215E}"/>
+                </a:ext>
+              </a:extLst>
+            </p:cNvPr>
+            <p:cNvSpPr/>
+            <p:nvPr/>
+          </p:nvSpPr>
+          <p:spPr>
+            <a:xfrm>
+              <a:off x="18338654" y="11615349"/>
+              <a:ext cx="1769465" cy="195996"/>
+            </a:xfrm>
+            <a:prstGeom prst="rect">
+              <a:avLst/>
+            </a:prstGeom>
+            <a:solidFill>
+              <a:schemeClr val="tx2">
+                <a:lumMod val="75000"/>
+              </a:schemeClr>
+            </a:solidFill>
+          </p:spPr>
+          <p:style>
+            <a:lnRef idx="2">
+              <a:schemeClr val="accent1">
+                <a:shade val="50000"/>
+              </a:schemeClr>
+            </a:lnRef>
+            <a:fillRef idx="1">
+              <a:schemeClr val="accent1"/>
+            </a:fillRef>
+            <a:effectRef idx="0">
+              <a:schemeClr val="accent1"/>
+            </a:effectRef>
+            <a:fontRef idx="minor">
+              <a:schemeClr val="lt1"/>
+            </a:fontRef>
+          </p:style>
+          <p:txBody>
+            <a:bodyPr rtlCol="0" anchor="ctr"/>
+            <a:lstStyle/>
+            <a:p>
+              <a:pPr algn="ctr"/>
+              <a:endParaRPr kumimoji="1" lang="zh-TW" altLang="en-US" sz="1400" dirty="0"/>
+            </a:p>
+          </p:txBody>
+        </p:sp>
+        <p:sp>
+          <p:nvSpPr>
+            <p:cNvPr id="199" name="矩形 198">
+              <a:extLst>
+                <a:ext uri="{FF2B5EF4-FFF2-40B4-BE49-F238E27FC236}">
+                  <a16:creationId xmlns:a16="http://schemas.microsoft.com/office/drawing/2014/main" id="{3D626B99-9297-414A-AA00-BE27741A6691}"/>
+                </a:ext>
+              </a:extLst>
+            </p:cNvPr>
+            <p:cNvSpPr/>
+            <p:nvPr/>
+          </p:nvSpPr>
+          <p:spPr>
+            <a:xfrm rot="5400000">
+              <a:off x="13554984" y="10844749"/>
+              <a:ext cx="204214" cy="1728977"/>
+            </a:xfrm>
+            <a:prstGeom prst="rect">
+              <a:avLst/>
+            </a:prstGeom>
+            <a:solidFill>
+              <a:schemeClr val="tx2">
+                <a:lumMod val="75000"/>
+              </a:schemeClr>
+            </a:solidFill>
+          </p:spPr>
+          <p:style>
+            <a:lnRef idx="2">
+              <a:schemeClr val="accent1">
+                <a:shade val="50000"/>
+              </a:schemeClr>
+            </a:lnRef>
+            <a:fillRef idx="1">
+              <a:schemeClr val="accent1"/>
+            </a:fillRef>
+            <a:effectRef idx="0">
+              <a:schemeClr val="accent1"/>
+            </a:effectRef>
+            <a:fontRef idx="minor">
+              <a:schemeClr val="lt1"/>
+            </a:fontRef>
+          </p:style>
+          <p:txBody>
+            <a:bodyPr rtlCol="0" anchor="ctr"/>
+            <a:lstStyle/>
+            <a:p>
+              <a:pPr algn="ctr"/>
+              <a:endParaRPr kumimoji="1" lang="zh-TW" altLang="en-US" sz="1400" dirty="0"/>
+            </a:p>
+          </p:txBody>
+        </p:sp>
+        <p:sp>
+          <p:nvSpPr>
+            <p:cNvPr id="200" name="向下箭號 199">
+              <a:extLst>
+                <a:ext uri="{FF2B5EF4-FFF2-40B4-BE49-F238E27FC236}">
+                  <a16:creationId xmlns:a16="http://schemas.microsoft.com/office/drawing/2014/main" id="{40ACC1BC-D8DB-8342-8D22-D09936385D9D}"/>
+                </a:ext>
+              </a:extLst>
+            </p:cNvPr>
+            <p:cNvSpPr/>
+            <p:nvPr/>
+          </p:nvSpPr>
+          <p:spPr>
+            <a:xfrm>
+              <a:off x="19820291" y="11629088"/>
+              <a:ext cx="403521" cy="4378624"/>
+            </a:xfrm>
+            <a:prstGeom prst="downArrow">
+              <a:avLst/>
+            </a:prstGeom>
+            <a:solidFill>
+              <a:schemeClr val="tx2">
+                <a:lumMod val="75000"/>
+              </a:schemeClr>
+            </a:solidFill>
+          </p:spPr>
+          <p:style>
+            <a:lnRef idx="2">
+              <a:schemeClr val="accent1">
+                <a:shade val="50000"/>
+              </a:schemeClr>
+            </a:lnRef>
+            <a:fillRef idx="1">
+              <a:schemeClr val="accent1"/>
+            </a:fillRef>
+            <a:effectRef idx="0">
+              <a:schemeClr val="accent1"/>
+            </a:effectRef>
+            <a:fontRef idx="minor">
+              <a:schemeClr val="lt1"/>
+            </a:fontRef>
+          </p:style>
+          <p:txBody>
+            <a:bodyPr rtlCol="0" anchor="ctr"/>
+            <a:lstStyle/>
+            <a:p>
+              <a:pPr algn="ctr"/>
+              <a:endParaRPr kumimoji="1" lang="zh-TW" altLang="en-US" sz="1400" dirty="0"/>
+            </a:p>
+          </p:txBody>
+        </p:sp>
+        <p:sp>
+          <p:nvSpPr>
+            <p:cNvPr id="201" name="向下箭號 200">
+              <a:extLst>
+                <a:ext uri="{FF2B5EF4-FFF2-40B4-BE49-F238E27FC236}">
+                  <a16:creationId xmlns:a16="http://schemas.microsoft.com/office/drawing/2014/main" id="{339BA08B-90EB-3347-945E-B09649F2AC8D}"/>
+                </a:ext>
+              </a:extLst>
+            </p:cNvPr>
+            <p:cNvSpPr/>
+            <p:nvPr/>
+          </p:nvSpPr>
+          <p:spPr>
+            <a:xfrm>
+              <a:off x="14478171" y="15193435"/>
+              <a:ext cx="403521" cy="814276"/>
+            </a:xfrm>
+            <a:prstGeom prst="downArrow">
+              <a:avLst/>
+            </a:prstGeom>
+            <a:solidFill>
+              <a:schemeClr val="tx2">
+                <a:lumMod val="75000"/>
+              </a:schemeClr>
+            </a:solidFill>
+          </p:spPr>
+          <p:style>
+            <a:lnRef idx="2">
+              <a:schemeClr val="accent1">
+                <a:shade val="50000"/>
+              </a:schemeClr>
+            </a:lnRef>
+            <a:fillRef idx="1">
+              <a:schemeClr val="accent1"/>
+            </a:fillRef>
+            <a:effectRef idx="0">
+              <a:schemeClr val="accent1"/>
+            </a:effectRef>
+            <a:fontRef idx="minor">
+              <a:schemeClr val="lt1"/>
+            </a:fontRef>
+          </p:style>
+          <p:txBody>
+            <a:bodyPr rtlCol="0" anchor="ctr"/>
+            <a:lstStyle/>
+            <a:p>
+              <a:pPr algn="ctr"/>
+              <a:endParaRPr kumimoji="1" lang="zh-TW" altLang="en-US" sz="1400" dirty="0"/>
+            </a:p>
+          </p:txBody>
+        </p:sp>
+        <p:sp>
+          <p:nvSpPr>
+            <p:cNvPr id="202" name="圓角矩形 201">
+              <a:extLst>
+                <a:ext uri="{FF2B5EF4-FFF2-40B4-BE49-F238E27FC236}">
+                  <a16:creationId xmlns:a16="http://schemas.microsoft.com/office/drawing/2014/main" id="{C13A533C-7633-A342-AE3B-1A80FEAC0BA1}"/>
+                </a:ext>
+              </a:extLst>
+            </p:cNvPr>
+            <p:cNvSpPr/>
+            <p:nvPr/>
+          </p:nvSpPr>
+          <p:spPr>
+            <a:xfrm>
+              <a:off x="17589638" y="16032692"/>
+              <a:ext cx="2690667" cy="430430"/>
+            </a:xfrm>
+            <a:prstGeom prst="roundRect">
+              <a:avLst/>
+            </a:prstGeom>
+            <a:solidFill>
+              <a:schemeClr val="accent1"/>
+            </a:solidFill>
+          </p:spPr>
+          <p:style>
+            <a:lnRef idx="2">
+              <a:schemeClr val="accent1">
+                <a:shade val="50000"/>
+              </a:schemeClr>
+            </a:lnRef>
+            <a:fillRef idx="1">
+              <a:schemeClr val="accent1"/>
+            </a:fillRef>
+            <a:effectRef idx="0">
+              <a:schemeClr val="accent1"/>
+            </a:effectRef>
+            <a:fontRef idx="minor">
+              <a:schemeClr val="lt1"/>
+            </a:fontRef>
+          </p:style>
+          <p:txBody>
+            <a:bodyPr rtlCol="0" anchor="ctr"/>
+            <a:lstStyle/>
+            <a:p>
+              <a:pPr algn="ctr"/>
+              <a:r>
+                <a:rPr kumimoji="1" lang="en-US" altLang="zh-TW" sz="2400" dirty="0">
+                  <a:solidFill>
+                    <a:schemeClr val="bg1"/>
+                  </a:solidFill>
+                  <a:latin typeface="Microsoft JhengHei" panose="020B0604030504040204" pitchFamily="34" charset="-120"/>
+                  <a:ea typeface="Microsoft JhengHei" panose="020B0604030504040204" pitchFamily="34" charset="-120"/>
+                </a:rPr>
+                <a:t>train</a:t>
+              </a:r>
+              <a:endParaRPr kumimoji="1" lang="zh-TW" altLang="en-US" sz="2400" dirty="0">
+                <a:solidFill>
+                  <a:schemeClr val="bg1"/>
+                </a:solidFill>
+                <a:latin typeface="Microsoft JhengHei" panose="020B0604030504040204" pitchFamily="34" charset="-120"/>
+                <a:ea typeface="Microsoft JhengHei" panose="020B0604030504040204" pitchFamily="34" charset="-120"/>
+              </a:endParaRPr>
+            </a:p>
+          </p:txBody>
+        </p:sp>
+        <p:sp>
+          <p:nvSpPr>
+            <p:cNvPr id="203" name="向下箭號 202">
+              <a:extLst>
+                <a:ext uri="{FF2B5EF4-FFF2-40B4-BE49-F238E27FC236}">
+                  <a16:creationId xmlns:a16="http://schemas.microsoft.com/office/drawing/2014/main" id="{B38BC5FB-FE22-F34C-A117-2705E15D0F02}"/>
+                </a:ext>
+              </a:extLst>
+            </p:cNvPr>
+            <p:cNvSpPr/>
+            <p:nvPr/>
+          </p:nvSpPr>
+          <p:spPr>
+            <a:xfrm>
+              <a:off x="13183472" y="16510747"/>
+              <a:ext cx="1338107" cy="479109"/>
+            </a:xfrm>
+            <a:prstGeom prst="downArrow">
+              <a:avLst/>
+            </a:prstGeom>
+            <a:solidFill>
+              <a:schemeClr val="tx2">
+                <a:lumMod val="75000"/>
+              </a:schemeClr>
+            </a:solidFill>
+          </p:spPr>
+          <p:style>
+            <a:lnRef idx="2">
+              <a:schemeClr val="accent1">
+                <a:shade val="50000"/>
+              </a:schemeClr>
+            </a:lnRef>
+            <a:fillRef idx="1">
+              <a:schemeClr val="accent1"/>
+            </a:fillRef>
+            <a:effectRef idx="0">
+              <a:schemeClr val="accent1"/>
+            </a:effectRef>
+            <a:fontRef idx="minor">
+              <a:schemeClr val="lt1"/>
+            </a:fontRef>
+          </p:style>
+          <p:txBody>
+            <a:bodyPr rtlCol="0" anchor="ctr"/>
+            <a:lstStyle/>
+            <a:p>
+              <a:pPr algn="ctr"/>
+              <a:endParaRPr kumimoji="1" lang="zh-TW" altLang="en-US" sz="1400" dirty="0"/>
+            </a:p>
+          </p:txBody>
+        </p:sp>
+        <p:sp>
+          <p:nvSpPr>
+            <p:cNvPr id="204" name="向下箭號 203">
+              <a:extLst>
+                <a:ext uri="{FF2B5EF4-FFF2-40B4-BE49-F238E27FC236}">
+                  <a16:creationId xmlns:a16="http://schemas.microsoft.com/office/drawing/2014/main" id="{3B45ACCE-2839-2A45-8739-BA48B97B2F95}"/>
+                </a:ext>
+              </a:extLst>
+            </p:cNvPr>
+            <p:cNvSpPr/>
+            <p:nvPr/>
+          </p:nvSpPr>
+          <p:spPr>
+            <a:xfrm>
+              <a:off x="18308563" y="16516397"/>
+              <a:ext cx="1338107" cy="479109"/>
+            </a:xfrm>
+            <a:prstGeom prst="downArrow">
+              <a:avLst/>
+            </a:prstGeom>
+            <a:solidFill>
+              <a:schemeClr val="tx2">
+                <a:lumMod val="75000"/>
+              </a:schemeClr>
+            </a:solidFill>
+          </p:spPr>
+          <p:style>
+            <a:lnRef idx="2">
+              <a:schemeClr val="accent1">
+                <a:shade val="50000"/>
+              </a:schemeClr>
+            </a:lnRef>
+            <a:fillRef idx="1">
+              <a:schemeClr val="accent1"/>
+            </a:fillRef>
+            <a:effectRef idx="0">
+              <a:schemeClr val="accent1"/>
+            </a:effectRef>
+            <a:fontRef idx="minor">
+              <a:schemeClr val="lt1"/>
+            </a:fontRef>
+          </p:style>
+          <p:txBody>
+            <a:bodyPr rtlCol="0" anchor="ctr"/>
+            <a:lstStyle/>
+            <a:p>
+              <a:pPr algn="ctr"/>
+              <a:endParaRPr kumimoji="1" lang="zh-TW" altLang="en-US" sz="1400" dirty="0"/>
+            </a:p>
+          </p:txBody>
+        </p:sp>
+        <p:sp>
+          <p:nvSpPr>
+            <p:cNvPr id="205" name="圓角矩形 204">
+              <a:extLst>
+                <a:ext uri="{FF2B5EF4-FFF2-40B4-BE49-F238E27FC236}">
+                  <a16:creationId xmlns:a16="http://schemas.microsoft.com/office/drawing/2014/main" id="{E10678D1-68E4-0749-8D20-B44A327D2288}"/>
+                </a:ext>
+              </a:extLst>
+            </p:cNvPr>
+            <p:cNvSpPr/>
+            <p:nvPr/>
+          </p:nvSpPr>
+          <p:spPr>
+            <a:xfrm>
+              <a:off x="12183420" y="18225899"/>
+              <a:ext cx="8681442" cy="908288"/>
+            </a:xfrm>
+            <a:prstGeom prst="roundRect">
+              <a:avLst/>
+            </a:prstGeom>
+            <a:solidFill>
+              <a:schemeClr val="accent1"/>
+            </a:solidFill>
+          </p:spPr>
+          <p:style>
+            <a:lnRef idx="2">
+              <a:schemeClr val="accent1">
+                <a:shade val="50000"/>
+              </a:schemeClr>
+            </a:lnRef>
+            <a:fillRef idx="1">
+              <a:schemeClr val="accent1"/>
+            </a:fillRef>
+            <a:effectRef idx="0">
+              <a:schemeClr val="accent1"/>
+            </a:effectRef>
+            <a:fontRef idx="minor">
+              <a:schemeClr val="lt1"/>
+            </a:fontRef>
+          </p:style>
+          <p:txBody>
+            <a:bodyPr rtlCol="0" anchor="ctr"/>
+            <a:lstStyle/>
+            <a:p>
+              <a:pPr algn="ctr"/>
+              <a:r>
+                <a:rPr kumimoji="1" lang="en-US" altLang="zh-TW" sz="2400" dirty="0">
+                  <a:solidFill>
+                    <a:schemeClr val="bg1"/>
+                  </a:solidFill>
+                  <a:latin typeface="Microsoft JhengHei" panose="020B0604030504040204" pitchFamily="34" charset="-120"/>
+                  <a:ea typeface="Microsoft JhengHei" panose="020B0604030504040204" pitchFamily="34" charset="-120"/>
+                </a:rPr>
+                <a:t>Accuracy Evaluation (vs Target Model)</a:t>
+              </a:r>
+              <a:endParaRPr kumimoji="1" lang="zh-TW" altLang="en-US" sz="2400" dirty="0">
+                <a:solidFill>
+                  <a:schemeClr val="bg1"/>
+                </a:solidFill>
+                <a:latin typeface="Microsoft JhengHei" panose="020B0604030504040204" pitchFamily="34" charset="-120"/>
+                <a:ea typeface="Microsoft JhengHei" panose="020B0604030504040204" pitchFamily="34" charset="-120"/>
+              </a:endParaRPr>
+            </a:p>
+          </p:txBody>
+        </p:sp>
+      </p:grpSp>
     </p:spTree>
     <p:extLst>
       <p:ext uri="{BB962C8B-B14F-4D97-AF65-F5344CB8AC3E}">

--- a/poster.pptx
+++ b/poster.pptx
@@ -3205,8 +3205,8 @@
         </p:nvSpPr>
         <p:spPr>
           <a:xfrm>
-            <a:off x="0" y="0"/>
-            <a:ext cx="21383625" cy="3708399"/>
+            <a:off x="-453" y="-16738"/>
+            <a:ext cx="21384079" cy="3725138"/>
           </a:xfrm>
           <a:prstGeom prst="rect">
             <a:avLst/>
@@ -3428,14 +3428,15 @@
             </a:extLst>
           </p:cNvPr>
           <p:cNvCxnSpPr>
+            <a:cxnSpLocks/>
             <a:stCxn id="6" idx="2"/>
           </p:cNvCxnSpPr>
           <p:nvPr/>
         </p:nvCxnSpPr>
         <p:spPr>
-          <a:xfrm flipH="1">
-            <a:off x="10691811" y="3708399"/>
-            <a:ext cx="2" cy="26566814"/>
+          <a:xfrm>
+            <a:off x="10691587" y="3708400"/>
+            <a:ext cx="224" cy="26566813"/>
           </a:xfrm>
           <a:prstGeom prst="line">
             <a:avLst/>
@@ -3461,314 +3462,6 @@
       </p:cxnSp>
       <p:sp>
         <p:nvSpPr>
-          <p:cNvPr id="11" name="文字方塊 10">
-            <a:extLst>
-              <a:ext uri="{FF2B5EF4-FFF2-40B4-BE49-F238E27FC236}">
-                <a16:creationId xmlns:a16="http://schemas.microsoft.com/office/drawing/2014/main" id="{B0ECF78E-45BA-1643-8E0E-CF21E32F81E6}"/>
-              </a:ext>
-            </a:extLst>
-          </p:cNvPr>
-          <p:cNvSpPr txBox="1"/>
-          <p:nvPr/>
-        </p:nvSpPr>
-        <p:spPr>
-          <a:xfrm>
-            <a:off x="12601642" y="31987864"/>
-            <a:ext cx="6175088" cy="938719"/>
-          </a:xfrm>
-          <a:prstGeom prst="rect">
-            <a:avLst/>
-          </a:prstGeom>
-          <a:noFill/>
-        </p:spPr>
-        <p:txBody>
-          <a:bodyPr wrap="none" rtlCol="0">
-            <a:spAutoFit/>
-          </a:bodyPr>
-          <a:lstStyle/>
-          <a:p>
-            <a:r>
-              <a:rPr kumimoji="1" lang="en-US" altLang="zh-TW" sz="5500" dirty="0">
-                <a:latin typeface="Microsoft JhengHei" panose="020B0604030504040204" pitchFamily="34" charset="-120"/>
-                <a:ea typeface="Microsoft JhengHei" panose="020B0604030504040204" pitchFamily="34" charset="-120"/>
-              </a:rPr>
-              <a:t>BigML </a:t>
-            </a:r>
-            <a:r>
-              <a:rPr kumimoji="1" lang="zh-CN" altLang="en-US" sz="5500" dirty="0">
-                <a:latin typeface="Microsoft JhengHei" panose="020B0604030504040204" pitchFamily="34" charset="-120"/>
-                <a:ea typeface="Microsoft JhengHei" panose="020B0604030504040204" pitchFamily="34" charset="-120"/>
-              </a:rPr>
-              <a:t>建立</a:t>
-            </a:r>
-            <a:r>
-              <a:rPr kumimoji="1" lang="en-US" altLang="zh-CN" sz="5500" dirty="0">
-                <a:latin typeface="Microsoft JhengHei" panose="020B0604030504040204" pitchFamily="34" charset="-120"/>
-                <a:ea typeface="Microsoft JhengHei" panose="020B0604030504040204" pitchFamily="34" charset="-120"/>
-              </a:rPr>
-              <a:t> model</a:t>
-            </a:r>
-            <a:endParaRPr kumimoji="1" lang="en-US" altLang="zh-TW" sz="5500" dirty="0">
-              <a:latin typeface="Microsoft JhengHei" panose="020B0604030504040204" pitchFamily="34" charset="-120"/>
-              <a:ea typeface="Microsoft JhengHei" panose="020B0604030504040204" pitchFamily="34" charset="-120"/>
-            </a:endParaRPr>
-          </a:p>
-        </p:txBody>
-      </p:sp>
-      <p:sp>
-        <p:nvSpPr>
-          <p:cNvPr id="12" name="文字方塊 11">
-            <a:extLst>
-              <a:ext uri="{FF2B5EF4-FFF2-40B4-BE49-F238E27FC236}">
-                <a16:creationId xmlns:a16="http://schemas.microsoft.com/office/drawing/2014/main" id="{78B4F9B8-97AB-FA48-8C72-6DFA507E7C90}"/>
-              </a:ext>
-            </a:extLst>
-          </p:cNvPr>
-          <p:cNvSpPr txBox="1"/>
-          <p:nvPr/>
-        </p:nvSpPr>
-        <p:spPr>
-          <a:xfrm>
-            <a:off x="12879698" y="33219413"/>
-            <a:ext cx="6880410" cy="938719"/>
-          </a:xfrm>
-          <a:prstGeom prst="rect">
-            <a:avLst/>
-          </a:prstGeom>
-          <a:noFill/>
-        </p:spPr>
-        <p:txBody>
-          <a:bodyPr wrap="none" rtlCol="0">
-            <a:spAutoFit/>
-          </a:bodyPr>
-          <a:lstStyle/>
-          <a:p>
-            <a:r>
-              <a:rPr kumimoji="1" lang="en-US" altLang="zh-TW" sz="5500" dirty="0">
-                <a:latin typeface="Microsoft JhengHei" panose="020B0604030504040204" pitchFamily="34" charset="-120"/>
-                <a:ea typeface="Microsoft JhengHei" panose="020B0604030504040204" pitchFamily="34" charset="-120"/>
-              </a:rPr>
-              <a:t>BigML model </a:t>
-            </a:r>
-            <a:r>
-              <a:rPr kumimoji="1" lang="zh-CN" altLang="en-US" sz="5500" dirty="0">
-                <a:latin typeface="Microsoft JhengHei" panose="020B0604030504040204" pitchFamily="34" charset="-120"/>
-                <a:ea typeface="Microsoft JhengHei" panose="020B0604030504040204" pitchFamily="34" charset="-120"/>
-              </a:rPr>
-              <a:t>預測：</a:t>
-            </a:r>
-            <a:endParaRPr kumimoji="1" lang="en-US" altLang="zh-TW" sz="5500" dirty="0">
-              <a:latin typeface="Microsoft JhengHei" panose="020B0604030504040204" pitchFamily="34" charset="-120"/>
-              <a:ea typeface="Microsoft JhengHei" panose="020B0604030504040204" pitchFamily="34" charset="-120"/>
-            </a:endParaRPr>
-          </a:p>
-        </p:txBody>
-      </p:sp>
-      <p:sp>
-        <p:nvSpPr>
-          <p:cNvPr id="13" name="文字方塊 12">
-            <a:extLst>
-              <a:ext uri="{FF2B5EF4-FFF2-40B4-BE49-F238E27FC236}">
-                <a16:creationId xmlns:a16="http://schemas.microsoft.com/office/drawing/2014/main" id="{96FFC7DC-E76F-E846-9CAD-78F6CA4CD96C}"/>
-              </a:ext>
-            </a:extLst>
-          </p:cNvPr>
-          <p:cNvSpPr txBox="1"/>
-          <p:nvPr/>
-        </p:nvSpPr>
-        <p:spPr>
-          <a:xfrm>
-            <a:off x="12318604" y="32406116"/>
-            <a:ext cx="6221575" cy="707886"/>
-          </a:xfrm>
-          <a:prstGeom prst="rect">
-            <a:avLst/>
-          </a:prstGeom>
-          <a:noFill/>
-        </p:spPr>
-        <p:txBody>
-          <a:bodyPr wrap="none" rtlCol="0">
-            <a:spAutoFit/>
-          </a:bodyPr>
-          <a:lstStyle/>
-          <a:p>
-            <a:r>
-              <a:rPr kumimoji="1" lang="en-US" altLang="zh-TW" sz="4000" dirty="0" err="1">
-                <a:latin typeface="Microsoft JhengHei" panose="020B0604030504040204" pitchFamily="34" charset="-120"/>
-                <a:ea typeface="Microsoft JhengHei" panose="020B0604030504040204" pitchFamily="34" charset="-120"/>
-              </a:rPr>
-              <a:t>Predict_local_model.py</a:t>
-            </a:r>
-            <a:r>
-              <a:rPr kumimoji="1" lang="zh-TW" altLang="en-US" sz="4000" dirty="0">
-                <a:latin typeface="Microsoft JhengHei" panose="020B0604030504040204" pitchFamily="34" charset="-120"/>
-                <a:ea typeface="Microsoft JhengHei" panose="020B0604030504040204" pitchFamily="34" charset="-120"/>
-              </a:rPr>
-              <a:t>：</a:t>
-            </a:r>
-            <a:endParaRPr kumimoji="1" lang="en-US" altLang="zh-TW" sz="4000" dirty="0">
-              <a:latin typeface="Microsoft JhengHei" panose="020B0604030504040204" pitchFamily="34" charset="-120"/>
-              <a:ea typeface="Microsoft JhengHei" panose="020B0604030504040204" pitchFamily="34" charset="-120"/>
-            </a:endParaRPr>
-          </a:p>
-        </p:txBody>
-      </p:sp>
-      <p:sp>
-        <p:nvSpPr>
-          <p:cNvPr id="14" name="文字方塊 13">
-            <a:extLst>
-              <a:ext uri="{FF2B5EF4-FFF2-40B4-BE49-F238E27FC236}">
-                <a16:creationId xmlns:a16="http://schemas.microsoft.com/office/drawing/2014/main" id="{AEA45CFB-5354-A041-855C-7CEE01A981D3}"/>
-              </a:ext>
-            </a:extLst>
-          </p:cNvPr>
-          <p:cNvSpPr txBox="1"/>
-          <p:nvPr/>
-        </p:nvSpPr>
-        <p:spPr>
-          <a:xfrm>
-            <a:off x="12248591" y="33840718"/>
-            <a:ext cx="5898538" cy="707886"/>
-          </a:xfrm>
-          <a:prstGeom prst="rect">
-            <a:avLst/>
-          </a:prstGeom>
-          <a:noFill/>
-        </p:spPr>
-        <p:txBody>
-          <a:bodyPr wrap="none" rtlCol="0">
-            <a:spAutoFit/>
-          </a:bodyPr>
-          <a:lstStyle/>
-          <a:p>
-            <a:r>
-              <a:rPr kumimoji="1" lang="en-US" altLang="zh-TW" sz="4000" dirty="0" err="1">
-                <a:latin typeface="Microsoft JhengHei" panose="020B0604030504040204" pitchFamily="34" charset="-120"/>
-                <a:ea typeface="Microsoft JhengHei" panose="020B0604030504040204" pitchFamily="34" charset="-120"/>
-              </a:rPr>
-              <a:t>Predict_API_model.py</a:t>
-            </a:r>
-            <a:r>
-              <a:rPr kumimoji="1" lang="zh-TW" altLang="en-US" sz="4000" dirty="0">
-                <a:latin typeface="Microsoft JhengHei" panose="020B0604030504040204" pitchFamily="34" charset="-120"/>
-                <a:ea typeface="Microsoft JhengHei" panose="020B0604030504040204" pitchFamily="34" charset="-120"/>
-              </a:rPr>
-              <a:t>：</a:t>
-            </a:r>
-            <a:endParaRPr kumimoji="1" lang="en-US" altLang="zh-TW" sz="4000" dirty="0">
-              <a:latin typeface="Microsoft JhengHei" panose="020B0604030504040204" pitchFamily="34" charset="-120"/>
-              <a:ea typeface="Microsoft JhengHei" panose="020B0604030504040204" pitchFamily="34" charset="-120"/>
-            </a:endParaRPr>
-          </a:p>
-        </p:txBody>
-      </p:sp>
-      <p:sp>
-        <p:nvSpPr>
-          <p:cNvPr id="15" name="文字方塊 14">
-            <a:extLst>
-              <a:ext uri="{FF2B5EF4-FFF2-40B4-BE49-F238E27FC236}">
-                <a16:creationId xmlns:a16="http://schemas.microsoft.com/office/drawing/2014/main" id="{90B26C3A-91AF-5540-BCEF-D9B9DE98EC99}"/>
-              </a:ext>
-            </a:extLst>
-          </p:cNvPr>
-          <p:cNvSpPr txBox="1"/>
-          <p:nvPr/>
-        </p:nvSpPr>
-        <p:spPr>
-          <a:xfrm>
-            <a:off x="12412633" y="34832926"/>
-            <a:ext cx="7471020" cy="707886"/>
-          </a:xfrm>
-          <a:prstGeom prst="rect">
-            <a:avLst/>
-          </a:prstGeom>
-          <a:noFill/>
-        </p:spPr>
-        <p:txBody>
-          <a:bodyPr wrap="none" rtlCol="0">
-            <a:spAutoFit/>
-          </a:bodyPr>
-          <a:lstStyle/>
-          <a:p>
-            <a:r>
-              <a:rPr kumimoji="1" lang="en-US" altLang="zh-TW" sz="4000" dirty="0" err="1">
-                <a:latin typeface="Microsoft JhengHei" panose="020B0604030504040204" pitchFamily="34" charset="-120"/>
-                <a:ea typeface="Microsoft JhengHei" panose="020B0604030504040204" pitchFamily="34" charset="-120"/>
-              </a:rPr>
-              <a:t>Predict_API_batch_model.py</a:t>
-            </a:r>
-            <a:r>
-              <a:rPr kumimoji="1" lang="zh-TW" altLang="en-US" sz="4000" dirty="0">
-                <a:latin typeface="Microsoft JhengHei" panose="020B0604030504040204" pitchFamily="34" charset="-120"/>
-                <a:ea typeface="Microsoft JhengHei" panose="020B0604030504040204" pitchFamily="34" charset="-120"/>
-              </a:rPr>
-              <a:t>：</a:t>
-            </a:r>
-            <a:endParaRPr kumimoji="1" lang="en-US" altLang="zh-TW" sz="4000" dirty="0">
-              <a:latin typeface="Microsoft JhengHei" panose="020B0604030504040204" pitchFamily="34" charset="-120"/>
-              <a:ea typeface="Microsoft JhengHei" panose="020B0604030504040204" pitchFamily="34" charset="-120"/>
-            </a:endParaRPr>
-          </a:p>
-        </p:txBody>
-      </p:sp>
-      <p:sp>
-        <p:nvSpPr>
-          <p:cNvPr id="16" name="文字方塊 15">
-            <a:extLst>
-              <a:ext uri="{FF2B5EF4-FFF2-40B4-BE49-F238E27FC236}">
-                <a16:creationId xmlns:a16="http://schemas.microsoft.com/office/drawing/2014/main" id="{8746F50E-F1F4-3B4F-A936-C31BFA8F22ED}"/>
-              </a:ext>
-            </a:extLst>
-          </p:cNvPr>
-          <p:cNvSpPr txBox="1"/>
-          <p:nvPr/>
-        </p:nvSpPr>
-        <p:spPr>
-          <a:xfrm>
-            <a:off x="2271905" y="47214267"/>
-            <a:ext cx="7237879" cy="938719"/>
-          </a:xfrm>
-          <a:prstGeom prst="rect">
-            <a:avLst/>
-          </a:prstGeom>
-          <a:noFill/>
-        </p:spPr>
-        <p:txBody>
-          <a:bodyPr wrap="none" rtlCol="0">
-            <a:spAutoFit/>
-          </a:bodyPr>
-          <a:lstStyle/>
-          <a:p>
-            <a:r>
-              <a:rPr kumimoji="1" lang="zh-CN" altLang="en-US" sz="5500" dirty="0">
-                <a:latin typeface="Microsoft JhengHei" panose="020B0604030504040204" pitchFamily="34" charset="-120"/>
-                <a:ea typeface="Microsoft JhengHei" panose="020B0604030504040204" pitchFamily="34" charset="-120"/>
-              </a:rPr>
-              <a:t>檔案架構</a:t>
-            </a:r>
-            <a:r>
-              <a:rPr kumimoji="1" lang="zh-TW" altLang="en-US" sz="5500" dirty="0">
-                <a:latin typeface="Microsoft JhengHei" panose="020B0604030504040204" pitchFamily="34" charset="-120"/>
-                <a:ea typeface="Microsoft JhengHei" panose="020B0604030504040204" pitchFamily="34" charset="-120"/>
-              </a:rPr>
-              <a:t>＆目標檔案</a:t>
-            </a:r>
-            <a:r>
-              <a:rPr kumimoji="1" lang="zh-CN" altLang="en-US" sz="5500" dirty="0">
-                <a:latin typeface="Microsoft JhengHei" panose="020B0604030504040204" pitchFamily="34" charset="-120"/>
-                <a:ea typeface="Microsoft JhengHei" panose="020B0604030504040204" pitchFamily="34" charset="-120"/>
-              </a:rPr>
-              <a:t>：</a:t>
-            </a:r>
-            <a:endParaRPr kumimoji="1" lang="en-US" altLang="zh-TW" sz="5500" dirty="0">
-              <a:latin typeface="Microsoft JhengHei" panose="020B0604030504040204" pitchFamily="34" charset="-120"/>
-              <a:ea typeface="Microsoft JhengHei" panose="020B0604030504040204" pitchFamily="34" charset="-120"/>
-            </a:endParaRPr>
-          </a:p>
-        </p:txBody>
-      </p:sp>
-      <p:sp>
-        <p:nvSpPr>
           <p:cNvPr id="18" name="文字方塊 17">
             <a:extLst>
               <a:ext uri="{FF2B5EF4-FFF2-40B4-BE49-F238E27FC236}">
@@ -3892,10 +3585,10 @@
       </p:sp>
       <p:sp>
         <p:nvSpPr>
-          <p:cNvPr id="20" name="文字方塊 19">
+          <p:cNvPr id="21" name="文字方塊 20">
             <a:extLst>
               <a:ext uri="{FF2B5EF4-FFF2-40B4-BE49-F238E27FC236}">
-                <a16:creationId xmlns:a16="http://schemas.microsoft.com/office/drawing/2014/main" id="{2019525D-677F-844C-8FBE-9D168B0BC6EA}"/>
+                <a16:creationId xmlns:a16="http://schemas.microsoft.com/office/drawing/2014/main" id="{6E6CA7A3-43D2-AC46-A13D-55F983491EA4}"/>
               </a:ext>
             </a:extLst>
           </p:cNvPr>
@@ -3904,7 +3597,7 @@
         </p:nvSpPr>
         <p:spPr>
           <a:xfrm>
-            <a:off x="35895561" y="23623433"/>
+            <a:off x="11142329" y="12405759"/>
             <a:ext cx="1986441" cy="861774"/>
           </a:xfrm>
           <a:prstGeom prst="rect">
@@ -3932,55 +3625,6 @@
               </a:rPr>
               <a:t>結果</a:t>
             </a:r>
-            <a:endParaRPr kumimoji="1" lang="en-US" altLang="zh-TW" sz="5000" dirty="0">
-              <a:latin typeface="Microsoft JhengHei" panose="020B0604030504040204" pitchFamily="34" charset="-120"/>
-              <a:ea typeface="Microsoft JhengHei" panose="020B0604030504040204" pitchFamily="34" charset="-120"/>
-            </a:endParaRPr>
-          </a:p>
-        </p:txBody>
-      </p:sp>
-      <p:sp>
-        <p:nvSpPr>
-          <p:cNvPr id="21" name="文字方塊 20">
-            <a:extLst>
-              <a:ext uri="{FF2B5EF4-FFF2-40B4-BE49-F238E27FC236}">
-                <a16:creationId xmlns:a16="http://schemas.microsoft.com/office/drawing/2014/main" id="{6E6CA7A3-43D2-AC46-A13D-55F983491EA4}"/>
-              </a:ext>
-            </a:extLst>
-          </p:cNvPr>
-          <p:cNvSpPr txBox="1"/>
-          <p:nvPr/>
-        </p:nvSpPr>
-        <p:spPr>
-          <a:xfrm>
-            <a:off x="11142329" y="12779840"/>
-            <a:ext cx="1986441" cy="861774"/>
-          </a:xfrm>
-          <a:prstGeom prst="rect">
-            <a:avLst/>
-          </a:prstGeom>
-          <a:noFill/>
-        </p:spPr>
-        <p:txBody>
-          <a:bodyPr wrap="none" rtlCol="0">
-            <a:spAutoFit/>
-          </a:bodyPr>
-          <a:lstStyle/>
-          <a:p>
-            <a:r>
-              <a:rPr kumimoji="1" lang="en-US" altLang="zh-CN" sz="5000" dirty="0">
-                <a:latin typeface="Microsoft JhengHei" panose="020B0604030504040204" pitchFamily="34" charset="-120"/>
-                <a:ea typeface="Microsoft JhengHei" panose="020B0604030504040204" pitchFamily="34" charset="-120"/>
-              </a:rPr>
-              <a:t>4.</a:t>
-            </a:r>
-            <a:r>
-              <a:rPr kumimoji="1" lang="zh-CN" altLang="en-US" sz="5000" dirty="0">
-                <a:latin typeface="Microsoft JhengHei" panose="020B0604030504040204" pitchFamily="34" charset="-120"/>
-                <a:ea typeface="Microsoft JhengHei" panose="020B0604030504040204" pitchFamily="34" charset="-120"/>
-              </a:rPr>
-              <a:t>結果</a:t>
-            </a:r>
             <a:endParaRPr kumimoji="1" lang="en-US" altLang="zh-CN" sz="5000" dirty="0">
               <a:latin typeface="Microsoft JhengHei" panose="020B0604030504040204" pitchFamily="34" charset="-120"/>
               <a:ea typeface="Microsoft JhengHei" panose="020B0604030504040204" pitchFamily="34" charset="-120"/>
@@ -4002,7 +3646,7 @@
         </p:nvSpPr>
         <p:spPr>
           <a:xfrm>
-            <a:off x="11159050" y="26457551"/>
+            <a:off x="11159050" y="24171547"/>
             <a:ext cx="4140877" cy="861774"/>
           </a:xfrm>
           <a:prstGeom prst="rect">
@@ -4371,98 +4015,6 @@
       </p:cxnSp>
       <p:sp>
         <p:nvSpPr>
-          <p:cNvPr id="44" name="文字方塊 43">
-            <a:extLst>
-              <a:ext uri="{FF2B5EF4-FFF2-40B4-BE49-F238E27FC236}">
-                <a16:creationId xmlns:a16="http://schemas.microsoft.com/office/drawing/2014/main" id="{9B58C1BD-12D1-E34F-8F74-6489EB70BCA1}"/>
-              </a:ext>
-            </a:extLst>
-          </p:cNvPr>
-          <p:cNvSpPr txBox="1"/>
-          <p:nvPr/>
-        </p:nvSpPr>
-        <p:spPr>
-          <a:xfrm>
-            <a:off x="13101061" y="35541001"/>
-            <a:ext cx="3954929" cy="707886"/>
-          </a:xfrm>
-          <a:prstGeom prst="rect">
-            <a:avLst/>
-          </a:prstGeom>
-          <a:noFill/>
-        </p:spPr>
-        <p:txBody>
-          <a:bodyPr wrap="none" rtlCol="0">
-            <a:spAutoFit/>
-          </a:bodyPr>
-          <a:lstStyle/>
-          <a:p>
-            <a:pPr marL="685800" indent="-685800">
-              <a:buFont typeface="Wingdings" pitchFamily="2" charset="2"/>
-              <a:buChar char="l"/>
-            </a:pPr>
-            <a:r>
-              <a:rPr kumimoji="1" lang="zh-CN" altLang="en-US" sz="4000" dirty="0">
-                <a:latin typeface="Microsoft JhengHei" panose="020B0604030504040204" pitchFamily="34" charset="-120"/>
-                <a:ea typeface="Microsoft JhengHei" panose="020B0604030504040204" pitchFamily="34" charset="-120"/>
-              </a:rPr>
-              <a:t>資料夾架構：</a:t>
-            </a:r>
-            <a:endParaRPr kumimoji="1" lang="en-US" altLang="zh-TW" sz="4000" dirty="0">
-              <a:latin typeface="Microsoft JhengHei" panose="020B0604030504040204" pitchFamily="34" charset="-120"/>
-              <a:ea typeface="Microsoft JhengHei" panose="020B0604030504040204" pitchFamily="34" charset="-120"/>
-            </a:endParaRPr>
-          </a:p>
-        </p:txBody>
-      </p:sp>
-      <p:sp>
-        <p:nvSpPr>
-          <p:cNvPr id="45" name="文字方塊 44">
-            <a:extLst>
-              <a:ext uri="{FF2B5EF4-FFF2-40B4-BE49-F238E27FC236}">
-                <a16:creationId xmlns:a16="http://schemas.microsoft.com/office/drawing/2014/main" id="{09FD1B6E-1B10-C347-8E81-E360793F671D}"/>
-              </a:ext>
-            </a:extLst>
-          </p:cNvPr>
-          <p:cNvSpPr txBox="1"/>
-          <p:nvPr/>
-        </p:nvSpPr>
-        <p:spPr>
-          <a:xfrm>
-            <a:off x="12111366" y="33481442"/>
-            <a:ext cx="2929007" cy="707886"/>
-          </a:xfrm>
-          <a:prstGeom prst="rect">
-            <a:avLst/>
-          </a:prstGeom>
-          <a:noFill/>
-        </p:spPr>
-        <p:txBody>
-          <a:bodyPr wrap="none" rtlCol="0">
-            <a:spAutoFit/>
-          </a:bodyPr>
-          <a:lstStyle/>
-          <a:p>
-            <a:pPr marL="685800" indent="-685800">
-              <a:buFont typeface="Wingdings" pitchFamily="2" charset="2"/>
-              <a:buChar char="l"/>
-            </a:pPr>
-            <a:r>
-              <a:rPr kumimoji="1" lang="zh-CN" altLang="en-US" sz="4000" dirty="0">
-                <a:latin typeface="Microsoft JhengHei" panose="020B0604030504040204" pitchFamily="34" charset="-120"/>
-                <a:ea typeface="Microsoft JhengHei" panose="020B0604030504040204" pitchFamily="34" charset="-120"/>
-              </a:rPr>
-              <a:t>資料源：</a:t>
-            </a:r>
-            <a:endParaRPr kumimoji="1" lang="en-US" altLang="zh-TW" sz="4000" dirty="0">
-              <a:latin typeface="Microsoft JhengHei" panose="020B0604030504040204" pitchFamily="34" charset="-120"/>
-              <a:ea typeface="Microsoft JhengHei" panose="020B0604030504040204" pitchFamily="34" charset="-120"/>
-            </a:endParaRPr>
-          </a:p>
-        </p:txBody>
-      </p:sp>
-      <p:sp>
-        <p:nvSpPr>
           <p:cNvPr id="46" name="文字方塊 45">
             <a:extLst>
               <a:ext uri="{FF2B5EF4-FFF2-40B4-BE49-F238E27FC236}">
@@ -4951,1035 +4503,6 @@
             <a:p>
               <a:pPr algn="ctr"/>
               <a:endParaRPr kumimoji="1" lang="zh-TW" altLang="en-US" dirty="0"/>
-            </a:p>
-          </p:txBody>
-        </p:sp>
-      </p:grpSp>
-      <p:grpSp>
-        <p:nvGrpSpPr>
-          <p:cNvPr id="4" name="群組 3">
-            <a:extLst>
-              <a:ext uri="{FF2B5EF4-FFF2-40B4-BE49-F238E27FC236}">
-                <a16:creationId xmlns:a16="http://schemas.microsoft.com/office/drawing/2014/main" id="{C3B86B29-21CD-2748-A757-E551BDA10D6A}"/>
-              </a:ext>
-            </a:extLst>
-          </p:cNvPr>
-          <p:cNvGrpSpPr/>
-          <p:nvPr/>
-        </p:nvGrpSpPr>
-        <p:grpSpPr>
-          <a:xfrm>
-            <a:off x="30220037" y="18782211"/>
-            <a:ext cx="9180639" cy="7163185"/>
-            <a:chOff x="874022" y="9044384"/>
-            <a:chExt cx="9180639" cy="7163185"/>
-          </a:xfrm>
-        </p:grpSpPr>
-        <p:sp>
-          <p:nvSpPr>
-            <p:cNvPr id="47" name="圓角矩形 46">
-              <a:extLst>
-                <a:ext uri="{FF2B5EF4-FFF2-40B4-BE49-F238E27FC236}">
-                  <a16:creationId xmlns:a16="http://schemas.microsoft.com/office/drawing/2014/main" id="{C9B21D35-3EB6-7846-AE57-8F41321E3AA2}"/>
-                </a:ext>
-              </a:extLst>
-            </p:cNvPr>
-            <p:cNvSpPr/>
-            <p:nvPr/>
-          </p:nvSpPr>
-          <p:spPr>
-            <a:xfrm>
-              <a:off x="2705295" y="9931113"/>
-              <a:ext cx="5778011" cy="657971"/>
-            </a:xfrm>
-            <a:prstGeom prst="roundRect">
-              <a:avLst/>
-            </a:prstGeom>
-            <a:solidFill>
-              <a:schemeClr val="accent1">
-                <a:lumMod val="40000"/>
-                <a:lumOff val="60000"/>
-              </a:schemeClr>
-            </a:solidFill>
-          </p:spPr>
-          <p:style>
-            <a:lnRef idx="2">
-              <a:schemeClr val="accent1">
-                <a:shade val="50000"/>
-              </a:schemeClr>
-            </a:lnRef>
-            <a:fillRef idx="1">
-              <a:schemeClr val="accent1"/>
-            </a:fillRef>
-            <a:effectRef idx="0">
-              <a:schemeClr val="accent1"/>
-            </a:effectRef>
-            <a:fontRef idx="minor">
-              <a:schemeClr val="lt1"/>
-            </a:fontRef>
-          </p:style>
-          <p:txBody>
-            <a:bodyPr rtlCol="0" anchor="ctr"/>
-            <a:lstStyle/>
-            <a:p>
-              <a:pPr algn="ctr"/>
-              <a:r>
-                <a:rPr kumimoji="1" lang="en-US" altLang="zh-CN" sz="3000" b="1" dirty="0">
-                  <a:solidFill>
-                    <a:schemeClr val="tx1"/>
-                  </a:solidFill>
-                  <a:latin typeface="Microsoft JhengHei" panose="020B0604030504040204" pitchFamily="34" charset="-120"/>
-                  <a:ea typeface="Microsoft JhengHei" panose="020B0604030504040204" pitchFamily="34" charset="-120"/>
-                </a:rPr>
-                <a:t>Data Preparation</a:t>
-              </a:r>
-              <a:endParaRPr kumimoji="1" lang="zh-TW" altLang="en-US" sz="3000" b="1" dirty="0">
-                <a:solidFill>
-                  <a:schemeClr val="tx1"/>
-                </a:solidFill>
-                <a:latin typeface="Microsoft JhengHei" panose="020B0604030504040204" pitchFamily="34" charset="-120"/>
-                <a:ea typeface="Microsoft JhengHei" panose="020B0604030504040204" pitchFamily="34" charset="-120"/>
-              </a:endParaRPr>
-            </a:p>
-          </p:txBody>
-        </p:sp>
-        <p:sp>
-          <p:nvSpPr>
-            <p:cNvPr id="50" name="圓角矩形 49">
-              <a:extLst>
-                <a:ext uri="{FF2B5EF4-FFF2-40B4-BE49-F238E27FC236}">
-                  <a16:creationId xmlns:a16="http://schemas.microsoft.com/office/drawing/2014/main" id="{5F2722CE-794D-CD49-826E-11EBF128589E}"/>
-                </a:ext>
-              </a:extLst>
-            </p:cNvPr>
-            <p:cNvSpPr/>
-            <p:nvPr/>
-          </p:nvSpPr>
-          <p:spPr>
-            <a:xfrm>
-              <a:off x="4452391" y="11139982"/>
-              <a:ext cx="5576348" cy="1330434"/>
-            </a:xfrm>
-            <a:prstGeom prst="roundRect">
-              <a:avLst/>
-            </a:prstGeom>
-            <a:solidFill>
-              <a:schemeClr val="accent1">
-                <a:lumMod val="40000"/>
-                <a:lumOff val="60000"/>
-              </a:schemeClr>
-            </a:solidFill>
-          </p:spPr>
-          <p:style>
-            <a:lnRef idx="2">
-              <a:schemeClr val="accent1">
-                <a:shade val="50000"/>
-              </a:schemeClr>
-            </a:lnRef>
-            <a:fillRef idx="1">
-              <a:schemeClr val="accent1"/>
-            </a:fillRef>
-            <a:effectRef idx="0">
-              <a:schemeClr val="accent1"/>
-            </a:effectRef>
-            <a:fontRef idx="minor">
-              <a:schemeClr val="lt1"/>
-            </a:fontRef>
-          </p:style>
-          <p:txBody>
-            <a:bodyPr rtlCol="0" anchor="ctr"/>
-            <a:lstStyle/>
-            <a:p>
-              <a:pPr algn="ctr"/>
-              <a:r>
-                <a:rPr kumimoji="1" lang="en-US" altLang="zh-TW" sz="3000" b="1" dirty="0">
-                  <a:solidFill>
-                    <a:schemeClr val="tx1"/>
-                  </a:solidFill>
-                  <a:latin typeface="Microsoft JhengHei" panose="020B0604030504040204" pitchFamily="34" charset="-120"/>
-                  <a:ea typeface="Microsoft JhengHei" panose="020B0604030504040204" pitchFamily="34" charset="-120"/>
-                </a:rPr>
-                <a:t>BigML upload data </a:t>
-              </a:r>
-              <a:r>
-                <a:rPr kumimoji="1" lang="en-US" altLang="zh-CN" sz="3000" b="1" dirty="0">
-                  <a:solidFill>
-                    <a:schemeClr val="tx1"/>
-                  </a:solidFill>
-                  <a:latin typeface="Microsoft JhengHei" panose="020B0604030504040204" pitchFamily="34" charset="-120"/>
-                  <a:ea typeface="Microsoft JhengHei" panose="020B0604030504040204" pitchFamily="34" charset="-120"/>
-                </a:rPr>
-                <a:t>&amp;</a:t>
-              </a:r>
-            </a:p>
-            <a:p>
-              <a:pPr algn="ctr"/>
-              <a:r>
-                <a:rPr kumimoji="1" lang="en-US" altLang="zh-TW" sz="3000" b="1" dirty="0">
-                  <a:solidFill>
-                    <a:schemeClr val="tx1"/>
-                  </a:solidFill>
-                  <a:latin typeface="Microsoft JhengHei" panose="020B0604030504040204" pitchFamily="34" charset="-120"/>
-                  <a:ea typeface="Microsoft JhengHei" panose="020B0604030504040204" pitchFamily="34" charset="-120"/>
-                </a:rPr>
-                <a:t>Model Creation</a:t>
-              </a:r>
-              <a:endParaRPr kumimoji="1" lang="zh-TW" altLang="en-US" sz="3000" b="1" dirty="0">
-                <a:solidFill>
-                  <a:schemeClr val="tx1"/>
-                </a:solidFill>
-                <a:latin typeface="Microsoft JhengHei" panose="020B0604030504040204" pitchFamily="34" charset="-120"/>
-                <a:ea typeface="Microsoft JhengHei" panose="020B0604030504040204" pitchFamily="34" charset="-120"/>
-              </a:endParaRPr>
-            </a:p>
-          </p:txBody>
-        </p:sp>
-        <p:sp>
-          <p:nvSpPr>
-            <p:cNvPr id="52" name="文字方塊 51">
-              <a:extLst>
-                <a:ext uri="{FF2B5EF4-FFF2-40B4-BE49-F238E27FC236}">
-                  <a16:creationId xmlns:a16="http://schemas.microsoft.com/office/drawing/2014/main" id="{44AA295C-1E52-5646-8B7F-388B52DE3D63}"/>
-                </a:ext>
-              </a:extLst>
-            </p:cNvPr>
-            <p:cNvSpPr txBox="1"/>
-            <p:nvPr/>
-          </p:nvSpPr>
-          <p:spPr>
-            <a:xfrm>
-              <a:off x="874022" y="9044384"/>
-              <a:ext cx="8496237" cy="707886"/>
-            </a:xfrm>
-            <a:prstGeom prst="rect">
-              <a:avLst/>
-            </a:prstGeom>
-            <a:noFill/>
-          </p:spPr>
-          <p:txBody>
-            <a:bodyPr wrap="none" rtlCol="0">
-              <a:spAutoFit/>
-            </a:bodyPr>
-            <a:lstStyle/>
-            <a:p>
-              <a:r>
-                <a:rPr kumimoji="1" lang="en-US" altLang="zh-CN" sz="4000" dirty="0">
-                  <a:latin typeface="Microsoft JhengHei" panose="020B0604030504040204" pitchFamily="34" charset="-120"/>
-                  <a:ea typeface="Microsoft JhengHei" panose="020B0604030504040204" pitchFamily="34" charset="-120"/>
-                </a:rPr>
-                <a:t>1) </a:t>
-              </a:r>
-              <a:r>
-                <a:rPr kumimoji="1" lang="zh-CN" altLang="en-US" sz="4000" dirty="0">
-                  <a:latin typeface="Microsoft JhengHei" panose="020B0604030504040204" pitchFamily="34" charset="-120"/>
-                  <a:ea typeface="Microsoft JhengHei" panose="020B0604030504040204" pitchFamily="34" charset="-120"/>
-                </a:rPr>
-                <a:t>自行建立</a:t>
-              </a:r>
-              <a:r>
-                <a:rPr kumimoji="1" lang="en-US" altLang="zh-CN" sz="4000" dirty="0">
-                  <a:latin typeface="Microsoft JhengHei" panose="020B0604030504040204" pitchFamily="34" charset="-120"/>
-                  <a:ea typeface="Microsoft JhengHei" panose="020B0604030504040204" pitchFamily="34" charset="-120"/>
-                </a:rPr>
-                <a:t>Model</a:t>
-              </a:r>
-              <a:r>
-                <a:rPr kumimoji="1" lang="zh-CN" altLang="en-US" sz="4000" dirty="0">
-                  <a:latin typeface="Microsoft JhengHei" panose="020B0604030504040204" pitchFamily="34" charset="-120"/>
-                  <a:ea typeface="Microsoft JhengHei" panose="020B0604030504040204" pitchFamily="34" charset="-120"/>
-                </a:rPr>
-                <a:t>，評估偷取準確性</a:t>
-              </a:r>
-              <a:endParaRPr kumimoji="1" lang="en-US" altLang="zh-TW" sz="4000" dirty="0">
-                <a:latin typeface="Microsoft JhengHei" panose="020B0604030504040204" pitchFamily="34" charset="-120"/>
-                <a:ea typeface="Microsoft JhengHei" panose="020B0604030504040204" pitchFamily="34" charset="-120"/>
-              </a:endParaRPr>
-            </a:p>
-          </p:txBody>
-        </p:sp>
-        <p:sp>
-          <p:nvSpPr>
-            <p:cNvPr id="54" name="圓角矩形 53">
-              <a:extLst>
-                <a:ext uri="{FF2B5EF4-FFF2-40B4-BE49-F238E27FC236}">
-                  <a16:creationId xmlns:a16="http://schemas.microsoft.com/office/drawing/2014/main" id="{3724E634-49D9-CF42-8BB3-4FA0FCA1BBD4}"/>
-                </a:ext>
-              </a:extLst>
-            </p:cNvPr>
-            <p:cNvSpPr/>
-            <p:nvPr/>
-          </p:nvSpPr>
-          <p:spPr>
-            <a:xfrm>
-              <a:off x="1339461" y="11137781"/>
-              <a:ext cx="2702096" cy="1332635"/>
-            </a:xfrm>
-            <a:prstGeom prst="roundRect">
-              <a:avLst/>
-            </a:prstGeom>
-            <a:solidFill>
-              <a:schemeClr val="accent1">
-                <a:lumMod val="40000"/>
-                <a:lumOff val="60000"/>
-              </a:schemeClr>
-            </a:solidFill>
-          </p:spPr>
-          <p:style>
-            <a:lnRef idx="2">
-              <a:schemeClr val="accent1">
-                <a:shade val="50000"/>
-              </a:schemeClr>
-            </a:lnRef>
-            <a:fillRef idx="1">
-              <a:schemeClr val="accent1"/>
-            </a:fillRef>
-            <a:effectRef idx="0">
-              <a:schemeClr val="accent1"/>
-            </a:effectRef>
-            <a:fontRef idx="minor">
-              <a:schemeClr val="lt1"/>
-            </a:fontRef>
-          </p:style>
-          <p:txBody>
-            <a:bodyPr rtlCol="0" anchor="ctr"/>
-            <a:lstStyle/>
-            <a:p>
-              <a:pPr algn="ctr"/>
-              <a:r>
-                <a:rPr kumimoji="1" lang="en-US" altLang="zh-TW" sz="3000" b="1" dirty="0">
-                  <a:solidFill>
-                    <a:schemeClr val="tx1"/>
-                  </a:solidFill>
-                  <a:latin typeface="Microsoft JhengHei" panose="020B0604030504040204" pitchFamily="34" charset="-120"/>
-                  <a:ea typeface="Microsoft JhengHei" panose="020B0604030504040204" pitchFamily="34" charset="-120"/>
-                </a:rPr>
-                <a:t>70% Training</a:t>
-              </a:r>
-              <a:endParaRPr kumimoji="1" lang="zh-TW" altLang="en-US" sz="3000" b="1" dirty="0">
-                <a:solidFill>
-                  <a:schemeClr val="tx1"/>
-                </a:solidFill>
-                <a:latin typeface="Microsoft JhengHei" panose="020B0604030504040204" pitchFamily="34" charset="-120"/>
-                <a:ea typeface="Microsoft JhengHei" panose="020B0604030504040204" pitchFamily="34" charset="-120"/>
-              </a:endParaRPr>
-            </a:p>
-          </p:txBody>
-        </p:sp>
-        <p:sp>
-          <p:nvSpPr>
-            <p:cNvPr id="56" name="圓角矩形 55">
-              <a:extLst>
-                <a:ext uri="{FF2B5EF4-FFF2-40B4-BE49-F238E27FC236}">
-                  <a16:creationId xmlns:a16="http://schemas.microsoft.com/office/drawing/2014/main" id="{C7CE0A80-2BFB-1440-852B-D3B20D54BBCC}"/>
-                </a:ext>
-              </a:extLst>
-            </p:cNvPr>
-            <p:cNvSpPr/>
-            <p:nvPr/>
-          </p:nvSpPr>
-          <p:spPr>
-            <a:xfrm>
-              <a:off x="1377720" y="14862130"/>
-              <a:ext cx="2625577" cy="1345439"/>
-            </a:xfrm>
-            <a:prstGeom prst="roundRect">
-              <a:avLst/>
-            </a:prstGeom>
-            <a:solidFill>
-              <a:schemeClr val="accent1">
-                <a:lumMod val="40000"/>
-                <a:lumOff val="60000"/>
-              </a:schemeClr>
-            </a:solidFill>
-          </p:spPr>
-          <p:style>
-            <a:lnRef idx="2">
-              <a:schemeClr val="accent1">
-                <a:shade val="50000"/>
-              </a:schemeClr>
-            </a:lnRef>
-            <a:fillRef idx="1">
-              <a:schemeClr val="accent1"/>
-            </a:fillRef>
-            <a:effectRef idx="0">
-              <a:schemeClr val="accent1"/>
-            </a:effectRef>
-            <a:fontRef idx="minor">
-              <a:schemeClr val="lt1"/>
-            </a:fontRef>
-          </p:style>
-          <p:txBody>
-            <a:bodyPr rtlCol="0" anchor="ctr"/>
-            <a:lstStyle/>
-            <a:p>
-              <a:pPr algn="ctr"/>
-              <a:r>
-                <a:rPr kumimoji="1" lang="en-US" altLang="zh-TW" sz="3000" b="1" dirty="0">
-                  <a:solidFill>
-                    <a:schemeClr val="tx1"/>
-                  </a:solidFill>
-                  <a:latin typeface="Microsoft JhengHei" panose="020B0604030504040204" pitchFamily="34" charset="-120"/>
-                  <a:ea typeface="Microsoft JhengHei" panose="020B0604030504040204" pitchFamily="34" charset="-120"/>
-                </a:rPr>
-                <a:t>Other data Testing</a:t>
-              </a:r>
-              <a:endParaRPr kumimoji="1" lang="zh-TW" altLang="en-US" sz="3000" b="1" dirty="0">
-                <a:solidFill>
-                  <a:schemeClr val="tx1"/>
-                </a:solidFill>
-                <a:latin typeface="Microsoft JhengHei" panose="020B0604030504040204" pitchFamily="34" charset="-120"/>
-                <a:ea typeface="Microsoft JhengHei" panose="020B0604030504040204" pitchFamily="34" charset="-120"/>
-              </a:endParaRPr>
-            </a:p>
-          </p:txBody>
-        </p:sp>
-        <p:sp>
-          <p:nvSpPr>
-            <p:cNvPr id="57" name="向下箭號 56">
-              <a:extLst>
-                <a:ext uri="{FF2B5EF4-FFF2-40B4-BE49-F238E27FC236}">
-                  <a16:creationId xmlns:a16="http://schemas.microsoft.com/office/drawing/2014/main" id="{2BA23403-313A-6B4D-806B-F4AB96A85237}"/>
-                </a:ext>
-              </a:extLst>
-            </p:cNvPr>
-            <p:cNvSpPr/>
-            <p:nvPr/>
-          </p:nvSpPr>
-          <p:spPr>
-            <a:xfrm>
-              <a:off x="4856319" y="10617543"/>
-              <a:ext cx="1338107" cy="479109"/>
-            </a:xfrm>
-            <a:prstGeom prst="downArrow">
-              <a:avLst/>
-            </a:prstGeom>
-            <a:solidFill>
-              <a:schemeClr val="tx2">
-                <a:lumMod val="75000"/>
-              </a:schemeClr>
-            </a:solidFill>
-          </p:spPr>
-          <p:style>
-            <a:lnRef idx="2">
-              <a:schemeClr val="accent1">
-                <a:shade val="50000"/>
-              </a:schemeClr>
-            </a:lnRef>
-            <a:fillRef idx="1">
-              <a:schemeClr val="accent1"/>
-            </a:fillRef>
-            <a:effectRef idx="0">
-              <a:schemeClr val="accent1"/>
-            </a:effectRef>
-            <a:fontRef idx="minor">
-              <a:schemeClr val="lt1"/>
-            </a:fontRef>
-          </p:style>
-          <p:txBody>
-            <a:bodyPr rtlCol="0" anchor="ctr"/>
-            <a:lstStyle/>
-            <a:p>
-              <a:pPr algn="ctr"/>
-              <a:endParaRPr kumimoji="1" lang="zh-TW" altLang="en-US" dirty="0"/>
-            </a:p>
-          </p:txBody>
-        </p:sp>
-        <p:sp>
-          <p:nvSpPr>
-            <p:cNvPr id="59" name="圓角矩形 58">
-              <a:extLst>
-                <a:ext uri="{FF2B5EF4-FFF2-40B4-BE49-F238E27FC236}">
-                  <a16:creationId xmlns:a16="http://schemas.microsoft.com/office/drawing/2014/main" id="{46FBB827-4D8C-0344-8317-A49234D90D8F}"/>
-                </a:ext>
-              </a:extLst>
-            </p:cNvPr>
-            <p:cNvSpPr/>
-            <p:nvPr/>
-          </p:nvSpPr>
-          <p:spPr>
-            <a:xfrm>
-              <a:off x="1339461" y="12985779"/>
-              <a:ext cx="2702096" cy="1332635"/>
-            </a:xfrm>
-            <a:prstGeom prst="roundRect">
-              <a:avLst/>
-            </a:prstGeom>
-            <a:solidFill>
-              <a:schemeClr val="accent1">
-                <a:lumMod val="40000"/>
-                <a:lumOff val="60000"/>
-              </a:schemeClr>
-            </a:solidFill>
-          </p:spPr>
-          <p:style>
-            <a:lnRef idx="2">
-              <a:schemeClr val="accent1">
-                <a:shade val="50000"/>
-              </a:schemeClr>
-            </a:lnRef>
-            <a:fillRef idx="1">
-              <a:schemeClr val="accent1"/>
-            </a:fillRef>
-            <a:effectRef idx="0">
-              <a:schemeClr val="accent1"/>
-            </a:effectRef>
-            <a:fontRef idx="minor">
-              <a:schemeClr val="lt1"/>
-            </a:fontRef>
-          </p:style>
-          <p:txBody>
-            <a:bodyPr rtlCol="0" anchor="ctr"/>
-            <a:lstStyle/>
-            <a:p>
-              <a:pPr algn="ctr"/>
-              <a:r>
-                <a:rPr kumimoji="1" lang="en-US" altLang="zh-TW" sz="3000" b="1" dirty="0">
-                  <a:solidFill>
-                    <a:schemeClr val="tx1"/>
-                  </a:solidFill>
-                  <a:latin typeface="Microsoft JhengHei" panose="020B0604030504040204" pitchFamily="34" charset="-120"/>
-                  <a:ea typeface="Microsoft JhengHei" panose="020B0604030504040204" pitchFamily="34" charset="-120"/>
-                </a:rPr>
-                <a:t>200</a:t>
-              </a:r>
-              <a:r>
-                <a:rPr kumimoji="1" lang="zh-CN" altLang="en-US" sz="3000" b="1" dirty="0">
-                  <a:solidFill>
-                    <a:schemeClr val="tx1"/>
-                  </a:solidFill>
-                  <a:latin typeface="Microsoft JhengHei" panose="020B0604030504040204" pitchFamily="34" charset="-120"/>
-                  <a:ea typeface="Microsoft JhengHei" panose="020B0604030504040204" pitchFamily="34" charset="-120"/>
-                </a:rPr>
-                <a:t>筆</a:t>
-              </a:r>
-              <a:r>
-                <a:rPr kumimoji="1" lang="zh-TW" altLang="en-US" sz="3000" b="1" dirty="0">
-                  <a:solidFill>
-                    <a:schemeClr val="tx1"/>
-                  </a:solidFill>
-                  <a:latin typeface="Microsoft JhengHei" panose="020B0604030504040204" pitchFamily="34" charset="-120"/>
-                  <a:ea typeface="Microsoft JhengHei" panose="020B0604030504040204" pitchFamily="34" charset="-120"/>
-                </a:rPr>
-                <a:t> </a:t>
-              </a:r>
-              <a:r>
-                <a:rPr kumimoji="1" lang="en-US" altLang="zh-TW" sz="3000" b="1" dirty="0">
-                  <a:solidFill>
-                    <a:schemeClr val="tx1"/>
-                  </a:solidFill>
-                  <a:latin typeface="Microsoft JhengHei" panose="020B0604030504040204" pitchFamily="34" charset="-120"/>
-                  <a:ea typeface="Microsoft JhengHei" panose="020B0604030504040204" pitchFamily="34" charset="-120"/>
-                </a:rPr>
-                <a:t>Stealing</a:t>
-              </a:r>
-              <a:endParaRPr kumimoji="1" lang="zh-TW" altLang="en-US" sz="3000" b="1" dirty="0">
-                <a:solidFill>
-                  <a:schemeClr val="tx1"/>
-                </a:solidFill>
-                <a:latin typeface="Microsoft JhengHei" panose="020B0604030504040204" pitchFamily="34" charset="-120"/>
-                <a:ea typeface="Microsoft JhengHei" panose="020B0604030504040204" pitchFamily="34" charset="-120"/>
-              </a:endParaRPr>
-            </a:p>
-          </p:txBody>
-        </p:sp>
-        <p:sp>
-          <p:nvSpPr>
-            <p:cNvPr id="62" name="圓角矩形 61">
-              <a:extLst>
-                <a:ext uri="{FF2B5EF4-FFF2-40B4-BE49-F238E27FC236}">
-                  <a16:creationId xmlns:a16="http://schemas.microsoft.com/office/drawing/2014/main" id="{F0A857FA-6DF2-2548-B9F2-D0544ABE54B6}"/>
-                </a:ext>
-              </a:extLst>
-            </p:cNvPr>
-            <p:cNvSpPr/>
-            <p:nvPr/>
-          </p:nvSpPr>
-          <p:spPr>
-            <a:xfrm>
-              <a:off x="4452391" y="14874064"/>
-              <a:ext cx="5576348" cy="1330434"/>
-            </a:xfrm>
-            <a:prstGeom prst="roundRect">
-              <a:avLst/>
-            </a:prstGeom>
-            <a:solidFill>
-              <a:schemeClr val="accent1">
-                <a:lumMod val="40000"/>
-                <a:lumOff val="60000"/>
-              </a:schemeClr>
-            </a:solidFill>
-          </p:spPr>
-          <p:style>
-            <a:lnRef idx="2">
-              <a:schemeClr val="accent1">
-                <a:shade val="50000"/>
-              </a:schemeClr>
-            </a:lnRef>
-            <a:fillRef idx="1">
-              <a:schemeClr val="accent1"/>
-            </a:fillRef>
-            <a:effectRef idx="0">
-              <a:schemeClr val="accent1"/>
-            </a:effectRef>
-            <a:fontRef idx="minor">
-              <a:schemeClr val="lt1"/>
-            </a:fontRef>
-          </p:style>
-          <p:txBody>
-            <a:bodyPr rtlCol="0" anchor="ctr"/>
-            <a:lstStyle/>
-            <a:p>
-              <a:pPr algn="ctr"/>
-              <a:r>
-                <a:rPr kumimoji="1" lang="en-US" altLang="zh-TW" sz="3000" b="1" dirty="0">
-                  <a:solidFill>
-                    <a:schemeClr val="tx1"/>
-                  </a:solidFill>
-                  <a:latin typeface="Microsoft JhengHei" panose="020B0604030504040204" pitchFamily="34" charset="-120"/>
-                  <a:ea typeface="Microsoft JhengHei" panose="020B0604030504040204" pitchFamily="34" charset="-120"/>
-                </a:rPr>
-                <a:t>Testing Prediction &amp; Accuracy Checking</a:t>
-              </a:r>
-            </a:p>
-          </p:txBody>
-        </p:sp>
-        <p:sp>
-          <p:nvSpPr>
-            <p:cNvPr id="63" name="向下箭號 62">
-              <a:extLst>
-                <a:ext uri="{FF2B5EF4-FFF2-40B4-BE49-F238E27FC236}">
-                  <a16:creationId xmlns:a16="http://schemas.microsoft.com/office/drawing/2014/main" id="{1E8B1D2C-6559-F641-8029-1D6D5B4F57E8}"/>
-                </a:ext>
-              </a:extLst>
-            </p:cNvPr>
-            <p:cNvSpPr/>
-            <p:nvPr/>
-          </p:nvSpPr>
-          <p:spPr>
-            <a:xfrm>
-              <a:off x="4856319" y="12459950"/>
-              <a:ext cx="1338107" cy="479109"/>
-            </a:xfrm>
-            <a:prstGeom prst="downArrow">
-              <a:avLst/>
-            </a:prstGeom>
-            <a:solidFill>
-              <a:schemeClr val="tx2">
-                <a:lumMod val="75000"/>
-              </a:schemeClr>
-            </a:solidFill>
-          </p:spPr>
-          <p:style>
-            <a:lnRef idx="2">
-              <a:schemeClr val="accent1">
-                <a:shade val="50000"/>
-              </a:schemeClr>
-            </a:lnRef>
-            <a:fillRef idx="1">
-              <a:schemeClr val="accent1"/>
-            </a:fillRef>
-            <a:effectRef idx="0">
-              <a:schemeClr val="accent1"/>
-            </a:effectRef>
-            <a:fontRef idx="minor">
-              <a:schemeClr val="lt1"/>
-            </a:fontRef>
-          </p:style>
-          <p:txBody>
-            <a:bodyPr rtlCol="0" anchor="ctr"/>
-            <a:lstStyle/>
-            <a:p>
-              <a:pPr algn="ctr"/>
-              <a:endParaRPr kumimoji="1" lang="zh-TW" altLang="en-US" dirty="0"/>
-            </a:p>
-          </p:txBody>
-        </p:sp>
-        <p:sp>
-          <p:nvSpPr>
-            <p:cNvPr id="64" name="向下箭號 63">
-              <a:extLst>
-                <a:ext uri="{FF2B5EF4-FFF2-40B4-BE49-F238E27FC236}">
-                  <a16:creationId xmlns:a16="http://schemas.microsoft.com/office/drawing/2014/main" id="{1EEA1A11-981A-734D-87B3-3A3915DEE544}"/>
-                </a:ext>
-              </a:extLst>
-            </p:cNvPr>
-            <p:cNvSpPr/>
-            <p:nvPr/>
-          </p:nvSpPr>
-          <p:spPr>
-            <a:xfrm>
-              <a:off x="4856318" y="14362469"/>
-              <a:ext cx="1338107" cy="479109"/>
-            </a:xfrm>
-            <a:prstGeom prst="downArrow">
-              <a:avLst/>
-            </a:prstGeom>
-            <a:solidFill>
-              <a:schemeClr val="tx2">
-                <a:lumMod val="75000"/>
-              </a:schemeClr>
-            </a:solidFill>
-          </p:spPr>
-          <p:style>
-            <a:lnRef idx="2">
-              <a:schemeClr val="accent1">
-                <a:shade val="50000"/>
-              </a:schemeClr>
-            </a:lnRef>
-            <a:fillRef idx="1">
-              <a:schemeClr val="accent1"/>
-            </a:fillRef>
-            <a:effectRef idx="0">
-              <a:schemeClr val="accent1"/>
-            </a:effectRef>
-            <a:fontRef idx="minor">
-              <a:schemeClr val="lt1"/>
-            </a:fontRef>
-          </p:style>
-          <p:txBody>
-            <a:bodyPr rtlCol="0" anchor="ctr"/>
-            <a:lstStyle/>
-            <a:p>
-              <a:pPr algn="ctr"/>
-              <a:endParaRPr kumimoji="1" lang="zh-TW" altLang="en-US" dirty="0"/>
-            </a:p>
-          </p:txBody>
-        </p:sp>
-        <p:sp>
-          <p:nvSpPr>
-            <p:cNvPr id="66" name="向下箭號 65">
-              <a:extLst>
-                <a:ext uri="{FF2B5EF4-FFF2-40B4-BE49-F238E27FC236}">
-                  <a16:creationId xmlns:a16="http://schemas.microsoft.com/office/drawing/2014/main" id="{8FB009EB-F392-BB46-BC6D-3980B64B2630}"/>
-                </a:ext>
-              </a:extLst>
-            </p:cNvPr>
-            <p:cNvSpPr/>
-            <p:nvPr/>
-          </p:nvSpPr>
-          <p:spPr>
-            <a:xfrm rot="16200000">
-              <a:off x="3880540" y="11559248"/>
-              <a:ext cx="801143" cy="479109"/>
-            </a:xfrm>
-            <a:prstGeom prst="downArrow">
-              <a:avLst/>
-            </a:prstGeom>
-            <a:solidFill>
-              <a:schemeClr val="accent1">
-                <a:lumMod val="75000"/>
-              </a:schemeClr>
-            </a:solidFill>
-            <a:ln>
-              <a:noFill/>
-            </a:ln>
-          </p:spPr>
-          <p:style>
-            <a:lnRef idx="2">
-              <a:schemeClr val="accent1">
-                <a:shade val="50000"/>
-              </a:schemeClr>
-            </a:lnRef>
-            <a:fillRef idx="1">
-              <a:schemeClr val="accent1"/>
-            </a:fillRef>
-            <a:effectRef idx="0">
-              <a:schemeClr val="accent1"/>
-            </a:effectRef>
-            <a:fontRef idx="minor">
-              <a:schemeClr val="lt1"/>
-            </a:fontRef>
-          </p:style>
-          <p:txBody>
-            <a:bodyPr rtlCol="0" anchor="ctr"/>
-            <a:lstStyle/>
-            <a:p>
-              <a:pPr algn="ctr"/>
-              <a:endParaRPr kumimoji="1" lang="zh-TW" altLang="en-US" dirty="0"/>
-            </a:p>
-          </p:txBody>
-        </p:sp>
-        <p:sp>
-          <p:nvSpPr>
-            <p:cNvPr id="67" name="向下箭號 66">
-              <a:extLst>
-                <a:ext uri="{FF2B5EF4-FFF2-40B4-BE49-F238E27FC236}">
-                  <a16:creationId xmlns:a16="http://schemas.microsoft.com/office/drawing/2014/main" id="{E24040BF-B3EA-D84B-B7F2-818D1CE8546C}"/>
-                </a:ext>
-              </a:extLst>
-            </p:cNvPr>
-            <p:cNvSpPr/>
-            <p:nvPr/>
-          </p:nvSpPr>
-          <p:spPr>
-            <a:xfrm rot="16200000">
-              <a:off x="3885455" y="13396305"/>
-              <a:ext cx="801143" cy="479109"/>
-            </a:xfrm>
-            <a:prstGeom prst="downArrow">
-              <a:avLst/>
-            </a:prstGeom>
-            <a:solidFill>
-              <a:schemeClr val="accent1">
-                <a:lumMod val="75000"/>
-              </a:schemeClr>
-            </a:solidFill>
-            <a:ln>
-              <a:noFill/>
-            </a:ln>
-          </p:spPr>
-          <p:style>
-            <a:lnRef idx="2">
-              <a:schemeClr val="accent1">
-                <a:shade val="50000"/>
-              </a:schemeClr>
-            </a:lnRef>
-            <a:fillRef idx="1">
-              <a:schemeClr val="accent1"/>
-            </a:fillRef>
-            <a:effectRef idx="0">
-              <a:schemeClr val="accent1"/>
-            </a:effectRef>
-            <a:fontRef idx="minor">
-              <a:schemeClr val="lt1"/>
-            </a:fontRef>
-          </p:style>
-          <p:txBody>
-            <a:bodyPr rtlCol="0" anchor="ctr"/>
-            <a:lstStyle/>
-            <a:p>
-              <a:pPr algn="ctr"/>
-              <a:endParaRPr kumimoji="1" lang="zh-TW" altLang="en-US" dirty="0"/>
-            </a:p>
-          </p:txBody>
-        </p:sp>
-        <p:sp>
-          <p:nvSpPr>
-            <p:cNvPr id="68" name="向下箭號 67">
-              <a:extLst>
-                <a:ext uri="{FF2B5EF4-FFF2-40B4-BE49-F238E27FC236}">
-                  <a16:creationId xmlns:a16="http://schemas.microsoft.com/office/drawing/2014/main" id="{4D2157AF-81AB-7543-B91B-99A89CF7BDDD}"/>
-                </a:ext>
-              </a:extLst>
-            </p:cNvPr>
-            <p:cNvSpPr/>
-            <p:nvPr/>
-          </p:nvSpPr>
-          <p:spPr>
-            <a:xfrm rot="16200000">
-              <a:off x="3838187" y="15291023"/>
-              <a:ext cx="801143" cy="479109"/>
-            </a:xfrm>
-            <a:prstGeom prst="downArrow">
-              <a:avLst/>
-            </a:prstGeom>
-            <a:solidFill>
-              <a:schemeClr val="accent1">
-                <a:lumMod val="75000"/>
-              </a:schemeClr>
-            </a:solidFill>
-            <a:ln>
-              <a:noFill/>
-            </a:ln>
-          </p:spPr>
-          <p:style>
-            <a:lnRef idx="2">
-              <a:schemeClr val="accent1">
-                <a:shade val="50000"/>
-              </a:schemeClr>
-            </a:lnRef>
-            <a:fillRef idx="1">
-              <a:schemeClr val="accent1"/>
-            </a:fillRef>
-            <a:effectRef idx="0">
-              <a:schemeClr val="accent1"/>
-            </a:effectRef>
-            <a:fontRef idx="minor">
-              <a:schemeClr val="lt1"/>
-            </a:fontRef>
-          </p:style>
-          <p:txBody>
-            <a:bodyPr rtlCol="0" anchor="ctr"/>
-            <a:lstStyle/>
-            <a:p>
-              <a:pPr algn="ctr"/>
-              <a:endParaRPr kumimoji="1" lang="zh-TW" altLang="en-US" dirty="0"/>
-            </a:p>
-          </p:txBody>
-        </p:sp>
-        <p:sp>
-          <p:nvSpPr>
-            <p:cNvPr id="88" name="圓角矩形 87">
-              <a:extLst>
-                <a:ext uri="{FF2B5EF4-FFF2-40B4-BE49-F238E27FC236}">
-                  <a16:creationId xmlns:a16="http://schemas.microsoft.com/office/drawing/2014/main" id="{5D729E17-7448-FB4F-9BDA-5FDCA8E4D48F}"/>
-                </a:ext>
-              </a:extLst>
-            </p:cNvPr>
-            <p:cNvSpPr/>
-            <p:nvPr/>
-          </p:nvSpPr>
-          <p:spPr>
-            <a:xfrm>
-              <a:off x="4478313" y="12970643"/>
-              <a:ext cx="5576348" cy="1330434"/>
-            </a:xfrm>
-            <a:prstGeom prst="roundRect">
-              <a:avLst/>
-            </a:prstGeom>
-            <a:solidFill>
-              <a:schemeClr val="accent1">
-                <a:lumMod val="40000"/>
-                <a:lumOff val="60000"/>
-              </a:schemeClr>
-            </a:solidFill>
-          </p:spPr>
-          <p:style>
-            <a:lnRef idx="2">
-              <a:schemeClr val="accent1">
-                <a:shade val="50000"/>
-              </a:schemeClr>
-            </a:lnRef>
-            <a:fillRef idx="1">
-              <a:schemeClr val="accent1"/>
-            </a:fillRef>
-            <a:effectRef idx="0">
-              <a:schemeClr val="accent1"/>
-            </a:effectRef>
-            <a:fontRef idx="minor">
-              <a:schemeClr val="lt1"/>
-            </a:fontRef>
-          </p:style>
-          <p:txBody>
-            <a:bodyPr rtlCol="0" anchor="ctr"/>
-            <a:lstStyle/>
-            <a:p>
-              <a:pPr algn="ctr"/>
-              <a:r>
-                <a:rPr kumimoji="1" lang="en-US" altLang="zh-TW" sz="3000" b="1" dirty="0">
-                  <a:solidFill>
-                    <a:schemeClr val="tx1"/>
-                  </a:solidFill>
-                  <a:latin typeface="Microsoft JhengHei" panose="020B0604030504040204" pitchFamily="34" charset="-120"/>
-                  <a:ea typeface="Microsoft JhengHei" panose="020B0604030504040204" pitchFamily="34" charset="-120"/>
-                </a:rPr>
-                <a:t>Steal Prediction &amp; rich API outputs parsing</a:t>
-              </a:r>
-              <a:endParaRPr kumimoji="1" lang="zh-TW" altLang="en-US" sz="3000" b="1" dirty="0">
-                <a:solidFill>
-                  <a:schemeClr val="tx1"/>
-                </a:solidFill>
-                <a:latin typeface="Microsoft JhengHei" panose="020B0604030504040204" pitchFamily="34" charset="-120"/>
-                <a:ea typeface="Microsoft JhengHei" panose="020B0604030504040204" pitchFamily="34" charset="-120"/>
-              </a:endParaRPr>
-            </a:p>
-          </p:txBody>
-        </p:sp>
-        <p:sp>
-          <p:nvSpPr>
-            <p:cNvPr id="90" name="文字方塊 89">
-              <a:extLst>
-                <a:ext uri="{FF2B5EF4-FFF2-40B4-BE49-F238E27FC236}">
-                  <a16:creationId xmlns:a16="http://schemas.microsoft.com/office/drawing/2014/main" id="{A3832B1B-B4C6-8D46-9305-12F6A99FA907}"/>
-                </a:ext>
-              </a:extLst>
-            </p:cNvPr>
-            <p:cNvSpPr txBox="1"/>
-            <p:nvPr/>
-          </p:nvSpPr>
-          <p:spPr>
-            <a:xfrm>
-              <a:off x="1035859" y="10594490"/>
-              <a:ext cx="1376467" cy="646331"/>
-            </a:xfrm>
-            <a:prstGeom prst="rect">
-              <a:avLst/>
-            </a:prstGeom>
-            <a:noFill/>
-          </p:spPr>
-          <p:txBody>
-            <a:bodyPr wrap="none" rtlCol="0">
-              <a:spAutoFit/>
-            </a:bodyPr>
-            <a:lstStyle/>
-            <a:p>
-              <a:r>
-                <a:rPr kumimoji="1" lang="en-US" altLang="zh-TW" sz="3600" b="1" dirty="0"/>
-                <a:t>Step 1</a:t>
-              </a:r>
-              <a:endParaRPr kumimoji="1" lang="zh-TW" altLang="en-US" sz="3600" b="1" dirty="0"/>
-            </a:p>
-          </p:txBody>
-        </p:sp>
-        <p:sp>
-          <p:nvSpPr>
-            <p:cNvPr id="91" name="文字方塊 90">
-              <a:extLst>
-                <a:ext uri="{FF2B5EF4-FFF2-40B4-BE49-F238E27FC236}">
-                  <a16:creationId xmlns:a16="http://schemas.microsoft.com/office/drawing/2014/main" id="{45AE8635-4177-CF4D-8DF1-FB3AC51D9BF6}"/>
-                </a:ext>
-              </a:extLst>
-            </p:cNvPr>
-            <p:cNvSpPr txBox="1"/>
-            <p:nvPr/>
-          </p:nvSpPr>
-          <p:spPr>
-            <a:xfrm>
-              <a:off x="1089878" y="12473096"/>
-              <a:ext cx="1376467" cy="646331"/>
-            </a:xfrm>
-            <a:prstGeom prst="rect">
-              <a:avLst/>
-            </a:prstGeom>
-            <a:noFill/>
-          </p:spPr>
-          <p:txBody>
-            <a:bodyPr wrap="none" rtlCol="0">
-              <a:spAutoFit/>
-            </a:bodyPr>
-            <a:lstStyle/>
-            <a:p>
-              <a:r>
-                <a:rPr kumimoji="1" lang="en-US" altLang="zh-TW" sz="3600" b="1" dirty="0"/>
-                <a:t>Step 2</a:t>
-              </a:r>
-              <a:endParaRPr kumimoji="1" lang="zh-TW" altLang="en-US" sz="3600" b="1" dirty="0"/>
-            </a:p>
-          </p:txBody>
-        </p:sp>
-        <p:sp>
-          <p:nvSpPr>
-            <p:cNvPr id="92" name="文字方塊 91">
-              <a:extLst>
-                <a:ext uri="{FF2B5EF4-FFF2-40B4-BE49-F238E27FC236}">
-                  <a16:creationId xmlns:a16="http://schemas.microsoft.com/office/drawing/2014/main" id="{F9F4276C-36D7-6345-8DD8-9CE247311F82}"/>
-                </a:ext>
-              </a:extLst>
-            </p:cNvPr>
-            <p:cNvSpPr txBox="1"/>
-            <p:nvPr/>
-          </p:nvSpPr>
-          <p:spPr>
-            <a:xfrm>
-              <a:off x="1035859" y="14333653"/>
-              <a:ext cx="1376467" cy="646331"/>
-            </a:xfrm>
-            <a:prstGeom prst="rect">
-              <a:avLst/>
-            </a:prstGeom>
-            <a:noFill/>
-          </p:spPr>
-          <p:txBody>
-            <a:bodyPr wrap="none" rtlCol="0">
-              <a:spAutoFit/>
-            </a:bodyPr>
-            <a:lstStyle/>
-            <a:p>
-              <a:r>
-                <a:rPr kumimoji="1" lang="en-US" altLang="zh-TW" sz="3600" b="1" dirty="0"/>
-                <a:t>Step 3</a:t>
-              </a:r>
-              <a:endParaRPr kumimoji="1" lang="zh-TW" altLang="en-US" sz="3600" b="1" dirty="0"/>
             </a:p>
           </p:txBody>
         </p:sp>
@@ -7849,10 +6372,9 @@
             <a:p>
               <a:pPr algn="ctr"/>
               <a:r>
-                <a:rPr lang="en-US" altLang="zh-TW" sz="4000" dirty="0" err="1"/>
-                <a:t>Optimizar</a:t>
+                <a:rPr lang="en-US" altLang="zh-TW" sz="4000" dirty="0"/>
+                <a:t>Optimizer</a:t>
               </a:r>
-              <a:endParaRPr lang="en-US" altLang="zh-TW" sz="4000" dirty="0"/>
             </a:p>
             <a:p>
               <a:pPr algn="ctr"/>
@@ -8276,194 +6798,6 @@
           </a:p>
         </p:txBody>
       </p:sp>
-      <p:pic>
-        <p:nvPicPr>
-          <p:cNvPr id="17" name="圖片 16" descr="一張含有 文字, 地圖 的圖片&#10;&#10;&#10;&#10;自動產生的描述">
-            <a:extLst>
-              <a:ext uri="{FF2B5EF4-FFF2-40B4-BE49-F238E27FC236}">
-                <a16:creationId xmlns:a16="http://schemas.microsoft.com/office/drawing/2014/main" id="{F01396BF-535A-7D41-AA17-BD40F9A0A424}"/>
-              </a:ext>
-            </a:extLst>
-          </p:cNvPr>
-          <p:cNvPicPr>
-            <a:picLocks noChangeAspect="1"/>
-          </p:cNvPicPr>
-          <p:nvPr/>
-        </p:nvPicPr>
-        <p:blipFill>
-          <a:blip r:embed="rId4"/>
-          <a:stretch>
-            <a:fillRect/>
-          </a:stretch>
-        </p:blipFill>
-        <p:spPr>
-          <a:xfrm>
-            <a:off x="11525298" y="13627932"/>
-            <a:ext cx="5579045" cy="5579045"/>
-          </a:xfrm>
-          <a:prstGeom prst="rect">
-            <a:avLst/>
-          </a:prstGeom>
-        </p:spPr>
-      </p:pic>
-      <p:pic>
-        <p:nvPicPr>
-          <p:cNvPr id="29" name="圖片 28" descr="一張含有 文字, 地圖 的圖片&#10;&#10;&#10;&#10;自動產生的描述">
-            <a:extLst>
-              <a:ext uri="{FF2B5EF4-FFF2-40B4-BE49-F238E27FC236}">
-                <a16:creationId xmlns:a16="http://schemas.microsoft.com/office/drawing/2014/main" id="{4B3CA725-1986-D741-9D99-BB214800922A}"/>
-              </a:ext>
-            </a:extLst>
-          </p:cNvPr>
-          <p:cNvPicPr>
-            <a:picLocks noChangeAspect="1"/>
-          </p:cNvPicPr>
-          <p:nvPr/>
-        </p:nvPicPr>
-        <p:blipFill>
-          <a:blip r:embed="rId5"/>
-          <a:stretch>
-            <a:fillRect/>
-          </a:stretch>
-        </p:blipFill>
-        <p:spPr>
-          <a:xfrm>
-            <a:off x="11520726" y="19236940"/>
-            <a:ext cx="5545089" cy="5545089"/>
-          </a:xfrm>
-          <a:prstGeom prst="rect">
-            <a:avLst/>
-          </a:prstGeom>
-        </p:spPr>
-      </p:pic>
-      <p:sp>
-        <p:nvSpPr>
-          <p:cNvPr id="125" name="文字方塊 124">
-            <a:extLst>
-              <a:ext uri="{FF2B5EF4-FFF2-40B4-BE49-F238E27FC236}">
-                <a16:creationId xmlns:a16="http://schemas.microsoft.com/office/drawing/2014/main" id="{AC2CA9D7-AFB0-924D-83C8-08B805B5F0E2}"/>
-              </a:ext>
-            </a:extLst>
-          </p:cNvPr>
-          <p:cNvSpPr txBox="1"/>
-          <p:nvPr/>
-        </p:nvSpPr>
-        <p:spPr>
-          <a:xfrm>
-            <a:off x="18178276" y="13595460"/>
-            <a:ext cx="2891598" cy="3323987"/>
-          </a:xfrm>
-          <a:prstGeom prst="rect">
-            <a:avLst/>
-          </a:prstGeom>
-          <a:noFill/>
-        </p:spPr>
-        <p:txBody>
-          <a:bodyPr wrap="square" rtlCol="0">
-            <a:spAutoFit/>
-          </a:bodyPr>
-          <a:lstStyle/>
-          <a:p>
-            <a:r>
-              <a:rPr kumimoji="1" lang="en-US" altLang="zh-CN" sz="3500" dirty="0"/>
-              <a:t>1) </a:t>
-            </a:r>
-            <a:r>
-              <a:rPr kumimoji="1" lang="zh-CN" altLang="en-US" sz="3500" dirty="0"/>
-              <a:t>在不同的</a:t>
-            </a:r>
-            <a:r>
-              <a:rPr kumimoji="1" lang="en-US" altLang="zh-CN" sz="3500" dirty="0"/>
-              <a:t>Training size </a:t>
-            </a:r>
-            <a:r>
-              <a:rPr kumimoji="1" lang="zh-CN" altLang="en-US" sz="3500" dirty="0"/>
-              <a:t>下，</a:t>
-            </a:r>
-            <a:r>
-              <a:rPr kumimoji="1" lang="en-US" altLang="zh-CN" sz="3500" dirty="0"/>
-              <a:t>copy model </a:t>
-            </a:r>
-            <a:r>
-              <a:rPr kumimoji="1" lang="zh-CN" altLang="en-US" sz="3500" dirty="0"/>
-              <a:t>的準確率</a:t>
-            </a:r>
-            <a:r>
-              <a:rPr kumimoji="1" lang="zh-TW" altLang="en-US" sz="3500" dirty="0"/>
-              <a:t>大部分</a:t>
-            </a:r>
-            <a:r>
-              <a:rPr kumimoji="1" lang="en-US" altLang="zh-TW" sz="3500" dirty="0"/>
-              <a:t>Control Model.</a:t>
-            </a:r>
-            <a:endParaRPr kumimoji="1" lang="en-US" altLang="zh-CN" sz="3500" dirty="0"/>
-          </a:p>
-        </p:txBody>
-      </p:sp>
-      <p:sp>
-        <p:nvSpPr>
-          <p:cNvPr id="126" name="文字方塊 125">
-            <a:extLst>
-              <a:ext uri="{FF2B5EF4-FFF2-40B4-BE49-F238E27FC236}">
-                <a16:creationId xmlns:a16="http://schemas.microsoft.com/office/drawing/2014/main" id="{4EC84EA3-01E0-FC49-9306-1068BB1CB53A}"/>
-              </a:ext>
-            </a:extLst>
-          </p:cNvPr>
-          <p:cNvSpPr txBox="1"/>
-          <p:nvPr/>
-        </p:nvSpPr>
-        <p:spPr>
-          <a:xfrm>
-            <a:off x="18147129" y="20747493"/>
-            <a:ext cx="2891598" cy="3323987"/>
-          </a:xfrm>
-          <a:prstGeom prst="rect">
-            <a:avLst/>
-          </a:prstGeom>
-          <a:noFill/>
-        </p:spPr>
-        <p:txBody>
-          <a:bodyPr wrap="square" rtlCol="0">
-            <a:spAutoFit/>
-          </a:bodyPr>
-          <a:lstStyle/>
-          <a:p>
-            <a:r>
-              <a:rPr kumimoji="1" lang="en-US" altLang="zh-CN" sz="3500" dirty="0"/>
-              <a:t>2) </a:t>
-            </a:r>
-            <a:r>
-              <a:rPr kumimoji="1" lang="zh-CN" altLang="en-US" sz="3500" dirty="0"/>
-              <a:t>在不同的</a:t>
-            </a:r>
-            <a:r>
-              <a:rPr kumimoji="1" lang="en-US" altLang="zh-CN" sz="3500" dirty="0"/>
-              <a:t>Training size </a:t>
-            </a:r>
-            <a:r>
-              <a:rPr kumimoji="1" lang="zh-CN" altLang="en-US" sz="3500" dirty="0"/>
-              <a:t>下，</a:t>
-            </a:r>
-            <a:r>
-              <a:rPr kumimoji="1" lang="en-US" altLang="zh-CN" sz="3500" dirty="0"/>
-              <a:t>copy model </a:t>
-            </a:r>
-            <a:r>
-              <a:rPr kumimoji="1" lang="zh-CN" altLang="en-US" sz="3500" dirty="0"/>
-              <a:t>的準確率皆高於</a:t>
-            </a:r>
-            <a:r>
-              <a:rPr kumimoji="1" lang="zh-TW" altLang="en-US" sz="3500" dirty="0"/>
-              <a:t> </a:t>
-            </a:r>
-            <a:r>
-              <a:rPr kumimoji="1" lang="en-US" altLang="zh-TW" sz="3500" dirty="0"/>
-              <a:t>Control Model.</a:t>
-            </a:r>
-            <a:endParaRPr kumimoji="1" lang="en-US" altLang="zh-CN" sz="3500" dirty="0"/>
-          </a:p>
-        </p:txBody>
-      </p:sp>
       <p:sp>
         <p:nvSpPr>
           <p:cNvPr id="128" name="文字方塊 127">
@@ -8524,8 +6858,8 @@
         </p:nvSpPr>
         <p:spPr>
           <a:xfrm>
-            <a:off x="11748741" y="27200950"/>
-            <a:ext cx="9321126" cy="1169551"/>
+            <a:off x="11748741" y="24998074"/>
+            <a:ext cx="9321126" cy="1785104"/>
           </a:xfrm>
           <a:prstGeom prst="rect">
             <a:avLst/>
@@ -8539,38 +6873,142 @@
           <a:lstStyle/>
           <a:p>
             <a:r>
-              <a:rPr kumimoji="1" lang="en-US" altLang="zh-CN" sz="3500" dirty="0"/>
-              <a:t>2) </a:t>
-            </a:r>
-            <a:r>
-              <a:rPr kumimoji="1" lang="zh-CN" altLang="en-US" sz="3500" dirty="0"/>
-              <a:t>在不同的</a:t>
-            </a:r>
-            <a:r>
-              <a:rPr kumimoji="1" lang="en-US" altLang="zh-CN" sz="3500" dirty="0"/>
-              <a:t>Training size </a:t>
-            </a:r>
-            <a:r>
-              <a:rPr kumimoji="1" lang="zh-CN" altLang="en-US" sz="3500" dirty="0"/>
-              <a:t>下，</a:t>
-            </a:r>
-            <a:r>
-              <a:rPr kumimoji="1" lang="en-US" altLang="zh-CN" sz="3500" dirty="0"/>
-              <a:t>copy model </a:t>
-            </a:r>
-            <a:r>
-              <a:rPr kumimoji="1" lang="zh-CN" altLang="en-US" sz="3500" dirty="0"/>
-              <a:t>的準確率皆高於</a:t>
-            </a:r>
-            <a:r>
-              <a:rPr kumimoji="1" lang="zh-TW" altLang="en-US" sz="3500" dirty="0"/>
+              <a:rPr kumimoji="1" lang="en-US" altLang="zh-TW" sz="4000" b="1" dirty="0">
+                <a:latin typeface="Microsoft JhengHei" panose="020B0604030504040204" pitchFamily="34" charset="-120"/>
+                <a:ea typeface="Microsoft JhengHei" panose="020B0604030504040204" pitchFamily="34" charset="-120"/>
+              </a:rPr>
+              <a:t>1.</a:t>
+            </a:r>
+            <a:r>
+              <a:rPr kumimoji="1" lang="zh-TW" altLang="en-US" sz="4000" b="1" dirty="0">
+                <a:latin typeface="Microsoft JhengHei" panose="020B0604030504040204" pitchFamily="34" charset="-120"/>
+                <a:ea typeface="Microsoft JhengHei" panose="020B0604030504040204" pitchFamily="34" charset="-120"/>
+              </a:rPr>
               <a:t> </a:t>
             </a:r>
             <a:r>
-              <a:rPr kumimoji="1" lang="en-US" altLang="zh-TW" sz="3500" dirty="0"/>
-              <a:t>Control Model.</a:t>
-            </a:r>
-            <a:endParaRPr kumimoji="1" lang="en-US" altLang="zh-CN" sz="3500" dirty="0"/>
+              <a:rPr kumimoji="1" lang="zh-TW" altLang="en-US" sz="3500" dirty="0">
+                <a:latin typeface="Microsoft JhengHei" panose="020B0604030504040204" pitchFamily="34" charset="-120"/>
+                <a:ea typeface="Microsoft JhengHei" panose="020B0604030504040204" pitchFamily="34" charset="-120"/>
+              </a:rPr>
+              <a:t>在不同</a:t>
+            </a:r>
+            <a:r>
+              <a:rPr kumimoji="1" lang="en-US" altLang="zh-TW" sz="3500" dirty="0">
+                <a:latin typeface="Microsoft JhengHei" panose="020B0604030504040204" pitchFamily="34" charset="-120"/>
+                <a:ea typeface="Microsoft JhengHei" panose="020B0604030504040204" pitchFamily="34" charset="-120"/>
+              </a:rPr>
+              <a:t>Training size, learning rate</a:t>
+            </a:r>
+            <a:r>
+              <a:rPr kumimoji="1" lang="zh-TW" altLang="en-US" sz="3500" dirty="0">
+                <a:latin typeface="Microsoft JhengHei" panose="020B0604030504040204" pitchFamily="34" charset="-120"/>
+                <a:ea typeface="Microsoft JhengHei" panose="020B0604030504040204" pitchFamily="34" charset="-120"/>
+              </a:rPr>
+              <a:t> </a:t>
+            </a:r>
+            <a:r>
+              <a:rPr kumimoji="1" lang="zh-CN" altLang="en-US" sz="3500" dirty="0">
+                <a:latin typeface="Microsoft JhengHei" panose="020B0604030504040204" pitchFamily="34" charset="-120"/>
+                <a:ea typeface="Microsoft JhengHei" panose="020B0604030504040204" pitchFamily="34" charset="-120"/>
+              </a:rPr>
+              <a:t>狀態下</a:t>
+            </a:r>
+            <a:r>
+              <a:rPr kumimoji="1" lang="zh-TW" altLang="en-US" sz="3500" dirty="0">
+                <a:latin typeface="Microsoft JhengHei" panose="020B0604030504040204" pitchFamily="34" charset="-120"/>
+                <a:ea typeface="Microsoft JhengHei" panose="020B0604030504040204" pitchFamily="34" charset="-120"/>
+              </a:rPr>
+              <a:t>，</a:t>
+            </a:r>
+            <a:r>
+              <a:rPr kumimoji="1" lang="en-US" altLang="zh-TW" sz="3500" dirty="0">
+                <a:latin typeface="Microsoft JhengHei" panose="020B0604030504040204" pitchFamily="34" charset="-120"/>
+                <a:ea typeface="Microsoft JhengHei" panose="020B0604030504040204" pitchFamily="34" charset="-120"/>
+              </a:rPr>
+              <a:t> Loss function </a:t>
+            </a:r>
+            <a:r>
+              <a:rPr kumimoji="1" lang="zh-CN" altLang="en-US" sz="3500" dirty="0">
+                <a:latin typeface="Microsoft JhengHei" panose="020B0604030504040204" pitchFamily="34" charset="-120"/>
+                <a:ea typeface="Microsoft JhengHei" panose="020B0604030504040204" pitchFamily="34" charset="-120"/>
+              </a:rPr>
+              <a:t>為</a:t>
+            </a:r>
+            <a:r>
+              <a:rPr kumimoji="1" lang="zh-TW" altLang="en-US" sz="3500" dirty="0">
+                <a:latin typeface="Microsoft JhengHei" panose="020B0604030504040204" pitchFamily="34" charset="-120"/>
+                <a:ea typeface="Microsoft JhengHei" panose="020B0604030504040204" pitchFamily="34" charset="-120"/>
+              </a:rPr>
+              <a:t> </a:t>
+            </a:r>
+            <a:r>
+              <a:rPr kumimoji="1" lang="en-US" altLang="zh-TW" sz="3500" dirty="0" err="1">
+                <a:latin typeface="Microsoft JhengHei" panose="020B0604030504040204" pitchFamily="34" charset="-120"/>
+                <a:ea typeface="Microsoft JhengHei" panose="020B0604030504040204" pitchFamily="34" charset="-120"/>
+              </a:rPr>
+              <a:t>BCEloss</a:t>
+            </a:r>
+            <a:r>
+              <a:rPr kumimoji="1" lang="en-US" altLang="zh-TW" sz="3500" dirty="0">
+                <a:latin typeface="Microsoft JhengHei" panose="020B0604030504040204" pitchFamily="34" charset="-120"/>
+                <a:ea typeface="Microsoft JhengHei" panose="020B0604030504040204" pitchFamily="34" charset="-120"/>
+              </a:rPr>
+              <a:t> </a:t>
+            </a:r>
+            <a:r>
+              <a:rPr kumimoji="1" lang="zh-TW" altLang="en-US" sz="3500" dirty="0">
+                <a:latin typeface="Microsoft JhengHei" panose="020B0604030504040204" pitchFamily="34" charset="-120"/>
+                <a:ea typeface="Microsoft JhengHei" panose="020B0604030504040204" pitchFamily="34" charset="-120"/>
+              </a:rPr>
+              <a:t>，</a:t>
+            </a:r>
+            <a:r>
+              <a:rPr kumimoji="1" lang="en-US" altLang="zh-TW" sz="3500" dirty="0">
+                <a:latin typeface="Microsoft JhengHei" panose="020B0604030504040204" pitchFamily="34" charset="-120"/>
+                <a:ea typeface="Microsoft JhengHei" panose="020B0604030504040204" pitchFamily="34" charset="-120"/>
+              </a:rPr>
+              <a:t>200 epoch</a:t>
+            </a:r>
+            <a:r>
+              <a:rPr kumimoji="1" lang="zh-TW" altLang="en-US" sz="3500" dirty="0">
+                <a:latin typeface="Microsoft JhengHei" panose="020B0604030504040204" pitchFamily="34" charset="-120"/>
+                <a:ea typeface="Microsoft JhengHei" panose="020B0604030504040204" pitchFamily="34" charset="-120"/>
+              </a:rPr>
+              <a:t>，</a:t>
+            </a:r>
+            <a:r>
+              <a:rPr kumimoji="1" lang="en-US" altLang="zh-TW" sz="3500" dirty="0">
+                <a:latin typeface="Microsoft JhengHei" panose="020B0604030504040204" pitchFamily="34" charset="-120"/>
+                <a:ea typeface="Microsoft JhengHei" panose="020B0604030504040204" pitchFamily="34" charset="-120"/>
+              </a:rPr>
+              <a:t>Copy model </a:t>
+            </a:r>
+            <a:r>
+              <a:rPr kumimoji="1" lang="zh-CN" altLang="en-US" sz="3500" dirty="0">
+                <a:latin typeface="Microsoft JhengHei" panose="020B0604030504040204" pitchFamily="34" charset="-120"/>
+                <a:ea typeface="Microsoft JhengHei" panose="020B0604030504040204" pitchFamily="34" charset="-120"/>
+              </a:rPr>
+              <a:t>的準確率皆比</a:t>
+            </a:r>
+            <a:r>
+              <a:rPr kumimoji="1" lang="en-US" altLang="zh-CN" sz="3500" dirty="0">
+                <a:latin typeface="Microsoft JhengHei" panose="020B0604030504040204" pitchFamily="34" charset="-120"/>
+                <a:ea typeface="Microsoft JhengHei" panose="020B0604030504040204" pitchFamily="34" charset="-120"/>
+              </a:rPr>
+              <a:t> Control Model</a:t>
+            </a:r>
+            <a:r>
+              <a:rPr kumimoji="1" lang="zh-TW" altLang="en-US" sz="3500" dirty="0">
+                <a:latin typeface="Microsoft JhengHei" panose="020B0604030504040204" pitchFamily="34" charset="-120"/>
+                <a:ea typeface="Microsoft JhengHei" panose="020B0604030504040204" pitchFamily="34" charset="-120"/>
+              </a:rPr>
+              <a:t> 高。</a:t>
+            </a:r>
+            <a:endParaRPr kumimoji="1" lang="en-US" altLang="zh-CN" sz="3500" dirty="0">
+              <a:latin typeface="Microsoft JhengHei" panose="020B0604030504040204" pitchFamily="34" charset="-120"/>
+              <a:ea typeface="Microsoft JhengHei" panose="020B0604030504040204" pitchFamily="34" charset="-120"/>
+            </a:endParaRPr>
           </a:p>
         </p:txBody>
       </p:sp>
@@ -8808,16 +7246,12 @@
                 <a:t>( </a:t>
               </a:r>
               <a:r>
-                <a:rPr kumimoji="1" lang="en-US" altLang="zh-CN" sz="2800" b="1" dirty="0" err="1" smtClean="0"/>
+                <a:rPr kumimoji="1" lang="en-US" altLang="zh-CN" sz="2800" b="1" dirty="0" err="1"/>
                 <a:t>X_training_data</a:t>
               </a:r>
               <a:r>
-                <a:rPr kumimoji="1" lang="en-US" altLang="zh-CN" sz="2800" dirty="0" smtClean="0"/>
-                <a:t> </a:t>
-              </a:r>
-              <a:r>
                 <a:rPr kumimoji="1" lang="en-US" altLang="zh-CN" sz="2800" dirty="0"/>
-                <a:t>)</a:t>
+                <a:t> )</a:t>
               </a:r>
             </a:p>
           </p:txBody>
@@ -9645,6 +8079,461 @@
           </p:txBody>
         </p:sp>
       </p:grpSp>
+      <p:pic>
+        <p:nvPicPr>
+          <p:cNvPr id="3" name="圖片 2" descr="一張含有 文字, 天空 的圖片&#10;&#10;&#10;&#10;自動產生的描述">
+            <a:extLst>
+              <a:ext uri="{FF2B5EF4-FFF2-40B4-BE49-F238E27FC236}">
+                <a16:creationId xmlns:a16="http://schemas.microsoft.com/office/drawing/2014/main" id="{C90DC42C-6341-2548-8A1E-D7876CC16861}"/>
+              </a:ext>
+            </a:extLst>
+          </p:cNvPr>
+          <p:cNvPicPr>
+            <a:picLocks noChangeAspect="1"/>
+          </p:cNvPicPr>
+          <p:nvPr/>
+        </p:nvPicPr>
+        <p:blipFill>
+          <a:blip r:embed="rId4"/>
+          <a:stretch>
+            <a:fillRect/>
+          </a:stretch>
+        </p:blipFill>
+        <p:spPr>
+          <a:xfrm>
+            <a:off x="11145431" y="19281542"/>
+            <a:ext cx="4786634" cy="4786634"/>
+          </a:xfrm>
+          <a:prstGeom prst="rect">
+            <a:avLst/>
+          </a:prstGeom>
+        </p:spPr>
+      </p:pic>
+      <p:pic>
+        <p:nvPicPr>
+          <p:cNvPr id="25" name="圖片 24" descr="一張含有 天空 的圖片&#10;&#10;&#10;&#10;自動產生的描述">
+            <a:extLst>
+              <a:ext uri="{FF2B5EF4-FFF2-40B4-BE49-F238E27FC236}">
+                <a16:creationId xmlns:a16="http://schemas.microsoft.com/office/drawing/2014/main" id="{93E3AE35-E6F1-1B45-9C53-DAAF2568A42B}"/>
+              </a:ext>
+            </a:extLst>
+          </p:cNvPr>
+          <p:cNvPicPr>
+            <a:picLocks noChangeAspect="1"/>
+          </p:cNvPicPr>
+          <p:nvPr/>
+        </p:nvPicPr>
+        <p:blipFill>
+          <a:blip r:embed="rId5"/>
+          <a:stretch>
+            <a:fillRect/>
+          </a:stretch>
+        </p:blipFill>
+        <p:spPr>
+          <a:xfrm>
+            <a:off x="16150343" y="19181424"/>
+            <a:ext cx="4919524" cy="4919524"/>
+          </a:xfrm>
+          <a:prstGeom prst="rect">
+            <a:avLst/>
+          </a:prstGeom>
+        </p:spPr>
+      </p:pic>
+      <p:pic>
+        <p:nvPicPr>
+          <p:cNvPr id="33" name="圖片 32" descr="一張含有 文字 的圖片&#10;&#10;&#10;&#10;自動產生的描述">
+            <a:extLst>
+              <a:ext uri="{FF2B5EF4-FFF2-40B4-BE49-F238E27FC236}">
+                <a16:creationId xmlns:a16="http://schemas.microsoft.com/office/drawing/2014/main" id="{579F1E39-9A31-AE47-B042-BEDAC8322FBD}"/>
+              </a:ext>
+            </a:extLst>
+          </p:cNvPr>
+          <p:cNvPicPr>
+            <a:picLocks noChangeAspect="1"/>
+          </p:cNvPicPr>
+          <p:nvPr/>
+        </p:nvPicPr>
+        <p:blipFill>
+          <a:blip r:embed="rId6"/>
+          <a:stretch>
+            <a:fillRect/>
+          </a:stretch>
+        </p:blipFill>
+        <p:spPr>
+          <a:xfrm>
+            <a:off x="11139305" y="13830871"/>
+            <a:ext cx="4786634" cy="4786634"/>
+          </a:xfrm>
+          <a:prstGeom prst="rect">
+            <a:avLst/>
+          </a:prstGeom>
+        </p:spPr>
+      </p:pic>
+      <p:pic>
+        <p:nvPicPr>
+          <p:cNvPr id="36" name="圖片 35" descr="一張含有 天空, 文字 的圖片&#10;&#10;&#10;&#10;自動產生的描述">
+            <a:extLst>
+              <a:ext uri="{FF2B5EF4-FFF2-40B4-BE49-F238E27FC236}">
+                <a16:creationId xmlns:a16="http://schemas.microsoft.com/office/drawing/2014/main" id="{885ADA3A-B95B-2D4A-ACA9-6E8BB1DC58F7}"/>
+              </a:ext>
+            </a:extLst>
+          </p:cNvPr>
+          <p:cNvPicPr>
+            <a:picLocks noChangeAspect="1"/>
+          </p:cNvPicPr>
+          <p:nvPr/>
+        </p:nvPicPr>
+        <p:blipFill>
+          <a:blip r:embed="rId7"/>
+          <a:stretch>
+            <a:fillRect/>
+          </a:stretch>
+        </p:blipFill>
+        <p:spPr>
+          <a:xfrm>
+            <a:off x="16180999" y="13901822"/>
+            <a:ext cx="4786635" cy="4786635"/>
+          </a:xfrm>
+          <a:prstGeom prst="rect">
+            <a:avLst/>
+          </a:prstGeom>
+        </p:spPr>
+      </p:pic>
+      <p:sp>
+        <p:nvSpPr>
+          <p:cNvPr id="131" name="文字方塊 130">
+            <a:extLst>
+              <a:ext uri="{FF2B5EF4-FFF2-40B4-BE49-F238E27FC236}">
+                <a16:creationId xmlns:a16="http://schemas.microsoft.com/office/drawing/2014/main" id="{8E6EB2E3-296D-2445-8BD0-3F820669A588}"/>
+              </a:ext>
+            </a:extLst>
+          </p:cNvPr>
+          <p:cNvSpPr txBox="1"/>
+          <p:nvPr/>
+        </p:nvSpPr>
+        <p:spPr>
+          <a:xfrm>
+            <a:off x="11668059" y="13165677"/>
+            <a:ext cx="4321183" cy="707886"/>
+          </a:xfrm>
+          <a:prstGeom prst="rect">
+            <a:avLst/>
+          </a:prstGeom>
+          <a:noFill/>
+        </p:spPr>
+        <p:txBody>
+          <a:bodyPr wrap="none" rtlCol="0">
+            <a:spAutoFit/>
+          </a:bodyPr>
+          <a:lstStyle/>
+          <a:p>
+            <a:pPr marL="685800" indent="-685800">
+              <a:buFont typeface="Wingdings" pitchFamily="2" charset="2"/>
+              <a:buChar char="l"/>
+            </a:pPr>
+            <a:r>
+              <a:rPr kumimoji="1" lang="en-US" altLang="zh-TW" sz="4000" dirty="0">
+                <a:latin typeface="Microsoft JhengHei" panose="020B0604030504040204" pitchFamily="34" charset="-120"/>
+                <a:ea typeface="Microsoft JhengHei" panose="020B0604030504040204" pitchFamily="34" charset="-120"/>
+              </a:rPr>
+              <a:t>Decision Tree :</a:t>
+            </a:r>
+          </a:p>
+        </p:txBody>
+      </p:sp>
+      <p:sp>
+        <p:nvSpPr>
+          <p:cNvPr id="132" name="文字方塊 131">
+            <a:extLst>
+              <a:ext uri="{FF2B5EF4-FFF2-40B4-BE49-F238E27FC236}">
+                <a16:creationId xmlns:a16="http://schemas.microsoft.com/office/drawing/2014/main" id="{86E7AA78-0C3A-5D4B-BF8F-55CBDC674906}"/>
+              </a:ext>
+            </a:extLst>
+          </p:cNvPr>
+          <p:cNvSpPr txBox="1"/>
+          <p:nvPr/>
+        </p:nvSpPr>
+        <p:spPr>
+          <a:xfrm>
+            <a:off x="11668059" y="18556668"/>
+            <a:ext cx="3199915" cy="707886"/>
+          </a:xfrm>
+          <a:prstGeom prst="rect">
+            <a:avLst/>
+          </a:prstGeom>
+          <a:noFill/>
+        </p:spPr>
+        <p:txBody>
+          <a:bodyPr wrap="none" rtlCol="0">
+            <a:spAutoFit/>
+          </a:bodyPr>
+          <a:lstStyle/>
+          <a:p>
+            <a:pPr marL="685800" indent="-685800">
+              <a:buFont typeface="Wingdings" pitchFamily="2" charset="2"/>
+              <a:buChar char="l"/>
+            </a:pPr>
+            <a:r>
+              <a:rPr kumimoji="1" lang="en-US" altLang="zh-TW" sz="4000" dirty="0" err="1">
+                <a:latin typeface="Microsoft JhengHei" panose="020B0604030504040204" pitchFamily="34" charset="-120"/>
+                <a:ea typeface="Microsoft JhengHei" panose="020B0604030504040204" pitchFamily="34" charset="-120"/>
+              </a:rPr>
+              <a:t>Deepnet</a:t>
+            </a:r>
+            <a:r>
+              <a:rPr kumimoji="1" lang="en-US" altLang="zh-TW" sz="4000" dirty="0">
+                <a:latin typeface="Microsoft JhengHei" panose="020B0604030504040204" pitchFamily="34" charset="-120"/>
+                <a:ea typeface="Microsoft JhengHei" panose="020B0604030504040204" pitchFamily="34" charset="-120"/>
+              </a:rPr>
+              <a:t> :</a:t>
+            </a:r>
+          </a:p>
+        </p:txBody>
+      </p:sp>
+      <p:sp>
+        <p:nvSpPr>
+          <p:cNvPr id="134" name="文字方塊 133">
+            <a:extLst>
+              <a:ext uri="{FF2B5EF4-FFF2-40B4-BE49-F238E27FC236}">
+                <a16:creationId xmlns:a16="http://schemas.microsoft.com/office/drawing/2014/main" id="{ADD2B1F6-B5CD-BC4B-A65D-C6DD10DF5A52}"/>
+              </a:ext>
+            </a:extLst>
+          </p:cNvPr>
+          <p:cNvSpPr txBox="1"/>
+          <p:nvPr/>
+        </p:nvSpPr>
+        <p:spPr>
+          <a:xfrm>
+            <a:off x="11730230" y="26863553"/>
+            <a:ext cx="9321126" cy="1785104"/>
+          </a:xfrm>
+          <a:prstGeom prst="rect">
+            <a:avLst/>
+          </a:prstGeom>
+          <a:noFill/>
+        </p:spPr>
+        <p:txBody>
+          <a:bodyPr wrap="square" rtlCol="0">
+            <a:spAutoFit/>
+          </a:bodyPr>
+          <a:lstStyle/>
+          <a:p>
+            <a:r>
+              <a:rPr kumimoji="1" lang="en-US" altLang="zh-TW" sz="4000" b="1" dirty="0">
+                <a:latin typeface="Microsoft JhengHei" panose="020B0604030504040204" pitchFamily="34" charset="-120"/>
+                <a:ea typeface="Microsoft JhengHei" panose="020B0604030504040204" pitchFamily="34" charset="-120"/>
+              </a:rPr>
+              <a:t>2. </a:t>
+            </a:r>
+            <a:r>
+              <a:rPr kumimoji="1" lang="zh-TW" altLang="en-US" sz="3500" dirty="0">
+                <a:latin typeface="Microsoft JhengHei" panose="020B0604030504040204" pitchFamily="34" charset="-120"/>
+                <a:ea typeface="Microsoft JhengHei" panose="020B0604030504040204" pitchFamily="34" charset="-120"/>
+              </a:rPr>
+              <a:t>用</a:t>
+            </a:r>
+            <a:r>
+              <a:rPr kumimoji="1" lang="en-US" altLang="zh-TW" sz="3500" dirty="0">
+                <a:latin typeface="Microsoft JhengHei" panose="020B0604030504040204" pitchFamily="34" charset="-120"/>
+                <a:ea typeface="Microsoft JhengHei" panose="020B0604030504040204" pitchFamily="34" charset="-120"/>
+              </a:rPr>
+              <a:t>Neural Network </a:t>
+            </a:r>
+            <a:r>
+              <a:rPr kumimoji="1" lang="zh-CN" altLang="en-US" sz="3500" dirty="0">
+                <a:latin typeface="Microsoft JhengHei" panose="020B0604030504040204" pitchFamily="34" charset="-120"/>
+                <a:ea typeface="Microsoft JhengHei" panose="020B0604030504040204" pitchFamily="34" charset="-120"/>
+              </a:rPr>
+              <a:t>偷取</a:t>
+            </a:r>
+            <a:r>
+              <a:rPr kumimoji="1" lang="zh-TW" altLang="en-US" sz="3500" dirty="0">
+                <a:latin typeface="Microsoft JhengHei" panose="020B0604030504040204" pitchFamily="34" charset="-120"/>
+                <a:ea typeface="Microsoft JhengHei" panose="020B0604030504040204" pitchFamily="34" charset="-120"/>
+              </a:rPr>
+              <a:t> </a:t>
+            </a:r>
+            <a:r>
+              <a:rPr kumimoji="1" lang="en-US" altLang="zh-TW" sz="3500" dirty="0">
+                <a:latin typeface="Microsoft JhengHei" panose="020B0604030504040204" pitchFamily="34" charset="-120"/>
+                <a:ea typeface="Microsoft JhengHei" panose="020B0604030504040204" pitchFamily="34" charset="-120"/>
+              </a:rPr>
+              <a:t>Decision Tree Model </a:t>
+            </a:r>
+            <a:r>
+              <a:rPr kumimoji="1" lang="zh-CN" altLang="en-US" sz="3500" dirty="0">
+                <a:latin typeface="Microsoft JhengHei" panose="020B0604030504040204" pitchFamily="34" charset="-120"/>
+                <a:ea typeface="Microsoft JhengHei" panose="020B0604030504040204" pitchFamily="34" charset="-120"/>
+              </a:rPr>
+              <a:t>以及</a:t>
+            </a:r>
+            <a:r>
+              <a:rPr kumimoji="1" lang="en-US" altLang="zh-CN" sz="3500" dirty="0">
+                <a:latin typeface="Microsoft JhengHei" panose="020B0604030504040204" pitchFamily="34" charset="-120"/>
+                <a:ea typeface="Microsoft JhengHei" panose="020B0604030504040204" pitchFamily="34" charset="-120"/>
+              </a:rPr>
+              <a:t> </a:t>
+            </a:r>
+            <a:r>
+              <a:rPr kumimoji="1" lang="en-US" altLang="zh-CN" sz="3500" dirty="0" err="1">
+                <a:latin typeface="Microsoft JhengHei" panose="020B0604030504040204" pitchFamily="34" charset="-120"/>
+                <a:ea typeface="Microsoft JhengHei" panose="020B0604030504040204" pitchFamily="34" charset="-120"/>
+              </a:rPr>
+              <a:t>Deepnet</a:t>
+            </a:r>
+            <a:r>
+              <a:rPr kumimoji="1" lang="en-US" altLang="zh-CN" sz="3500" dirty="0">
+                <a:latin typeface="Microsoft JhengHei" panose="020B0604030504040204" pitchFamily="34" charset="-120"/>
+                <a:ea typeface="Microsoft JhengHei" panose="020B0604030504040204" pitchFamily="34" charset="-120"/>
+              </a:rPr>
+              <a:t> Model</a:t>
+            </a:r>
+            <a:r>
+              <a:rPr kumimoji="1" lang="zh-CN" altLang="en-US" sz="3500" dirty="0">
+                <a:latin typeface="Microsoft JhengHei" panose="020B0604030504040204" pitchFamily="34" charset="-120"/>
+                <a:ea typeface="Microsoft JhengHei" panose="020B0604030504040204" pitchFamily="34" charset="-120"/>
+              </a:rPr>
+              <a:t>，都可以有效的</a:t>
+            </a:r>
+            <a:r>
+              <a:rPr kumimoji="1" lang="en-US" altLang="zh-CN" sz="3500" dirty="0">
+                <a:latin typeface="Microsoft JhengHei" panose="020B0604030504040204" pitchFamily="34" charset="-120"/>
+                <a:ea typeface="Microsoft JhengHei" panose="020B0604030504040204" pitchFamily="34" charset="-120"/>
+              </a:rPr>
+              <a:t>Copy</a:t>
+            </a:r>
+          </a:p>
+        </p:txBody>
+      </p:sp>
+      <p:sp>
+        <p:nvSpPr>
+          <p:cNvPr id="137" name="文字方塊 136">
+            <a:extLst>
+              <a:ext uri="{FF2B5EF4-FFF2-40B4-BE49-F238E27FC236}">
+                <a16:creationId xmlns:a16="http://schemas.microsoft.com/office/drawing/2014/main" id="{F5FDC3E5-E4E7-294E-B073-9C61C0008093}"/>
+              </a:ext>
+            </a:extLst>
+          </p:cNvPr>
+          <p:cNvSpPr txBox="1"/>
+          <p:nvPr/>
+        </p:nvSpPr>
+        <p:spPr>
+          <a:xfrm>
+            <a:off x="11693062" y="28722227"/>
+            <a:ext cx="9321126" cy="1246495"/>
+          </a:xfrm>
+          <a:prstGeom prst="rect">
+            <a:avLst/>
+          </a:prstGeom>
+          <a:noFill/>
+        </p:spPr>
+        <p:txBody>
+          <a:bodyPr wrap="square" rtlCol="0">
+            <a:spAutoFit/>
+          </a:bodyPr>
+          <a:lstStyle/>
+          <a:p>
+            <a:r>
+              <a:rPr kumimoji="1" lang="en-US" altLang="zh-TW" sz="4000" b="1" dirty="0">
+                <a:latin typeface="Microsoft JhengHei" panose="020B0604030504040204" pitchFamily="34" charset="-120"/>
+                <a:ea typeface="Microsoft JhengHei" panose="020B0604030504040204" pitchFamily="34" charset="-120"/>
+              </a:rPr>
+              <a:t>3. </a:t>
+            </a:r>
+            <a:r>
+              <a:rPr kumimoji="1" lang="zh-CN" altLang="en-US" sz="3500" dirty="0">
+                <a:latin typeface="Microsoft JhengHei" panose="020B0604030504040204" pitchFamily="34" charset="-120"/>
+                <a:ea typeface="Microsoft JhengHei" panose="020B0604030504040204" pitchFamily="34" charset="-120"/>
+              </a:rPr>
+              <a:t>在有限</a:t>
+            </a:r>
+            <a:r>
+              <a:rPr kumimoji="1" lang="zh-TW" altLang="en-US" sz="3500" dirty="0">
+                <a:latin typeface="Microsoft JhengHei" panose="020B0604030504040204" pitchFamily="34" charset="-120"/>
+                <a:ea typeface="Microsoft JhengHei" panose="020B0604030504040204" pitchFamily="34" charset="-120"/>
+              </a:rPr>
+              <a:t> </a:t>
+            </a:r>
+            <a:r>
+              <a:rPr kumimoji="1" lang="en-US" altLang="zh-TW" sz="3500" dirty="0">
+                <a:latin typeface="Microsoft JhengHei" panose="020B0604030504040204" pitchFamily="34" charset="-120"/>
+                <a:ea typeface="Microsoft JhengHei" panose="020B0604030504040204" pitchFamily="34" charset="-120"/>
+              </a:rPr>
+              <a:t>Training data </a:t>
+            </a:r>
+            <a:r>
+              <a:rPr kumimoji="1" lang="zh-CN" altLang="en-US" sz="3500" dirty="0">
+                <a:latin typeface="Microsoft JhengHei" panose="020B0604030504040204" pitchFamily="34" charset="-120"/>
+                <a:ea typeface="Microsoft JhengHei" panose="020B0604030504040204" pitchFamily="34" charset="-120"/>
+              </a:rPr>
+              <a:t>下，</a:t>
+            </a:r>
+            <a:r>
+              <a:rPr kumimoji="1" lang="en-US" altLang="zh-CN" sz="3500" dirty="0">
+                <a:latin typeface="Microsoft JhengHei" panose="020B0604030504040204" pitchFamily="34" charset="-120"/>
+                <a:ea typeface="Microsoft JhengHei" panose="020B0604030504040204" pitchFamily="34" charset="-120"/>
+              </a:rPr>
+              <a:t>Copy Model </a:t>
+            </a:r>
+            <a:r>
+              <a:rPr kumimoji="1" lang="zh-CN" altLang="en-US" sz="3500" dirty="0">
+                <a:latin typeface="Microsoft JhengHei" panose="020B0604030504040204" pitchFamily="34" charset="-120"/>
+                <a:ea typeface="Microsoft JhengHei" panose="020B0604030504040204" pitchFamily="34" charset="-120"/>
+              </a:rPr>
+              <a:t>的準確率比</a:t>
+            </a:r>
+            <a:r>
+              <a:rPr kumimoji="1" lang="en-US" altLang="zh-CN" sz="3500" dirty="0">
+                <a:latin typeface="Microsoft JhengHei" panose="020B0604030504040204" pitchFamily="34" charset="-120"/>
+                <a:ea typeface="Microsoft JhengHei" panose="020B0604030504040204" pitchFamily="34" charset="-120"/>
+              </a:rPr>
+              <a:t>Control Model </a:t>
+            </a:r>
+            <a:r>
+              <a:rPr kumimoji="1" lang="zh-CN" altLang="en-US" sz="3500" dirty="0">
+                <a:latin typeface="Microsoft JhengHei" panose="020B0604030504040204" pitchFamily="34" charset="-120"/>
+                <a:ea typeface="Microsoft JhengHei" panose="020B0604030504040204" pitchFamily="34" charset="-120"/>
+              </a:rPr>
+              <a:t>的準確率高</a:t>
+            </a:r>
+            <a:r>
+              <a:rPr kumimoji="1" lang="en-US" altLang="zh-CN" sz="3500" dirty="0">
+                <a:latin typeface="Microsoft JhengHei" panose="020B0604030504040204" pitchFamily="34" charset="-120"/>
+                <a:ea typeface="Microsoft JhengHei" panose="020B0604030504040204" pitchFamily="34" charset="-120"/>
+              </a:rPr>
+              <a:t>(</a:t>
+            </a:r>
+            <a:r>
+              <a:rPr kumimoji="1" lang="zh-CN" altLang="en-US" sz="3500" dirty="0">
+                <a:latin typeface="Microsoft JhengHei" panose="020B0604030504040204" pitchFamily="34" charset="-120"/>
+                <a:ea typeface="Microsoft JhengHei" panose="020B0604030504040204" pitchFamily="34" charset="-120"/>
+              </a:rPr>
+              <a:t>約</a:t>
+            </a:r>
+            <a:r>
+              <a:rPr kumimoji="1" lang="en-US" altLang="zh-CN" sz="3500" dirty="0">
+                <a:latin typeface="Microsoft JhengHei" panose="020B0604030504040204" pitchFamily="34" charset="-120"/>
+                <a:ea typeface="Microsoft JhengHei" panose="020B0604030504040204" pitchFamily="34" charset="-120"/>
+              </a:rPr>
+              <a:t> 10 </a:t>
+            </a:r>
+            <a:r>
+              <a:rPr kumimoji="1" lang="zh-CN" altLang="en-US" sz="3500" dirty="0">
+                <a:latin typeface="Microsoft JhengHei" panose="020B0604030504040204" pitchFamily="34" charset="-120"/>
+                <a:ea typeface="Microsoft JhengHei" panose="020B0604030504040204" pitchFamily="34" charset="-120"/>
+              </a:rPr>
+              <a:t>％</a:t>
+            </a:r>
+            <a:r>
+              <a:rPr kumimoji="1" lang="en-US" altLang="zh-CN" sz="3500" dirty="0">
+                <a:latin typeface="Microsoft JhengHei" panose="020B0604030504040204" pitchFamily="34" charset="-120"/>
+                <a:ea typeface="Microsoft JhengHei" panose="020B0604030504040204" pitchFamily="34" charset="-120"/>
+              </a:rPr>
+              <a:t>)</a:t>
+            </a:r>
+          </a:p>
+        </p:txBody>
+      </p:sp>
     </p:spTree>
     <p:extLst>
       <p:ext uri="{BB962C8B-B14F-4D97-AF65-F5344CB8AC3E}">

--- a/poster.pptx
+++ b/poster.pptx
@@ -3429,13 +3429,12 @@
           </p:cNvPr>
           <p:cNvCxnSpPr>
             <a:cxnSpLocks/>
-            <a:stCxn id="6" idx="2"/>
           </p:cNvCxnSpPr>
           <p:nvPr/>
         </p:nvCxnSpPr>
         <p:spPr>
           <a:xfrm>
-            <a:off x="10691587" y="3708400"/>
+            <a:off x="10746451" y="3708400"/>
             <a:ext cx="224" cy="26566813"/>
           </a:xfrm>
           <a:prstGeom prst="line">
@@ -3758,127 +3757,6 @@
           </a:p>
         </p:txBody>
       </p:sp>
-      <p:cxnSp>
-        <p:nvCxnSpPr>
-          <p:cNvPr id="31" name="直線接點 30">
-            <a:extLst>
-              <a:ext uri="{FF2B5EF4-FFF2-40B4-BE49-F238E27FC236}">
-                <a16:creationId xmlns:a16="http://schemas.microsoft.com/office/drawing/2014/main" id="{2DA18982-E051-1446-B1AB-5957BA6BD446}"/>
-              </a:ext>
-            </a:extLst>
-          </p:cNvPr>
-          <p:cNvCxnSpPr/>
-          <p:nvPr/>
-        </p:nvCxnSpPr>
-        <p:spPr>
-          <a:xfrm flipH="1">
-            <a:off x="426811" y="3708399"/>
-            <a:ext cx="2" cy="26566814"/>
-          </a:xfrm>
-          <a:prstGeom prst="line">
-            <a:avLst/>
-          </a:prstGeom>
-          <a:ln w="38100">
-            <a:prstDash val="dashDot"/>
-          </a:ln>
-        </p:spPr>
-        <p:style>
-          <a:lnRef idx="1">
-            <a:schemeClr val="accent1"/>
-          </a:lnRef>
-          <a:fillRef idx="0">
-            <a:schemeClr val="accent1"/>
-          </a:fillRef>
-          <a:effectRef idx="0">
-            <a:schemeClr val="accent1"/>
-          </a:effectRef>
-          <a:fontRef idx="minor">
-            <a:schemeClr val="tx1"/>
-          </a:fontRef>
-        </p:style>
-      </p:cxnSp>
-      <p:cxnSp>
-        <p:nvCxnSpPr>
-          <p:cNvPr id="34" name="直線接點 33">
-            <a:extLst>
-              <a:ext uri="{FF2B5EF4-FFF2-40B4-BE49-F238E27FC236}">
-                <a16:creationId xmlns:a16="http://schemas.microsoft.com/office/drawing/2014/main" id="{1D4C6A6B-894A-D843-A111-AFCBDB43AB69}"/>
-              </a:ext>
-            </a:extLst>
-          </p:cNvPr>
-          <p:cNvCxnSpPr>
-            <a:cxnSpLocks/>
-          </p:cNvCxnSpPr>
-          <p:nvPr/>
-        </p:nvCxnSpPr>
-        <p:spPr>
-          <a:xfrm>
-            <a:off x="-452" y="3941010"/>
-            <a:ext cx="21384077" cy="0"/>
-          </a:xfrm>
-          <a:prstGeom prst="line">
-            <a:avLst/>
-          </a:prstGeom>
-          <a:ln w="38100">
-            <a:prstDash val="dashDot"/>
-          </a:ln>
-        </p:spPr>
-        <p:style>
-          <a:lnRef idx="1">
-            <a:schemeClr val="accent1"/>
-          </a:lnRef>
-          <a:fillRef idx="0">
-            <a:schemeClr val="accent1"/>
-          </a:fillRef>
-          <a:effectRef idx="0">
-            <a:schemeClr val="accent1"/>
-          </a:effectRef>
-          <a:fontRef idx="minor">
-            <a:schemeClr val="tx1"/>
-          </a:fontRef>
-        </p:style>
-      </p:cxnSp>
-      <p:cxnSp>
-        <p:nvCxnSpPr>
-          <p:cNvPr id="37" name="直線接點 36">
-            <a:extLst>
-              <a:ext uri="{FF2B5EF4-FFF2-40B4-BE49-F238E27FC236}">
-                <a16:creationId xmlns:a16="http://schemas.microsoft.com/office/drawing/2014/main" id="{0B2D354B-4176-D54D-AF6B-F66ABFE36B30}"/>
-              </a:ext>
-            </a:extLst>
-          </p:cNvPr>
-          <p:cNvCxnSpPr>
-            <a:cxnSpLocks/>
-          </p:cNvCxnSpPr>
-          <p:nvPr/>
-        </p:nvCxnSpPr>
-        <p:spPr>
-          <a:xfrm>
-            <a:off x="-453" y="29729630"/>
-            <a:ext cx="21384077" cy="0"/>
-          </a:xfrm>
-          <a:prstGeom prst="line">
-            <a:avLst/>
-          </a:prstGeom>
-          <a:ln w="38100">
-            <a:prstDash val="dashDot"/>
-          </a:ln>
-        </p:spPr>
-        <p:style>
-          <a:lnRef idx="1">
-            <a:schemeClr val="accent1"/>
-          </a:lnRef>
-          <a:fillRef idx="0">
-            <a:schemeClr val="accent1"/>
-          </a:fillRef>
-          <a:effectRef idx="0">
-            <a:schemeClr val="accent1"/>
-          </a:effectRef>
-          <a:fontRef idx="minor">
-            <a:schemeClr val="tx1"/>
-          </a:fontRef>
-        </p:style>
-      </p:cxnSp>
       <p:sp>
         <p:nvSpPr>
           <p:cNvPr id="39" name="文字方塊 38">
@@ -3935,84 +3813,6 @@
           </a:p>
         </p:txBody>
       </p:sp>
-      <p:cxnSp>
-        <p:nvCxnSpPr>
-          <p:cNvPr id="40" name="直線接點 39">
-            <a:extLst>
-              <a:ext uri="{FF2B5EF4-FFF2-40B4-BE49-F238E27FC236}">
-                <a16:creationId xmlns:a16="http://schemas.microsoft.com/office/drawing/2014/main" id="{3C453626-C403-864C-B2FE-453819D22BC0}"/>
-              </a:ext>
-            </a:extLst>
-          </p:cNvPr>
-          <p:cNvCxnSpPr/>
-          <p:nvPr/>
-        </p:nvCxnSpPr>
-        <p:spPr>
-          <a:xfrm flipH="1">
-            <a:off x="990693" y="3708399"/>
-            <a:ext cx="2" cy="26566814"/>
-          </a:xfrm>
-          <a:prstGeom prst="line">
-            <a:avLst/>
-          </a:prstGeom>
-          <a:ln w="38100">
-            <a:prstDash val="dashDot"/>
-          </a:ln>
-        </p:spPr>
-        <p:style>
-          <a:lnRef idx="1">
-            <a:schemeClr val="accent1"/>
-          </a:lnRef>
-          <a:fillRef idx="0">
-            <a:schemeClr val="accent1"/>
-          </a:fillRef>
-          <a:effectRef idx="0">
-            <a:schemeClr val="accent1"/>
-          </a:effectRef>
-          <a:fontRef idx="minor">
-            <a:schemeClr val="tx1"/>
-          </a:fontRef>
-        </p:style>
-      </p:cxnSp>
-      <p:cxnSp>
-        <p:nvCxnSpPr>
-          <p:cNvPr id="41" name="直線接點 40">
-            <a:extLst>
-              <a:ext uri="{FF2B5EF4-FFF2-40B4-BE49-F238E27FC236}">
-                <a16:creationId xmlns:a16="http://schemas.microsoft.com/office/drawing/2014/main" id="{B6A5865D-4583-F24C-8C5E-47146D15A14A}"/>
-              </a:ext>
-            </a:extLst>
-          </p:cNvPr>
-          <p:cNvCxnSpPr/>
-          <p:nvPr/>
-        </p:nvCxnSpPr>
-        <p:spPr>
-          <a:xfrm flipH="1">
-            <a:off x="11758656" y="3686301"/>
-            <a:ext cx="2" cy="26566814"/>
-          </a:xfrm>
-          <a:prstGeom prst="line">
-            <a:avLst/>
-          </a:prstGeom>
-          <a:ln w="38100">
-            <a:prstDash val="dashDot"/>
-          </a:ln>
-        </p:spPr>
-        <p:style>
-          <a:lnRef idx="1">
-            <a:schemeClr val="accent1"/>
-          </a:lnRef>
-          <a:fillRef idx="0">
-            <a:schemeClr val="accent1"/>
-          </a:fillRef>
-          <a:effectRef idx="0">
-            <a:schemeClr val="accent1"/>
-          </a:effectRef>
-          <a:fontRef idx="minor">
-            <a:schemeClr val="tx1"/>
-          </a:fontRef>
-        </p:style>
-      </p:cxnSp>
       <p:sp>
         <p:nvSpPr>
           <p:cNvPr id="46" name="文字方塊 45">
@@ -6859,7 +6659,7 @@
         <p:spPr>
           <a:xfrm>
             <a:off x="11748741" y="24998074"/>
-            <a:ext cx="9321126" cy="1785104"/>
+            <a:ext cx="9321126" cy="1631216"/>
           </a:xfrm>
           <a:prstGeom prst="rect">
             <a:avLst/>
@@ -6873,139 +6673,139 @@
           <a:lstStyle/>
           <a:p>
             <a:r>
-              <a:rPr kumimoji="1" lang="en-US" altLang="zh-TW" sz="4000" b="1" dirty="0">
+              <a:rPr kumimoji="1" lang="en-US" altLang="zh-TW" sz="3600" b="1" dirty="0">
                 <a:latin typeface="Microsoft JhengHei" panose="020B0604030504040204" pitchFamily="34" charset="-120"/>
                 <a:ea typeface="Microsoft JhengHei" panose="020B0604030504040204" pitchFamily="34" charset="-120"/>
               </a:rPr>
               <a:t>1.</a:t>
             </a:r>
             <a:r>
-              <a:rPr kumimoji="1" lang="zh-TW" altLang="en-US" sz="4000" b="1" dirty="0">
+              <a:rPr kumimoji="1" lang="zh-TW" altLang="en-US" sz="3600" b="1" dirty="0">
                 <a:latin typeface="Microsoft JhengHei" panose="020B0604030504040204" pitchFamily="34" charset="-120"/>
                 <a:ea typeface="Microsoft JhengHei" panose="020B0604030504040204" pitchFamily="34" charset="-120"/>
               </a:rPr>
               <a:t> </a:t>
             </a:r>
             <a:r>
-              <a:rPr kumimoji="1" lang="zh-TW" altLang="en-US" sz="3500" dirty="0">
+              <a:rPr kumimoji="1" lang="zh-TW" altLang="en-US" sz="3200" dirty="0">
                 <a:latin typeface="Microsoft JhengHei" panose="020B0604030504040204" pitchFamily="34" charset="-120"/>
                 <a:ea typeface="Microsoft JhengHei" panose="020B0604030504040204" pitchFamily="34" charset="-120"/>
               </a:rPr>
               <a:t>在不同</a:t>
             </a:r>
             <a:r>
-              <a:rPr kumimoji="1" lang="en-US" altLang="zh-TW" sz="3500" dirty="0">
+              <a:rPr kumimoji="1" lang="en-US" altLang="zh-TW" sz="3200" dirty="0">
                 <a:latin typeface="Microsoft JhengHei" panose="020B0604030504040204" pitchFamily="34" charset="-120"/>
                 <a:ea typeface="Microsoft JhengHei" panose="020B0604030504040204" pitchFamily="34" charset="-120"/>
               </a:rPr>
               <a:t>Training size, learning rate</a:t>
             </a:r>
             <a:r>
-              <a:rPr kumimoji="1" lang="zh-TW" altLang="en-US" sz="3500" dirty="0">
+              <a:rPr kumimoji="1" lang="zh-TW" altLang="en-US" sz="3200" dirty="0">
                 <a:latin typeface="Microsoft JhengHei" panose="020B0604030504040204" pitchFamily="34" charset="-120"/>
                 <a:ea typeface="Microsoft JhengHei" panose="020B0604030504040204" pitchFamily="34" charset="-120"/>
               </a:rPr>
               <a:t> </a:t>
             </a:r>
             <a:r>
-              <a:rPr kumimoji="1" lang="zh-CN" altLang="en-US" sz="3500" dirty="0">
+              <a:rPr kumimoji="1" lang="zh-CN" altLang="en-US" sz="3200" dirty="0">
                 <a:latin typeface="Microsoft JhengHei" panose="020B0604030504040204" pitchFamily="34" charset="-120"/>
                 <a:ea typeface="Microsoft JhengHei" panose="020B0604030504040204" pitchFamily="34" charset="-120"/>
               </a:rPr>
               <a:t>狀態下</a:t>
             </a:r>
             <a:r>
-              <a:rPr kumimoji="1" lang="zh-TW" altLang="en-US" sz="3500" dirty="0">
+              <a:rPr kumimoji="1" lang="zh-TW" altLang="en-US" sz="3200" dirty="0">
                 <a:latin typeface="Microsoft JhengHei" panose="020B0604030504040204" pitchFamily="34" charset="-120"/>
                 <a:ea typeface="Microsoft JhengHei" panose="020B0604030504040204" pitchFamily="34" charset="-120"/>
               </a:rPr>
               <a:t>，</a:t>
             </a:r>
             <a:r>
-              <a:rPr kumimoji="1" lang="en-US" altLang="zh-TW" sz="3500" dirty="0">
+              <a:rPr kumimoji="1" lang="en-US" altLang="zh-TW" sz="3200" dirty="0">
                 <a:latin typeface="Microsoft JhengHei" panose="020B0604030504040204" pitchFamily="34" charset="-120"/>
                 <a:ea typeface="Microsoft JhengHei" panose="020B0604030504040204" pitchFamily="34" charset="-120"/>
               </a:rPr>
               <a:t> Loss function </a:t>
             </a:r>
             <a:r>
-              <a:rPr kumimoji="1" lang="zh-CN" altLang="en-US" sz="3500" dirty="0">
+              <a:rPr kumimoji="1" lang="zh-CN" altLang="en-US" sz="3200" dirty="0">
                 <a:latin typeface="Microsoft JhengHei" panose="020B0604030504040204" pitchFamily="34" charset="-120"/>
                 <a:ea typeface="Microsoft JhengHei" panose="020B0604030504040204" pitchFamily="34" charset="-120"/>
               </a:rPr>
               <a:t>為</a:t>
             </a:r>
             <a:r>
-              <a:rPr kumimoji="1" lang="zh-TW" altLang="en-US" sz="3500" dirty="0">
+              <a:rPr kumimoji="1" lang="zh-TW" altLang="en-US" sz="3200" dirty="0">
                 <a:latin typeface="Microsoft JhengHei" panose="020B0604030504040204" pitchFamily="34" charset="-120"/>
                 <a:ea typeface="Microsoft JhengHei" panose="020B0604030504040204" pitchFamily="34" charset="-120"/>
               </a:rPr>
               <a:t> </a:t>
             </a:r>
             <a:r>
-              <a:rPr kumimoji="1" lang="en-US" altLang="zh-TW" sz="3500" dirty="0" err="1">
+              <a:rPr kumimoji="1" lang="en-US" altLang="zh-TW" sz="3200" dirty="0" err="1">
                 <a:latin typeface="Microsoft JhengHei" panose="020B0604030504040204" pitchFamily="34" charset="-120"/>
                 <a:ea typeface="Microsoft JhengHei" panose="020B0604030504040204" pitchFamily="34" charset="-120"/>
               </a:rPr>
               <a:t>BCEloss</a:t>
             </a:r>
             <a:r>
-              <a:rPr kumimoji="1" lang="en-US" altLang="zh-TW" sz="3500" dirty="0">
+              <a:rPr kumimoji="1" lang="en-US" altLang="zh-TW" sz="3200" dirty="0">
                 <a:latin typeface="Microsoft JhengHei" panose="020B0604030504040204" pitchFamily="34" charset="-120"/>
                 <a:ea typeface="Microsoft JhengHei" panose="020B0604030504040204" pitchFamily="34" charset="-120"/>
               </a:rPr>
               <a:t> </a:t>
             </a:r>
             <a:r>
-              <a:rPr kumimoji="1" lang="zh-TW" altLang="en-US" sz="3500" dirty="0">
+              <a:rPr kumimoji="1" lang="zh-TW" altLang="en-US" sz="3200" dirty="0">
                 <a:latin typeface="Microsoft JhengHei" panose="020B0604030504040204" pitchFamily="34" charset="-120"/>
                 <a:ea typeface="Microsoft JhengHei" panose="020B0604030504040204" pitchFamily="34" charset="-120"/>
               </a:rPr>
               <a:t>，</a:t>
             </a:r>
             <a:r>
-              <a:rPr kumimoji="1" lang="en-US" altLang="zh-TW" sz="3500" dirty="0">
+              <a:rPr kumimoji="1" lang="en-US" altLang="zh-TW" sz="3200" dirty="0">
                 <a:latin typeface="Microsoft JhengHei" panose="020B0604030504040204" pitchFamily="34" charset="-120"/>
                 <a:ea typeface="Microsoft JhengHei" panose="020B0604030504040204" pitchFamily="34" charset="-120"/>
               </a:rPr>
               <a:t>200 epoch</a:t>
             </a:r>
             <a:r>
-              <a:rPr kumimoji="1" lang="zh-TW" altLang="en-US" sz="3500" dirty="0">
+              <a:rPr kumimoji="1" lang="zh-TW" altLang="en-US" sz="3200" dirty="0">
                 <a:latin typeface="Microsoft JhengHei" panose="020B0604030504040204" pitchFamily="34" charset="-120"/>
                 <a:ea typeface="Microsoft JhengHei" panose="020B0604030504040204" pitchFamily="34" charset="-120"/>
               </a:rPr>
               <a:t>，</a:t>
             </a:r>
             <a:r>
-              <a:rPr kumimoji="1" lang="en-US" altLang="zh-TW" sz="3500" dirty="0">
+              <a:rPr kumimoji="1" lang="en-US" altLang="zh-TW" sz="3200" dirty="0">
                 <a:latin typeface="Microsoft JhengHei" panose="020B0604030504040204" pitchFamily="34" charset="-120"/>
                 <a:ea typeface="Microsoft JhengHei" panose="020B0604030504040204" pitchFamily="34" charset="-120"/>
               </a:rPr>
               <a:t>Copy model </a:t>
             </a:r>
             <a:r>
-              <a:rPr kumimoji="1" lang="zh-CN" altLang="en-US" sz="3500" dirty="0">
+              <a:rPr kumimoji="1" lang="zh-CN" altLang="en-US" sz="3200" dirty="0">
                 <a:latin typeface="Microsoft JhengHei" panose="020B0604030504040204" pitchFamily="34" charset="-120"/>
                 <a:ea typeface="Microsoft JhengHei" panose="020B0604030504040204" pitchFamily="34" charset="-120"/>
               </a:rPr>
               <a:t>的準確率皆比</a:t>
             </a:r>
             <a:r>
-              <a:rPr kumimoji="1" lang="en-US" altLang="zh-CN" sz="3500" dirty="0">
+              <a:rPr kumimoji="1" lang="en-US" altLang="zh-CN" sz="3200" dirty="0">
                 <a:latin typeface="Microsoft JhengHei" panose="020B0604030504040204" pitchFamily="34" charset="-120"/>
                 <a:ea typeface="Microsoft JhengHei" panose="020B0604030504040204" pitchFamily="34" charset="-120"/>
               </a:rPr>
               <a:t> Control Model</a:t>
             </a:r>
             <a:r>
-              <a:rPr kumimoji="1" lang="zh-TW" altLang="en-US" sz="3500" dirty="0">
+              <a:rPr kumimoji="1" lang="zh-TW" altLang="en-US" sz="3200" dirty="0">
                 <a:latin typeface="Microsoft JhengHei" panose="020B0604030504040204" pitchFamily="34" charset="-120"/>
                 <a:ea typeface="Microsoft JhengHei" panose="020B0604030504040204" pitchFamily="34" charset="-120"/>
               </a:rPr>
               <a:t> 高。</a:t>
             </a:r>
-            <a:endParaRPr kumimoji="1" lang="en-US" altLang="zh-CN" sz="3500" dirty="0">
+            <a:endParaRPr kumimoji="1" lang="en-US" altLang="zh-CN" sz="3200" dirty="0">
               <a:latin typeface="Microsoft JhengHei" panose="020B0604030504040204" pitchFamily="34" charset="-120"/>
               <a:ea typeface="Microsoft JhengHei" panose="020B0604030504040204" pitchFamily="34" charset="-120"/>
             </a:endParaRPr>
@@ -8304,8 +8104,8 @@
         </p:nvSpPr>
         <p:spPr>
           <a:xfrm>
-            <a:off x="11730230" y="26863553"/>
-            <a:ext cx="9321126" cy="1785104"/>
+            <a:off x="11713790" y="26968390"/>
+            <a:ext cx="9321126" cy="1138773"/>
           </a:xfrm>
           <a:prstGeom prst="rect">
             <a:avLst/>
@@ -8319,84 +8119,84 @@
           <a:lstStyle/>
           <a:p>
             <a:r>
-              <a:rPr kumimoji="1" lang="en-US" altLang="zh-TW" sz="4000" b="1" dirty="0">
+              <a:rPr kumimoji="1" lang="en-US" altLang="zh-TW" sz="3600" b="1" dirty="0">
                 <a:latin typeface="Microsoft JhengHei" panose="020B0604030504040204" pitchFamily="34" charset="-120"/>
                 <a:ea typeface="Microsoft JhengHei" panose="020B0604030504040204" pitchFamily="34" charset="-120"/>
               </a:rPr>
               <a:t>2. </a:t>
             </a:r>
             <a:r>
-              <a:rPr kumimoji="1" lang="zh-TW" altLang="en-US" sz="3500" dirty="0">
+              <a:rPr kumimoji="1" lang="zh-TW" altLang="en-US" sz="3200" dirty="0">
                 <a:latin typeface="Microsoft JhengHei" panose="020B0604030504040204" pitchFamily="34" charset="-120"/>
                 <a:ea typeface="Microsoft JhengHei" panose="020B0604030504040204" pitchFamily="34" charset="-120"/>
               </a:rPr>
               <a:t>用</a:t>
             </a:r>
             <a:r>
-              <a:rPr kumimoji="1" lang="en-US" altLang="zh-TW" sz="3500" dirty="0">
+              <a:rPr kumimoji="1" lang="en-US" altLang="zh-TW" sz="3200" dirty="0">
                 <a:latin typeface="Microsoft JhengHei" panose="020B0604030504040204" pitchFamily="34" charset="-120"/>
                 <a:ea typeface="Microsoft JhengHei" panose="020B0604030504040204" pitchFamily="34" charset="-120"/>
               </a:rPr>
               <a:t>Neural Network </a:t>
             </a:r>
             <a:r>
-              <a:rPr kumimoji="1" lang="zh-CN" altLang="en-US" sz="3500" dirty="0">
+              <a:rPr kumimoji="1" lang="zh-CN" altLang="en-US" sz="3200" dirty="0">
                 <a:latin typeface="Microsoft JhengHei" panose="020B0604030504040204" pitchFamily="34" charset="-120"/>
                 <a:ea typeface="Microsoft JhengHei" panose="020B0604030504040204" pitchFamily="34" charset="-120"/>
               </a:rPr>
               <a:t>偷取</a:t>
             </a:r>
             <a:r>
-              <a:rPr kumimoji="1" lang="zh-TW" altLang="en-US" sz="3500" dirty="0">
+              <a:rPr kumimoji="1" lang="zh-TW" altLang="en-US" sz="3200" dirty="0">
                 <a:latin typeface="Microsoft JhengHei" panose="020B0604030504040204" pitchFamily="34" charset="-120"/>
                 <a:ea typeface="Microsoft JhengHei" panose="020B0604030504040204" pitchFamily="34" charset="-120"/>
               </a:rPr>
               <a:t> </a:t>
             </a:r>
             <a:r>
-              <a:rPr kumimoji="1" lang="en-US" altLang="zh-TW" sz="3500" dirty="0">
+              <a:rPr kumimoji="1" lang="en-US" altLang="zh-TW" sz="3200" dirty="0">
                 <a:latin typeface="Microsoft JhengHei" panose="020B0604030504040204" pitchFamily="34" charset="-120"/>
                 <a:ea typeface="Microsoft JhengHei" panose="020B0604030504040204" pitchFamily="34" charset="-120"/>
               </a:rPr>
               <a:t>Decision Tree Model </a:t>
             </a:r>
             <a:r>
-              <a:rPr kumimoji="1" lang="zh-CN" altLang="en-US" sz="3500" dirty="0">
+              <a:rPr kumimoji="1" lang="zh-CN" altLang="en-US" sz="3200" dirty="0">
                 <a:latin typeface="Microsoft JhengHei" panose="020B0604030504040204" pitchFamily="34" charset="-120"/>
                 <a:ea typeface="Microsoft JhengHei" panose="020B0604030504040204" pitchFamily="34" charset="-120"/>
               </a:rPr>
               <a:t>以及</a:t>
             </a:r>
             <a:r>
-              <a:rPr kumimoji="1" lang="en-US" altLang="zh-CN" sz="3500" dirty="0">
+              <a:rPr kumimoji="1" lang="en-US" altLang="zh-CN" sz="3200" dirty="0">
                 <a:latin typeface="Microsoft JhengHei" panose="020B0604030504040204" pitchFamily="34" charset="-120"/>
                 <a:ea typeface="Microsoft JhengHei" panose="020B0604030504040204" pitchFamily="34" charset="-120"/>
               </a:rPr>
               <a:t> </a:t>
             </a:r>
             <a:r>
-              <a:rPr kumimoji="1" lang="en-US" altLang="zh-CN" sz="3500" dirty="0" err="1">
+              <a:rPr kumimoji="1" lang="en-US" altLang="zh-CN" sz="3200" dirty="0" err="1">
                 <a:latin typeface="Microsoft JhengHei" panose="020B0604030504040204" pitchFamily="34" charset="-120"/>
                 <a:ea typeface="Microsoft JhengHei" panose="020B0604030504040204" pitchFamily="34" charset="-120"/>
               </a:rPr>
               <a:t>Deepnet</a:t>
             </a:r>
             <a:r>
-              <a:rPr kumimoji="1" lang="en-US" altLang="zh-CN" sz="3500" dirty="0">
+              <a:rPr kumimoji="1" lang="en-US" altLang="zh-CN" sz="3200" dirty="0">
                 <a:latin typeface="Microsoft JhengHei" panose="020B0604030504040204" pitchFamily="34" charset="-120"/>
                 <a:ea typeface="Microsoft JhengHei" panose="020B0604030504040204" pitchFamily="34" charset="-120"/>
               </a:rPr>
               <a:t> Model</a:t>
             </a:r>
             <a:r>
-              <a:rPr kumimoji="1" lang="zh-CN" altLang="en-US" sz="3500" dirty="0">
+              <a:rPr kumimoji="1" lang="zh-CN" altLang="en-US" sz="3200" dirty="0">
                 <a:latin typeface="Microsoft JhengHei" panose="020B0604030504040204" pitchFamily="34" charset="-120"/>
                 <a:ea typeface="Microsoft JhengHei" panose="020B0604030504040204" pitchFamily="34" charset="-120"/>
               </a:rPr>
               <a:t>，都可以有效的</a:t>
             </a:r>
             <a:r>
-              <a:rPr kumimoji="1" lang="en-US" altLang="zh-CN" sz="3500" dirty="0">
+              <a:rPr kumimoji="1" lang="en-US" altLang="zh-CN" sz="3200" dirty="0">
                 <a:latin typeface="Microsoft JhengHei" panose="020B0604030504040204" pitchFamily="34" charset="-120"/>
                 <a:ea typeface="Microsoft JhengHei" panose="020B0604030504040204" pitchFamily="34" charset="-120"/>
               </a:rPr>
@@ -8419,8 +8219,8 @@
         </p:nvSpPr>
         <p:spPr>
           <a:xfrm>
-            <a:off x="11693062" y="28722227"/>
-            <a:ext cx="9321126" cy="1246495"/>
+            <a:off x="11693062" y="28549568"/>
+            <a:ext cx="9321126" cy="1138773"/>
           </a:xfrm>
           <a:prstGeom prst="rect">
             <a:avLst/>
@@ -8434,98 +8234,98 @@
           <a:lstStyle/>
           <a:p>
             <a:r>
-              <a:rPr kumimoji="1" lang="en-US" altLang="zh-TW" sz="4000" b="1" dirty="0">
+              <a:rPr kumimoji="1" lang="en-US" altLang="zh-TW" sz="3600" b="1" dirty="0">
                 <a:latin typeface="Microsoft JhengHei" panose="020B0604030504040204" pitchFamily="34" charset="-120"/>
                 <a:ea typeface="Microsoft JhengHei" panose="020B0604030504040204" pitchFamily="34" charset="-120"/>
               </a:rPr>
               <a:t>3. </a:t>
             </a:r>
             <a:r>
-              <a:rPr kumimoji="1" lang="zh-CN" altLang="en-US" sz="3500" dirty="0">
+              <a:rPr kumimoji="1" lang="zh-CN" altLang="en-US" sz="3200" dirty="0">
                 <a:latin typeface="Microsoft JhengHei" panose="020B0604030504040204" pitchFamily="34" charset="-120"/>
                 <a:ea typeface="Microsoft JhengHei" panose="020B0604030504040204" pitchFamily="34" charset="-120"/>
               </a:rPr>
               <a:t>在有限</a:t>
             </a:r>
             <a:r>
-              <a:rPr kumimoji="1" lang="zh-TW" altLang="en-US" sz="3500" dirty="0">
+              <a:rPr kumimoji="1" lang="zh-TW" altLang="en-US" sz="3200" dirty="0">
                 <a:latin typeface="Microsoft JhengHei" panose="020B0604030504040204" pitchFamily="34" charset="-120"/>
                 <a:ea typeface="Microsoft JhengHei" panose="020B0604030504040204" pitchFamily="34" charset="-120"/>
               </a:rPr>
               <a:t> </a:t>
             </a:r>
             <a:r>
-              <a:rPr kumimoji="1" lang="en-US" altLang="zh-TW" sz="3500" dirty="0">
+              <a:rPr kumimoji="1" lang="en-US" altLang="zh-TW" sz="3200" dirty="0">
                 <a:latin typeface="Microsoft JhengHei" panose="020B0604030504040204" pitchFamily="34" charset="-120"/>
                 <a:ea typeface="Microsoft JhengHei" panose="020B0604030504040204" pitchFamily="34" charset="-120"/>
               </a:rPr>
               <a:t>Training data </a:t>
             </a:r>
             <a:r>
-              <a:rPr kumimoji="1" lang="zh-CN" altLang="en-US" sz="3500" dirty="0">
+              <a:rPr kumimoji="1" lang="zh-CN" altLang="en-US" sz="3200" dirty="0">
                 <a:latin typeface="Microsoft JhengHei" panose="020B0604030504040204" pitchFamily="34" charset="-120"/>
                 <a:ea typeface="Microsoft JhengHei" panose="020B0604030504040204" pitchFamily="34" charset="-120"/>
               </a:rPr>
               <a:t>下，</a:t>
             </a:r>
             <a:r>
-              <a:rPr kumimoji="1" lang="en-US" altLang="zh-CN" sz="3500" dirty="0">
+              <a:rPr kumimoji="1" lang="en-US" altLang="zh-CN" sz="3200" dirty="0">
                 <a:latin typeface="Microsoft JhengHei" panose="020B0604030504040204" pitchFamily="34" charset="-120"/>
                 <a:ea typeface="Microsoft JhengHei" panose="020B0604030504040204" pitchFamily="34" charset="-120"/>
               </a:rPr>
               <a:t>Copy Model </a:t>
             </a:r>
             <a:r>
-              <a:rPr kumimoji="1" lang="zh-CN" altLang="en-US" sz="3500" dirty="0">
+              <a:rPr kumimoji="1" lang="zh-CN" altLang="en-US" sz="3200" dirty="0">
                 <a:latin typeface="Microsoft JhengHei" panose="020B0604030504040204" pitchFamily="34" charset="-120"/>
                 <a:ea typeface="Microsoft JhengHei" panose="020B0604030504040204" pitchFamily="34" charset="-120"/>
               </a:rPr>
               <a:t>的準確率比</a:t>
             </a:r>
             <a:r>
-              <a:rPr kumimoji="1" lang="en-US" altLang="zh-CN" sz="3500" dirty="0">
+              <a:rPr kumimoji="1" lang="en-US" altLang="zh-CN" sz="3200" dirty="0">
                 <a:latin typeface="Microsoft JhengHei" panose="020B0604030504040204" pitchFamily="34" charset="-120"/>
                 <a:ea typeface="Microsoft JhengHei" panose="020B0604030504040204" pitchFamily="34" charset="-120"/>
               </a:rPr>
               <a:t>Control Model </a:t>
             </a:r>
             <a:r>
-              <a:rPr kumimoji="1" lang="zh-CN" altLang="en-US" sz="3500" dirty="0">
+              <a:rPr kumimoji="1" lang="zh-CN" altLang="en-US" sz="3200" dirty="0">
                 <a:latin typeface="Microsoft JhengHei" panose="020B0604030504040204" pitchFamily="34" charset="-120"/>
                 <a:ea typeface="Microsoft JhengHei" panose="020B0604030504040204" pitchFamily="34" charset="-120"/>
               </a:rPr>
               <a:t>的準確率高</a:t>
             </a:r>
             <a:r>
-              <a:rPr kumimoji="1" lang="en-US" altLang="zh-CN" sz="3500" dirty="0">
+              <a:rPr kumimoji="1" lang="en-US" altLang="zh-CN" sz="3200" dirty="0">
                 <a:latin typeface="Microsoft JhengHei" panose="020B0604030504040204" pitchFamily="34" charset="-120"/>
                 <a:ea typeface="Microsoft JhengHei" panose="020B0604030504040204" pitchFamily="34" charset="-120"/>
               </a:rPr>
               <a:t>(</a:t>
             </a:r>
             <a:r>
-              <a:rPr kumimoji="1" lang="zh-CN" altLang="en-US" sz="3500" dirty="0">
+              <a:rPr kumimoji="1" lang="zh-CN" altLang="en-US" sz="3200" dirty="0">
                 <a:latin typeface="Microsoft JhengHei" panose="020B0604030504040204" pitchFamily="34" charset="-120"/>
                 <a:ea typeface="Microsoft JhengHei" panose="020B0604030504040204" pitchFamily="34" charset="-120"/>
               </a:rPr>
               <a:t>約</a:t>
             </a:r>
             <a:r>
-              <a:rPr kumimoji="1" lang="en-US" altLang="zh-CN" sz="3500" dirty="0">
+              <a:rPr kumimoji="1" lang="en-US" altLang="zh-CN" sz="3200" dirty="0">
                 <a:latin typeface="Microsoft JhengHei" panose="020B0604030504040204" pitchFamily="34" charset="-120"/>
                 <a:ea typeface="Microsoft JhengHei" panose="020B0604030504040204" pitchFamily="34" charset="-120"/>
               </a:rPr>
               <a:t> 10 </a:t>
             </a:r>
             <a:r>
-              <a:rPr kumimoji="1" lang="zh-CN" altLang="en-US" sz="3500" dirty="0">
+              <a:rPr kumimoji="1" lang="zh-CN" altLang="en-US" sz="3200" dirty="0">
                 <a:latin typeface="Microsoft JhengHei" panose="020B0604030504040204" pitchFamily="34" charset="-120"/>
                 <a:ea typeface="Microsoft JhengHei" panose="020B0604030504040204" pitchFamily="34" charset="-120"/>
               </a:rPr>
               <a:t>％</a:t>
             </a:r>
             <a:r>
-              <a:rPr kumimoji="1" lang="en-US" altLang="zh-CN" sz="3500" dirty="0">
+              <a:rPr kumimoji="1" lang="en-US" altLang="zh-CN" sz="3200" dirty="0">
                 <a:latin typeface="Microsoft JhengHei" panose="020B0604030504040204" pitchFamily="34" charset="-120"/>
                 <a:ea typeface="Microsoft JhengHei" panose="020B0604030504040204" pitchFamily="34" charset="-120"/>
               </a:rPr>

--- a/poster.pptx
+++ b/poster.pptx
@@ -197,7 +197,7 @@
           <a:p>
             <a:fld id="{944224A6-AEBD-2F41-8F79-DFF0B3721DFA}" type="datetimeFigureOut">
               <a:rPr kumimoji="1" lang="zh-TW" altLang="en-US" smtClean="0"/>
-              <a:t>2019/1/13</a:t>
+              <a:t>2019/1/14</a:t>
             </a:fld>
             <a:endParaRPr kumimoji="1" lang="zh-TW" altLang="en-US"/>
           </a:p>
@@ -654,7 +654,7 @@
           <a:p>
             <a:fld id="{08ECA977-E3FE-5A4B-99E7-4457BC9AE190}" type="datetimeFigureOut">
               <a:rPr kumimoji="1" lang="zh-TW" altLang="en-US" smtClean="0"/>
-              <a:t>2019/1/13</a:t>
+              <a:t>2019/1/14</a:t>
             </a:fld>
             <a:endParaRPr kumimoji="1" lang="zh-TW" altLang="en-US"/>
           </a:p>
@@ -800,7 +800,7 @@
           <a:p>
             <a:fld id="{08ECA977-E3FE-5A4B-99E7-4457BC9AE190}" type="datetimeFigureOut">
               <a:rPr kumimoji="1" lang="zh-TW" altLang="en-US" smtClean="0"/>
-              <a:t>2019/1/13</a:t>
+              <a:t>2019/1/14</a:t>
             </a:fld>
             <a:endParaRPr kumimoji="1" lang="zh-TW" altLang="en-US"/>
           </a:p>
@@ -956,7 +956,7 @@
           <a:p>
             <a:fld id="{08ECA977-E3FE-5A4B-99E7-4457BC9AE190}" type="datetimeFigureOut">
               <a:rPr kumimoji="1" lang="zh-TW" altLang="en-US" smtClean="0"/>
-              <a:t>2019/1/13</a:t>
+              <a:t>2019/1/14</a:t>
             </a:fld>
             <a:endParaRPr kumimoji="1" lang="zh-TW" altLang="en-US"/>
           </a:p>
@@ -1102,7 +1102,7 @@
           <a:p>
             <a:fld id="{08ECA977-E3FE-5A4B-99E7-4457BC9AE190}" type="datetimeFigureOut">
               <a:rPr kumimoji="1" lang="zh-TW" altLang="en-US" smtClean="0"/>
-              <a:t>2019/1/13</a:t>
+              <a:t>2019/1/14</a:t>
             </a:fld>
             <a:endParaRPr kumimoji="1" lang="zh-TW" altLang="en-US"/>
           </a:p>
@@ -1351,7 +1351,7 @@
           <a:p>
             <a:fld id="{08ECA977-E3FE-5A4B-99E7-4457BC9AE190}" type="datetimeFigureOut">
               <a:rPr kumimoji="1" lang="zh-TW" altLang="en-US" smtClean="0"/>
-              <a:t>2019/1/13</a:t>
+              <a:t>2019/1/14</a:t>
             </a:fld>
             <a:endParaRPr kumimoji="1" lang="zh-TW" altLang="en-US"/>
           </a:p>
@@ -1535,7 +1535,7 @@
           <a:p>
             <a:fld id="{08ECA977-E3FE-5A4B-99E7-4457BC9AE190}" type="datetimeFigureOut">
               <a:rPr kumimoji="1" lang="zh-TW" altLang="en-US" smtClean="0"/>
-              <a:t>2019/1/13</a:t>
+              <a:t>2019/1/14</a:t>
             </a:fld>
             <a:endParaRPr kumimoji="1" lang="zh-TW" altLang="en-US"/>
           </a:p>
@@ -1864,7 +1864,7 @@
           <a:p>
             <a:fld id="{08ECA977-E3FE-5A4B-99E7-4457BC9AE190}" type="datetimeFigureOut">
               <a:rPr kumimoji="1" lang="zh-TW" altLang="en-US" smtClean="0"/>
-              <a:t>2019/1/13</a:t>
+              <a:t>2019/1/14</a:t>
             </a:fld>
             <a:endParaRPr kumimoji="1" lang="zh-TW" altLang="en-US"/>
           </a:p>
@@ -1982,7 +1982,7 @@
           <a:p>
             <a:fld id="{08ECA977-E3FE-5A4B-99E7-4457BC9AE190}" type="datetimeFigureOut">
               <a:rPr kumimoji="1" lang="zh-TW" altLang="en-US" smtClean="0"/>
-              <a:t>2019/1/13</a:t>
+              <a:t>2019/1/14</a:t>
             </a:fld>
             <a:endParaRPr kumimoji="1" lang="zh-TW" altLang="en-US"/>
           </a:p>
@@ -2077,7 +2077,7 @@
           <a:p>
             <a:fld id="{08ECA977-E3FE-5A4B-99E7-4457BC9AE190}" type="datetimeFigureOut">
               <a:rPr kumimoji="1" lang="zh-TW" altLang="en-US" smtClean="0"/>
-              <a:t>2019/1/13</a:t>
+              <a:t>2019/1/14</a:t>
             </a:fld>
             <a:endParaRPr kumimoji="1" lang="zh-TW" altLang="en-US"/>
           </a:p>
@@ -2335,7 +2335,7 @@
           <a:p>
             <a:fld id="{08ECA977-E3FE-5A4B-99E7-4457BC9AE190}" type="datetimeFigureOut">
               <a:rPr kumimoji="1" lang="zh-TW" altLang="en-US" smtClean="0"/>
-              <a:t>2019/1/13</a:t>
+              <a:t>2019/1/14</a:t>
             </a:fld>
             <a:endParaRPr kumimoji="1" lang="zh-TW" altLang="en-US"/>
           </a:p>
@@ -2597,7 +2597,7 @@
           <a:p>
             <a:fld id="{08ECA977-E3FE-5A4B-99E7-4457BC9AE190}" type="datetimeFigureOut">
               <a:rPr kumimoji="1" lang="zh-TW" altLang="en-US" smtClean="0"/>
-              <a:t>2019/1/13</a:t>
+              <a:t>2019/1/14</a:t>
             </a:fld>
             <a:endParaRPr kumimoji="1" lang="zh-TW" altLang="en-US"/>
           </a:p>
@@ -2786,7 +2786,7 @@
           <a:p>
             <a:fld id="{08ECA977-E3FE-5A4B-99E7-4457BC9AE190}" type="datetimeFigureOut">
               <a:rPr kumimoji="1" lang="zh-TW" altLang="en-US" smtClean="0"/>
-              <a:t>2019/1/13</a:t>
+              <a:t>2019/1/14</a:t>
             </a:fld>
             <a:endParaRPr kumimoji="1" lang="zh-TW" altLang="en-US"/>
           </a:p>
@@ -3664,7 +3664,14 @@
                 <a:latin typeface="Microsoft JhengHei" panose="020B0604030504040204" pitchFamily="34" charset="-120"/>
                 <a:ea typeface="Microsoft JhengHei" panose="020B0604030504040204" pitchFamily="34" charset="-120"/>
               </a:rPr>
-              <a:t>6.</a:t>
+              <a:t>5</a:t>
+            </a:r>
+            <a:r>
+              <a:rPr kumimoji="1" lang="en-US" altLang="zh-CN" sz="5000">
+                <a:latin typeface="Microsoft JhengHei" panose="020B0604030504040204" pitchFamily="34" charset="-120"/>
+                <a:ea typeface="Microsoft JhengHei" panose="020B0604030504040204" pitchFamily="34" charset="-120"/>
+              </a:rPr>
+              <a:t>.</a:t>
             </a:r>
             <a:r>
               <a:rPr kumimoji="1" lang="zh-CN" altLang="en-US" sz="5000" dirty="0">
@@ -6004,7 +6011,7 @@
               </a:r>
               <a:r>
                 <a:rPr lang="en-US" altLang="zh-TW" sz="2000" dirty="0" err="1"/>
-                <a:t>CorssEntropy</a:t>
+                <a:t>CrossEntropy</a:t>
               </a:r>
               <a:endParaRPr lang="en-US" altLang="zh-TW" sz="2000" dirty="0"/>
             </a:p>

--- a/poster.pptx
+++ b/poster.pptx
@@ -3260,8 +3260,8 @@
         </p:nvSpPr>
         <p:spPr>
           <a:xfrm>
-            <a:off x="1499452" y="440899"/>
-            <a:ext cx="18384717" cy="2123658"/>
+            <a:off x="723014" y="440899"/>
+            <a:ext cx="19785939" cy="1938992"/>
           </a:xfrm>
           <a:prstGeom prst="rect">
             <a:avLst/>
@@ -3276,65 +3276,27 @@
           <a:p>
             <a:pPr algn="ctr"/>
             <a:r>
-              <a:rPr kumimoji="1" lang="zh-TW" altLang="en-US" sz="6600" b="1" dirty="0">
+              <a:rPr kumimoji="1" lang="zh-TW" altLang="en-US" sz="6000" b="1" dirty="0">
                 <a:latin typeface="Microsoft JhengHei" panose="020B0604030504040204" pitchFamily="34" charset="-120"/>
                 <a:ea typeface="Microsoft JhengHei" panose="020B0604030504040204" pitchFamily="34" charset="-120"/>
               </a:rPr>
               <a:t>網路多媒體實驗：</a:t>
             </a:r>
             <a:r>
-              <a:rPr kumimoji="1" lang="zh-CN" altLang="en-US" sz="6600" b="1" dirty="0">
+              <a:rPr kumimoji="1" lang="en-US" altLang="zh-TW" sz="6000" b="1" dirty="0">
                 <a:latin typeface="Microsoft JhengHei" panose="020B0604030504040204" pitchFamily="34" charset="-120"/>
                 <a:ea typeface="Microsoft JhengHei" panose="020B0604030504040204" pitchFamily="34" charset="-120"/>
               </a:rPr>
-              <a:t>利用</a:t>
-            </a:r>
-            <a:r>
-              <a:rPr kumimoji="1" lang="en-US" altLang="zh-CN" sz="6600" b="1" dirty="0">
+              <a:t>Using </a:t>
+            </a:r>
+            <a:r>
+              <a:rPr kumimoji="1" lang="en-US" altLang="zh-CN" sz="6000" b="1" dirty="0">
                 <a:latin typeface="Microsoft JhengHei" panose="020B0604030504040204" pitchFamily="34" charset="-120"/>
                 <a:ea typeface="Microsoft JhengHei" panose="020B0604030504040204" pitchFamily="34" charset="-120"/>
               </a:rPr>
-              <a:t>model output </a:t>
-            </a:r>
-            <a:r>
-              <a:rPr kumimoji="1" lang="zh-CN" altLang="en-US" sz="6600" b="1" dirty="0">
-                <a:latin typeface="Microsoft JhengHei" panose="020B0604030504040204" pitchFamily="34" charset="-120"/>
-                <a:ea typeface="Microsoft JhengHei" panose="020B0604030504040204" pitchFamily="34" charset="-120"/>
-              </a:rPr>
-              <a:t>偷取</a:t>
-            </a:r>
-            <a:r>
-              <a:rPr kumimoji="1" lang="en-US" altLang="zh-CN" sz="6600" b="1" dirty="0">
-                <a:latin typeface="Microsoft JhengHei" panose="020B0604030504040204" pitchFamily="34" charset="-120"/>
-                <a:ea typeface="Microsoft JhengHei" panose="020B0604030504040204" pitchFamily="34" charset="-120"/>
-              </a:rPr>
-              <a:t> </a:t>
-            </a:r>
-          </a:p>
-          <a:p>
-            <a:pPr algn="ctr"/>
-            <a:r>
-              <a:rPr kumimoji="1" lang="en-US" altLang="zh-CN" sz="6600" b="1" dirty="0">
-                <a:latin typeface="Microsoft JhengHei" panose="020B0604030504040204" pitchFamily="34" charset="-120"/>
-                <a:ea typeface="Microsoft JhengHei" panose="020B0604030504040204" pitchFamily="34" charset="-120"/>
-              </a:rPr>
-              <a:t>Machine Learning-as-a-Service </a:t>
-            </a:r>
-            <a:r>
-              <a:rPr kumimoji="1" lang="zh-CN" altLang="en-US" sz="6600" b="1" dirty="0">
-                <a:latin typeface="Microsoft JhengHei" panose="020B0604030504040204" pitchFamily="34" charset="-120"/>
-                <a:ea typeface="Microsoft JhengHei" panose="020B0604030504040204" pitchFamily="34" charset="-120"/>
-              </a:rPr>
-              <a:t>平台</a:t>
-            </a:r>
-            <a:r>
-              <a:rPr kumimoji="1" lang="en-US" altLang="zh-CN" sz="6600" b="1" dirty="0">
-                <a:latin typeface="Microsoft JhengHei" panose="020B0604030504040204" pitchFamily="34" charset="-120"/>
-                <a:ea typeface="Microsoft JhengHei" panose="020B0604030504040204" pitchFamily="34" charset="-120"/>
-              </a:rPr>
-              <a:t> model</a:t>
-            </a:r>
-            <a:endParaRPr kumimoji="1" lang="zh-TW" altLang="en-US" sz="6600" b="1" dirty="0">
+              <a:t>model output to steal model from Machine Learning-as-a-Service platform</a:t>
+            </a:r>
+            <a:endParaRPr kumimoji="1" lang="zh-TW" altLang="en-US" sz="6000" b="1" dirty="0">
               <a:latin typeface="Microsoft JhengHei" panose="020B0604030504040204" pitchFamily="34" charset="-120"/>
               <a:ea typeface="Microsoft JhengHei" panose="020B0604030504040204" pitchFamily="34" charset="-120"/>
             </a:endParaRPr>
@@ -3355,7 +3317,7 @@
         </p:nvSpPr>
         <p:spPr>
           <a:xfrm>
-            <a:off x="1089878" y="3000513"/>
+            <a:off x="1089878" y="2894188"/>
             <a:ext cx="20293747" cy="707886"/>
           </a:xfrm>
           <a:prstGeom prst="rect">
@@ -3597,7 +3559,7 @@
         <p:spPr>
           <a:xfrm>
             <a:off x="11142329" y="12405759"/>
-            <a:ext cx="1986441" cy="861774"/>
+            <a:ext cx="2829429" cy="861774"/>
           </a:xfrm>
           <a:prstGeom prst="rect">
             <a:avLst/>
@@ -3615,19 +3577,8 @@
                 <a:latin typeface="Microsoft JhengHei" panose="020B0604030504040204" pitchFamily="34" charset="-120"/>
                 <a:ea typeface="Microsoft JhengHei" panose="020B0604030504040204" pitchFamily="34" charset="-120"/>
               </a:rPr>
-              <a:t>4.</a:t>
-            </a:r>
-            <a:r>
-              <a:rPr kumimoji="1" lang="zh-CN" altLang="en-US" sz="5000" dirty="0">
-                <a:latin typeface="Microsoft JhengHei" panose="020B0604030504040204" pitchFamily="34" charset="-120"/>
-                <a:ea typeface="Microsoft JhengHei" panose="020B0604030504040204" pitchFamily="34" charset="-120"/>
-              </a:rPr>
-              <a:t>結果</a:t>
-            </a:r>
-            <a:endParaRPr kumimoji="1" lang="en-US" altLang="zh-CN" sz="5000" dirty="0">
-              <a:latin typeface="Microsoft JhengHei" panose="020B0604030504040204" pitchFamily="34" charset="-120"/>
-              <a:ea typeface="Microsoft JhengHei" panose="020B0604030504040204" pitchFamily="34" charset="-120"/>
-            </a:endParaRPr>
+              <a:t>4.Results</a:t>
+            </a:r>
           </a:p>
         </p:txBody>
       </p:sp>
@@ -3646,7 +3597,7 @@
         <p:spPr>
           <a:xfrm>
             <a:off x="11159050" y="24171547"/>
-            <a:ext cx="4140877" cy="861774"/>
+            <a:ext cx="4213013" cy="861774"/>
           </a:xfrm>
           <a:prstGeom prst="rect">
             <a:avLst/>
@@ -3664,42 +3615,7 @@
                 <a:latin typeface="Microsoft JhengHei" panose="020B0604030504040204" pitchFamily="34" charset="-120"/>
                 <a:ea typeface="Microsoft JhengHei" panose="020B0604030504040204" pitchFamily="34" charset="-120"/>
               </a:rPr>
-              <a:t>5</a:t>
-            </a:r>
-            <a:r>
-              <a:rPr kumimoji="1" lang="en-US" altLang="zh-CN" sz="5000">
-                <a:latin typeface="Microsoft JhengHei" panose="020B0604030504040204" pitchFamily="34" charset="-120"/>
-                <a:ea typeface="Microsoft JhengHei" panose="020B0604030504040204" pitchFamily="34" charset="-120"/>
-              </a:rPr>
-              <a:t>.</a:t>
-            </a:r>
-            <a:r>
-              <a:rPr kumimoji="1" lang="zh-CN" altLang="en-US" sz="5000" dirty="0">
-                <a:latin typeface="Microsoft JhengHei" panose="020B0604030504040204" pitchFamily="34" charset="-120"/>
-                <a:ea typeface="Microsoft JhengHei" panose="020B0604030504040204" pitchFamily="34" charset="-120"/>
-              </a:rPr>
-              <a:t>結論</a:t>
-            </a:r>
-            <a:r>
-              <a:rPr kumimoji="1" lang="zh-TW" altLang="en-US" sz="5000" dirty="0">
-                <a:latin typeface="Microsoft JhengHei" panose="020B0604030504040204" pitchFamily="34" charset="-120"/>
-                <a:ea typeface="Microsoft JhengHei" panose="020B0604030504040204" pitchFamily="34" charset="-120"/>
-              </a:rPr>
-              <a:t> </a:t>
-            </a:r>
-            <a:r>
-              <a:rPr kumimoji="1" lang="en-US" altLang="zh-TW" sz="5000" dirty="0">
-                <a:latin typeface="Microsoft JhengHei" panose="020B0604030504040204" pitchFamily="34" charset="-120"/>
-                <a:ea typeface="Microsoft JhengHei" panose="020B0604030504040204" pitchFamily="34" charset="-120"/>
-              </a:rPr>
-              <a:t>&amp; </a:t>
-            </a:r>
-            <a:r>
-              <a:rPr kumimoji="1" lang="zh-CN" altLang="en-US" sz="5000" dirty="0">
-                <a:latin typeface="Microsoft JhengHei" panose="020B0604030504040204" pitchFamily="34" charset="-120"/>
-                <a:ea typeface="Microsoft JhengHei" panose="020B0604030504040204" pitchFamily="34" charset="-120"/>
-              </a:rPr>
-              <a:t>討論</a:t>
+              <a:t>5. Conclusion</a:t>
             </a:r>
             <a:endParaRPr kumimoji="1" lang="en-US" altLang="zh-TW" sz="5000" dirty="0">
               <a:latin typeface="Microsoft JhengHei" panose="020B0604030504040204" pitchFamily="34" charset="-120"/>
@@ -3723,7 +3639,7 @@
         <p:spPr>
           <a:xfrm>
             <a:off x="407692" y="3871106"/>
-            <a:ext cx="3910045" cy="861774"/>
+            <a:ext cx="2778325" cy="861774"/>
           </a:xfrm>
           <a:prstGeom prst="rect">
             <a:avLst/>
@@ -3748,7 +3664,14 @@
                 <a:latin typeface="Microsoft JhengHei" panose="020B0604030504040204" pitchFamily="34" charset="-120"/>
                 <a:ea typeface="Microsoft JhengHei" panose="020B0604030504040204" pitchFamily="34" charset="-120"/>
               </a:rPr>
-              <a:t>實驗目標</a:t>
+              <a:t> </a:t>
+            </a:r>
+            <a:r>
+              <a:rPr kumimoji="1" lang="en-US" altLang="zh-CN" sz="5000" b="1" dirty="0">
+                <a:latin typeface="Microsoft JhengHei" panose="020B0604030504040204" pitchFamily="34" charset="-120"/>
+                <a:ea typeface="Microsoft JhengHei" panose="020B0604030504040204" pitchFamily="34" charset="-120"/>
+              </a:rPr>
+              <a:t>Aim</a:t>
             </a:r>
             <a:r>
               <a:rPr kumimoji="1" lang="zh-TW" altLang="en-US" sz="5000" b="1" dirty="0">
@@ -3779,7 +3702,7 @@
         <p:spPr>
           <a:xfrm>
             <a:off x="316882" y="13369278"/>
-            <a:ext cx="3910045" cy="861774"/>
+            <a:ext cx="6514925" cy="861774"/>
           </a:xfrm>
           <a:prstGeom prst="rect">
             <a:avLst/>
@@ -3804,7 +3727,14 @@
                 <a:latin typeface="Microsoft JhengHei" panose="020B0604030504040204" pitchFamily="34" charset="-120"/>
                 <a:ea typeface="Microsoft JhengHei" panose="020B0604030504040204" pitchFamily="34" charset="-120"/>
               </a:rPr>
-              <a:t>實作過程</a:t>
+              <a:t> </a:t>
+            </a:r>
+            <a:r>
+              <a:rPr kumimoji="1" lang="en-US" altLang="zh-CN" sz="5000" b="1" dirty="0">
+                <a:latin typeface="Microsoft JhengHei" panose="020B0604030504040204" pitchFamily="34" charset="-120"/>
+                <a:ea typeface="Microsoft JhengHei" panose="020B0604030504040204" pitchFamily="34" charset="-120"/>
+              </a:rPr>
+              <a:t>Implementation</a:t>
             </a:r>
             <a:r>
               <a:rPr kumimoji="1" lang="zh-TW" altLang="en-US" sz="5000" b="1" dirty="0">
@@ -3835,7 +3765,7 @@
         <p:spPr>
           <a:xfrm>
             <a:off x="910272" y="4895587"/>
-            <a:ext cx="9765815" cy="1169551"/>
+            <a:ext cx="9679958" cy="1169551"/>
           </a:xfrm>
           <a:prstGeom prst="rect">
             <a:avLst/>
@@ -3853,50 +3783,14 @@
               <a:buAutoNum type="arabicParenR"/>
             </a:pPr>
             <a:r>
-              <a:rPr kumimoji="1" lang="zh-CN" altLang="en-US" sz="3500" dirty="0"/>
-              <a:t>實作論文</a:t>
-            </a:r>
-            <a:r>
               <a:rPr kumimoji="1" lang="en-US" altLang="zh-CN" sz="3500" dirty="0"/>
-              <a:t> ”Stealing Machine Learning Models via </a:t>
+              <a:t>Implement the method in ”Stealing Machine </a:t>
             </a:r>
           </a:p>
           <a:p>
             <a:r>
               <a:rPr kumimoji="1" lang="en-US" altLang="zh-CN" sz="3500" dirty="0"/>
-              <a:t>Prediction APIs”</a:t>
-            </a:r>
-            <a:r>
-              <a:rPr kumimoji="1" lang="zh-TW" altLang="en-US" sz="3500" dirty="0"/>
-              <a:t> </a:t>
-            </a:r>
-            <a:r>
-              <a:rPr kumimoji="1" lang="zh-TW" altLang="en-US" sz="3500" dirty="0">
-                <a:latin typeface="Microsoft JhengHei" panose="020B0604030504040204" pitchFamily="34" charset="-120"/>
-                <a:ea typeface="Microsoft JhengHei" panose="020B0604030504040204" pitchFamily="34" charset="-120"/>
-              </a:rPr>
-              <a:t>的方</a:t>
-            </a:r>
-            <a:r>
-              <a:rPr kumimoji="1" lang="zh-CN" altLang="en-US" sz="3500" dirty="0">
-                <a:latin typeface="Microsoft JhengHei" panose="020B0604030504040204" pitchFamily="34" charset="-120"/>
-                <a:ea typeface="Microsoft JhengHei" panose="020B0604030504040204" pitchFamily="34" charset="-120"/>
-              </a:rPr>
-              <a:t>法，偷取</a:t>
-            </a:r>
-            <a:r>
-              <a:rPr kumimoji="1" lang="en-US" altLang="zh-CN" sz="3500" dirty="0">
-                <a:latin typeface="Microsoft JhengHei" panose="020B0604030504040204" pitchFamily="34" charset="-120"/>
-                <a:ea typeface="Microsoft JhengHei" panose="020B0604030504040204" pitchFamily="34" charset="-120"/>
-              </a:rPr>
-              <a:t>ML model</a:t>
-            </a:r>
-            <a:r>
-              <a:rPr kumimoji="1" lang="zh-CN" altLang="en-US" sz="3500" dirty="0">
-                <a:latin typeface="Microsoft JhengHei" panose="020B0604030504040204" pitchFamily="34" charset="-120"/>
-                <a:ea typeface="Microsoft JhengHei" panose="020B0604030504040204" pitchFamily="34" charset="-120"/>
-              </a:rPr>
-              <a:t>。</a:t>
+              <a:t>Learning Models via Prediction APIs” to steal model.</a:t>
             </a:r>
             <a:endParaRPr kumimoji="1" lang="en-US" altLang="zh-CN" sz="3500" dirty="0">
               <a:latin typeface="Microsoft JhengHei" panose="020B0604030504040204" pitchFamily="34" charset="-120"/>
@@ -3920,7 +3814,7 @@
         <p:spPr>
           <a:xfrm>
             <a:off x="910272" y="6036225"/>
-            <a:ext cx="9916689" cy="1169551"/>
+            <a:ext cx="8448403" cy="1169551"/>
           </a:xfrm>
           <a:prstGeom prst="rect">
             <a:avLst/>
@@ -3942,35 +3836,14 @@
               <a:t> </a:t>
             </a:r>
             <a:r>
-              <a:rPr kumimoji="1" lang="zh-CN" altLang="en-US" sz="3500" dirty="0"/>
-              <a:t>利用</a:t>
-            </a:r>
+              <a:rPr kumimoji="1" lang="en-US" altLang="zh-TW" sz="3500" dirty="0"/>
+              <a:t>Try to steal different kinds of models using </a:t>
+            </a:r>
+          </a:p>
+          <a:p>
             <a:r>
               <a:rPr kumimoji="1" lang="en-US" altLang="zh-CN" sz="3500" dirty="0"/>
-              <a:t> </a:t>
-            </a:r>
-            <a:r>
-              <a:rPr kumimoji="1" lang="en-US" altLang="zh-CN" sz="3500"/>
-              <a:t>neural network </a:t>
-            </a:r>
-            <a:r>
-              <a:rPr kumimoji="1" lang="zh-CN" altLang="en-US" sz="3500"/>
-              <a:t>的</a:t>
-            </a:r>
-            <a:r>
-              <a:rPr kumimoji="1" lang="zh-CN" altLang="en-US" sz="3500" dirty="0"/>
-              <a:t>方式嘗試偷取各種不同模</a:t>
-            </a:r>
-            <a:endParaRPr kumimoji="1" lang="en-US" altLang="zh-CN" sz="3500" dirty="0"/>
-          </a:p>
-          <a:p>
-            <a:r>
-              <a:rPr kumimoji="1" lang="zh-CN" altLang="en-US" sz="3500" dirty="0"/>
-              <a:t>型的</a:t>
-            </a:r>
-            <a:r>
-              <a:rPr kumimoji="1" lang="en-US" altLang="zh-CN" sz="3500" dirty="0"/>
-              <a:t> Model</a:t>
+              <a:t>neural network.</a:t>
             </a:r>
           </a:p>
         </p:txBody>
@@ -6398,7 +6271,7 @@
         <p:spPr>
           <a:xfrm>
             <a:off x="1000021" y="8296902"/>
-            <a:ext cx="6873998" cy="707886"/>
+            <a:ext cx="6070893" cy="707886"/>
           </a:xfrm>
           <a:prstGeom prst="rect">
             <a:avLst/>
@@ -6416,37 +6289,26 @@
               <a:buChar char="l"/>
             </a:pPr>
             <a:r>
-              <a:rPr kumimoji="1" lang="zh-CN" altLang="en-US" sz="4000" dirty="0">
+              <a:rPr kumimoji="1" lang="en-US" altLang="zh-TW" sz="4000" dirty="0">
                 <a:latin typeface="Microsoft JhengHei" panose="020B0604030504040204" pitchFamily="34" charset="-120"/>
                 <a:ea typeface="Microsoft JhengHei" panose="020B0604030504040204" pitchFamily="34" charset="-120"/>
               </a:rPr>
-              <a:t>資料介紹</a:t>
+              <a:t>Data</a:t>
             </a:r>
             <a:r>
               <a:rPr kumimoji="1" lang="zh-TW" altLang="en-US" sz="4000" dirty="0">
                 <a:latin typeface="Microsoft JhengHei" panose="020B0604030504040204" pitchFamily="34" charset="-120"/>
                 <a:ea typeface="Microsoft JhengHei" panose="020B0604030504040204" pitchFamily="34" charset="-120"/>
               </a:rPr>
-              <a:t> ：</a:t>
+              <a:t>：</a:t>
             </a:r>
             <a:r>
               <a:rPr kumimoji="1" lang="en-US" altLang="zh-CN" sz="4000" dirty="0">
                 <a:latin typeface="Microsoft JhengHei" panose="020B0604030504040204" pitchFamily="34" charset="-120"/>
                 <a:ea typeface="Microsoft JhengHei" panose="020B0604030504040204" pitchFamily="34" charset="-120"/>
               </a:rPr>
-              <a:t>MNIST </a:t>
-            </a:r>
-            <a:r>
-              <a:rPr kumimoji="1" lang="zh-CN" altLang="en-US" sz="4000" dirty="0">
-                <a:latin typeface="Microsoft JhengHei" panose="020B0604030504040204" pitchFamily="34" charset="-120"/>
-                <a:ea typeface="Microsoft JhengHei" panose="020B0604030504040204" pitchFamily="34" charset="-120"/>
-              </a:rPr>
-              <a:t>資料集</a:t>
-            </a:r>
-            <a:endParaRPr kumimoji="1" lang="en-US" altLang="zh-CN" sz="4000" dirty="0">
-              <a:latin typeface="Microsoft JhengHei" panose="020B0604030504040204" pitchFamily="34" charset="-120"/>
-              <a:ea typeface="Microsoft JhengHei" panose="020B0604030504040204" pitchFamily="34" charset="-120"/>
-            </a:endParaRPr>
+              <a:t>MNIST dataset</a:t>
+            </a:r>
           </a:p>
         </p:txBody>
       </p:sp>
@@ -6564,7 +6426,7 @@
         <p:spPr>
           <a:xfrm>
             <a:off x="394174" y="7422620"/>
-            <a:ext cx="3935693" cy="861774"/>
+            <a:ext cx="5416868" cy="861774"/>
           </a:xfrm>
           <a:prstGeom prst="rect">
             <a:avLst/>
@@ -6582,14 +6444,7 @@
                 <a:latin typeface="Microsoft JhengHei" panose="020B0604030504040204" pitchFamily="34" charset="-120"/>
                 <a:ea typeface="Microsoft JhengHei" panose="020B0604030504040204" pitchFamily="34" charset="-120"/>
               </a:rPr>
-              <a:t>2.</a:t>
-            </a:r>
-            <a:r>
-              <a:rPr kumimoji="1" lang="zh-CN" altLang="en-US" sz="5000" b="1" dirty="0">
-                <a:latin typeface="Microsoft JhengHei" panose="020B0604030504040204" pitchFamily="34" charset="-120"/>
-                <a:ea typeface="Microsoft JhengHei" panose="020B0604030504040204" pitchFamily="34" charset="-120"/>
-              </a:rPr>
-              <a:t>實驗介紹</a:t>
+              <a:t>2. Introduction</a:t>
             </a:r>
             <a:r>
               <a:rPr kumimoji="1" lang="zh-TW" altLang="en-US" sz="5000" b="1" dirty="0">
@@ -6620,7 +6475,7 @@
         <p:spPr>
           <a:xfrm>
             <a:off x="989136" y="9009914"/>
-            <a:ext cx="2929007" cy="707886"/>
+            <a:ext cx="3704412" cy="707886"/>
           </a:xfrm>
           <a:prstGeom prst="rect">
             <a:avLst/>
@@ -6638,11 +6493,18 @@
               <a:buChar char="l"/>
             </a:pPr>
             <a:r>
+              <a:rPr kumimoji="1" lang="en-US" altLang="zh-TW" sz="4000" dirty="0">
+                <a:latin typeface="Microsoft JhengHei" panose="020B0604030504040204" pitchFamily="34" charset="-120"/>
+                <a:ea typeface="Microsoft JhengHei" panose="020B0604030504040204" pitchFamily="34" charset="-120"/>
+              </a:rPr>
+              <a:t>Workflow</a:t>
+            </a:r>
+            <a:r>
               <a:rPr kumimoji="1" lang="zh-TW" altLang="en-US" sz="4000" dirty="0">
                 <a:latin typeface="Microsoft JhengHei" panose="020B0604030504040204" pitchFamily="34" charset="-120"/>
                 <a:ea typeface="Microsoft JhengHei" panose="020B0604030504040204" pitchFamily="34" charset="-120"/>
               </a:rPr>
-              <a:t>流程圖：</a:t>
+              <a:t>：</a:t>
             </a:r>
             <a:endParaRPr kumimoji="1" lang="en-US" altLang="zh-CN" sz="4000" dirty="0">
               <a:latin typeface="Microsoft JhengHei" panose="020B0604030504040204" pitchFamily="34" charset="-120"/>
@@ -6666,7 +6528,7 @@
         <p:spPr>
           <a:xfrm>
             <a:off x="11748741" y="24998074"/>
-            <a:ext cx="9321126" cy="1631216"/>
+            <a:ext cx="9321126" cy="1446550"/>
           </a:xfrm>
           <a:prstGeom prst="rect">
             <a:avLst/>
@@ -6680,32 +6542,11 @@
           <a:lstStyle/>
           <a:p>
             <a:r>
-              <a:rPr kumimoji="1" lang="en-US" altLang="zh-TW" sz="3600" b="1" dirty="0">
+              <a:rPr kumimoji="1" lang="en-US" altLang="zh-TW" sz="3200" dirty="0">
                 <a:latin typeface="Microsoft JhengHei" panose="020B0604030504040204" pitchFamily="34" charset="-120"/>
                 <a:ea typeface="Microsoft JhengHei" panose="020B0604030504040204" pitchFamily="34" charset="-120"/>
               </a:rPr>
               <a:t>1.</a:t>
-            </a:r>
-            <a:r>
-              <a:rPr kumimoji="1" lang="zh-TW" altLang="en-US" sz="3600" b="1" dirty="0">
-                <a:latin typeface="Microsoft JhengHei" panose="020B0604030504040204" pitchFamily="34" charset="-120"/>
-                <a:ea typeface="Microsoft JhengHei" panose="020B0604030504040204" pitchFamily="34" charset="-120"/>
-              </a:rPr>
-              <a:t> </a:t>
-            </a:r>
-            <a:r>
-              <a:rPr kumimoji="1" lang="zh-TW" altLang="en-US" sz="3200" dirty="0">
-                <a:latin typeface="Microsoft JhengHei" panose="020B0604030504040204" pitchFamily="34" charset="-120"/>
-                <a:ea typeface="Microsoft JhengHei" panose="020B0604030504040204" pitchFamily="34" charset="-120"/>
-              </a:rPr>
-              <a:t>在不同</a:t>
-            </a:r>
-            <a:r>
-              <a:rPr kumimoji="1" lang="en-US" altLang="zh-TW" sz="3200" dirty="0">
-                <a:latin typeface="Microsoft JhengHei" panose="020B0604030504040204" pitchFamily="34" charset="-120"/>
-                <a:ea typeface="Microsoft JhengHei" panose="020B0604030504040204" pitchFamily="34" charset="-120"/>
-              </a:rPr>
-              <a:t>Training size, learning rate</a:t>
             </a:r>
             <a:r>
               <a:rPr kumimoji="1" lang="zh-TW" altLang="en-US" sz="3200" dirty="0">
@@ -6715,107 +6556,33 @@
               <a:t> </a:t>
             </a:r>
             <a:r>
-              <a:rPr kumimoji="1" lang="zh-CN" altLang="en-US" sz="3200" dirty="0">
+              <a:rPr kumimoji="1" lang="en-US" altLang="zh-TW" sz="2800" dirty="0">
                 <a:latin typeface="Microsoft JhengHei" panose="020B0604030504040204" pitchFamily="34" charset="-120"/>
                 <a:ea typeface="Microsoft JhengHei" panose="020B0604030504040204" pitchFamily="34" charset="-120"/>
               </a:rPr>
-              <a:t>狀態下</a:t>
-            </a:r>
-            <a:r>
-              <a:rPr kumimoji="1" lang="zh-TW" altLang="en-US" sz="3200" dirty="0">
-                <a:latin typeface="Microsoft JhengHei" panose="020B0604030504040204" pitchFamily="34" charset="-120"/>
-                <a:ea typeface="Microsoft JhengHei" panose="020B0604030504040204" pitchFamily="34" charset="-120"/>
-              </a:rPr>
-              <a:t>，</a:t>
-            </a:r>
-            <a:r>
-              <a:rPr kumimoji="1" lang="en-US" altLang="zh-TW" sz="3200" dirty="0">
-                <a:latin typeface="Microsoft JhengHei" panose="020B0604030504040204" pitchFamily="34" charset="-120"/>
-                <a:ea typeface="Microsoft JhengHei" panose="020B0604030504040204" pitchFamily="34" charset="-120"/>
-              </a:rPr>
-              <a:t> Loss function </a:t>
-            </a:r>
-            <a:r>
-              <a:rPr kumimoji="1" lang="zh-CN" altLang="en-US" sz="3200" dirty="0">
-                <a:latin typeface="Microsoft JhengHei" panose="020B0604030504040204" pitchFamily="34" charset="-120"/>
-                <a:ea typeface="Microsoft JhengHei" panose="020B0604030504040204" pitchFamily="34" charset="-120"/>
-              </a:rPr>
-              <a:t>為</a:t>
-            </a:r>
-            <a:r>
-              <a:rPr kumimoji="1" lang="zh-TW" altLang="en-US" sz="3200" dirty="0">
-                <a:latin typeface="Microsoft JhengHei" panose="020B0604030504040204" pitchFamily="34" charset="-120"/>
-                <a:ea typeface="Microsoft JhengHei" panose="020B0604030504040204" pitchFamily="34" charset="-120"/>
-              </a:rPr>
-              <a:t> </a:t>
-            </a:r>
-            <a:r>
-              <a:rPr kumimoji="1" lang="en-US" altLang="zh-TW" sz="3200" dirty="0" err="1">
+              <a:t>In different training size, learning rate with fixed loss function, </a:t>
+            </a:r>
+            <a:r>
+              <a:rPr kumimoji="1" lang="en-US" altLang="zh-TW" sz="2800" dirty="0" err="1">
                 <a:latin typeface="Microsoft JhengHei" panose="020B0604030504040204" pitchFamily="34" charset="-120"/>
                 <a:ea typeface="Microsoft JhengHei" panose="020B0604030504040204" pitchFamily="34" charset="-120"/>
               </a:rPr>
               <a:t>BCEloss</a:t>
             </a:r>
             <a:r>
-              <a:rPr kumimoji="1" lang="en-US" altLang="zh-TW" sz="3200" dirty="0">
+              <a:rPr kumimoji="1" lang="en-US" altLang="zh-TW" sz="2800" dirty="0">
                 <a:latin typeface="Microsoft JhengHei" panose="020B0604030504040204" pitchFamily="34" charset="-120"/>
                 <a:ea typeface="Microsoft JhengHei" panose="020B0604030504040204" pitchFamily="34" charset="-120"/>
               </a:rPr>
-              <a:t> </a:t>
-            </a:r>
-            <a:r>
-              <a:rPr kumimoji="1" lang="zh-TW" altLang="en-US" sz="3200" dirty="0">
+              <a:t>  as well as 200 epoch, the precision of copy model is higher than c</a:t>
+            </a:r>
+            <a:r>
+              <a:rPr kumimoji="1" lang="en-US" altLang="zh-CN" sz="2800" dirty="0">
                 <a:latin typeface="Microsoft JhengHei" panose="020B0604030504040204" pitchFamily="34" charset="-120"/>
                 <a:ea typeface="Microsoft JhengHei" panose="020B0604030504040204" pitchFamily="34" charset="-120"/>
               </a:rPr>
-              <a:t>，</a:t>
-            </a:r>
-            <a:r>
-              <a:rPr kumimoji="1" lang="en-US" altLang="zh-TW" sz="3200" dirty="0">
-                <a:latin typeface="Microsoft JhengHei" panose="020B0604030504040204" pitchFamily="34" charset="-120"/>
-                <a:ea typeface="Microsoft JhengHei" panose="020B0604030504040204" pitchFamily="34" charset="-120"/>
-              </a:rPr>
-              <a:t>200 epoch</a:t>
-            </a:r>
-            <a:r>
-              <a:rPr kumimoji="1" lang="zh-TW" altLang="en-US" sz="3200" dirty="0">
-                <a:latin typeface="Microsoft JhengHei" panose="020B0604030504040204" pitchFamily="34" charset="-120"/>
-                <a:ea typeface="Microsoft JhengHei" panose="020B0604030504040204" pitchFamily="34" charset="-120"/>
-              </a:rPr>
-              <a:t>，</a:t>
-            </a:r>
-            <a:r>
-              <a:rPr kumimoji="1" lang="en-US" altLang="zh-TW" sz="3200" dirty="0">
-                <a:latin typeface="Microsoft JhengHei" panose="020B0604030504040204" pitchFamily="34" charset="-120"/>
-                <a:ea typeface="Microsoft JhengHei" panose="020B0604030504040204" pitchFamily="34" charset="-120"/>
-              </a:rPr>
-              <a:t>Copy model </a:t>
-            </a:r>
-            <a:r>
-              <a:rPr kumimoji="1" lang="zh-CN" altLang="en-US" sz="3200" dirty="0">
-                <a:latin typeface="Microsoft JhengHei" panose="020B0604030504040204" pitchFamily="34" charset="-120"/>
-                <a:ea typeface="Microsoft JhengHei" panose="020B0604030504040204" pitchFamily="34" charset="-120"/>
-              </a:rPr>
-              <a:t>的準確率皆比</a:t>
-            </a:r>
-            <a:r>
-              <a:rPr kumimoji="1" lang="en-US" altLang="zh-CN" sz="3200" dirty="0">
-                <a:latin typeface="Microsoft JhengHei" panose="020B0604030504040204" pitchFamily="34" charset="-120"/>
-                <a:ea typeface="Microsoft JhengHei" panose="020B0604030504040204" pitchFamily="34" charset="-120"/>
-              </a:rPr>
-              <a:t> Control Model</a:t>
-            </a:r>
-            <a:r>
-              <a:rPr kumimoji="1" lang="zh-TW" altLang="en-US" sz="3200" dirty="0">
-                <a:latin typeface="Microsoft JhengHei" panose="020B0604030504040204" pitchFamily="34" charset="-120"/>
-                <a:ea typeface="Microsoft JhengHei" panose="020B0604030504040204" pitchFamily="34" charset="-120"/>
-              </a:rPr>
-              <a:t> 高。</a:t>
-            </a:r>
-            <a:endParaRPr kumimoji="1" lang="en-US" altLang="zh-CN" sz="3200" dirty="0">
-              <a:latin typeface="Microsoft JhengHei" panose="020B0604030504040204" pitchFamily="34" charset="-120"/>
-              <a:ea typeface="Microsoft JhengHei" panose="020B0604030504040204" pitchFamily="34" charset="-120"/>
-            </a:endParaRPr>
+              <a:t>ontrol model</a:t>
+            </a:r>
           </a:p>
         </p:txBody>
       </p:sp>
@@ -8111,8 +7878,8 @@
         </p:nvSpPr>
         <p:spPr>
           <a:xfrm>
-            <a:off x="11713790" y="26968390"/>
-            <a:ext cx="9321126" cy="1138773"/>
+            <a:off x="11713790" y="26785510"/>
+            <a:ext cx="9321126" cy="1015663"/>
           </a:xfrm>
           <a:prstGeom prst="rect">
             <a:avLst/>
@@ -8126,88 +7893,53 @@
           <a:lstStyle/>
           <a:p>
             <a:r>
-              <a:rPr kumimoji="1" lang="en-US" altLang="zh-TW" sz="3600" b="1" dirty="0">
+              <a:rPr kumimoji="1" lang="en-US" altLang="zh-TW" sz="3200" b="1" dirty="0">
                 <a:latin typeface="Microsoft JhengHei" panose="020B0604030504040204" pitchFamily="34" charset="-120"/>
                 <a:ea typeface="Microsoft JhengHei" panose="020B0604030504040204" pitchFamily="34" charset="-120"/>
               </a:rPr>
               <a:t>2. </a:t>
             </a:r>
             <a:r>
-              <a:rPr kumimoji="1" lang="zh-TW" altLang="en-US" sz="3200" dirty="0">
+              <a:rPr kumimoji="1" lang="en-US" altLang="zh-TW" sz="2800" dirty="0">
                 <a:latin typeface="Microsoft JhengHei" panose="020B0604030504040204" pitchFamily="34" charset="-120"/>
                 <a:ea typeface="Microsoft JhengHei" panose="020B0604030504040204" pitchFamily="34" charset="-120"/>
               </a:rPr>
-              <a:t>用</a:t>
-            </a:r>
-            <a:r>
-              <a:rPr kumimoji="1" lang="en-US" altLang="zh-TW" sz="3200" dirty="0">
-                <a:latin typeface="Microsoft JhengHei" panose="020B0604030504040204" pitchFamily="34" charset="-120"/>
-                <a:ea typeface="Microsoft JhengHei" panose="020B0604030504040204" pitchFamily="34" charset="-120"/>
-              </a:rPr>
-              <a:t>Neural Network </a:t>
-            </a:r>
-            <a:r>
-              <a:rPr kumimoji="1" lang="zh-CN" altLang="en-US" sz="3200" dirty="0">
-                <a:latin typeface="Microsoft JhengHei" panose="020B0604030504040204" pitchFamily="34" charset="-120"/>
-                <a:ea typeface="Microsoft JhengHei" panose="020B0604030504040204" pitchFamily="34" charset="-120"/>
-              </a:rPr>
-              <a:t>偷取</a:t>
-            </a:r>
-            <a:r>
-              <a:rPr kumimoji="1" lang="zh-TW" altLang="en-US" sz="3200" dirty="0">
+              <a:t>Neural Network is a good way to steal both</a:t>
+            </a:r>
+            <a:r>
+              <a:rPr kumimoji="1" lang="zh-TW" altLang="en-US" sz="2800" dirty="0">
                 <a:latin typeface="Microsoft JhengHei" panose="020B0604030504040204" pitchFamily="34" charset="-120"/>
                 <a:ea typeface="Microsoft JhengHei" panose="020B0604030504040204" pitchFamily="34" charset="-120"/>
               </a:rPr>
               <a:t> </a:t>
             </a:r>
             <a:r>
-              <a:rPr kumimoji="1" lang="en-US" altLang="zh-TW" sz="3200" dirty="0">
+              <a:rPr kumimoji="1" lang="en-US" altLang="zh-TW" sz="2800" dirty="0">
                 <a:latin typeface="Microsoft JhengHei" panose="020B0604030504040204" pitchFamily="34" charset="-120"/>
                 <a:ea typeface="Microsoft JhengHei" panose="020B0604030504040204" pitchFamily="34" charset="-120"/>
               </a:rPr>
-              <a:t>Decision Tree Model </a:t>
-            </a:r>
-            <a:r>
-              <a:rPr kumimoji="1" lang="zh-CN" altLang="en-US" sz="3200" dirty="0">
-                <a:latin typeface="Microsoft JhengHei" panose="020B0604030504040204" pitchFamily="34" charset="-120"/>
-                <a:ea typeface="Microsoft JhengHei" panose="020B0604030504040204" pitchFamily="34" charset="-120"/>
-              </a:rPr>
-              <a:t>以及</a:t>
-            </a:r>
-            <a:r>
-              <a:rPr kumimoji="1" lang="en-US" altLang="zh-CN" sz="3200" dirty="0">
+              <a:t>decision tree model and</a:t>
+            </a:r>
+            <a:r>
+              <a:rPr kumimoji="1" lang="en-US" altLang="zh-CN" sz="2800" dirty="0">
                 <a:latin typeface="Microsoft JhengHei" panose="020B0604030504040204" pitchFamily="34" charset="-120"/>
                 <a:ea typeface="Microsoft JhengHei" panose="020B0604030504040204" pitchFamily="34" charset="-120"/>
               </a:rPr>
               <a:t> </a:t>
             </a:r>
             <a:r>
-              <a:rPr kumimoji="1" lang="en-US" altLang="zh-CN" sz="3200" dirty="0" err="1">
+              <a:rPr kumimoji="1" lang="en-US" altLang="zh-CN" sz="2800" dirty="0" err="1">
                 <a:latin typeface="Microsoft JhengHei" panose="020B0604030504040204" pitchFamily="34" charset="-120"/>
                 <a:ea typeface="Microsoft JhengHei" panose="020B0604030504040204" pitchFamily="34" charset="-120"/>
               </a:rPr>
-              <a:t>Deepnet</a:t>
-            </a:r>
-            <a:r>
-              <a:rPr kumimoji="1" lang="en-US" altLang="zh-CN" sz="3200" dirty="0">
+              <a:t>deepnet</a:t>
+            </a:r>
+            <a:r>
+              <a:rPr kumimoji="1" lang="en-US" altLang="zh-CN" sz="2800" dirty="0">
                 <a:latin typeface="Microsoft JhengHei" panose="020B0604030504040204" pitchFamily="34" charset="-120"/>
                 <a:ea typeface="Microsoft JhengHei" panose="020B0604030504040204" pitchFamily="34" charset="-120"/>
               </a:rPr>
-              <a:t> Model</a:t>
-            </a:r>
-            <a:r>
-              <a:rPr kumimoji="1" lang="zh-CN" altLang="en-US" sz="3200" dirty="0">
-                <a:latin typeface="Microsoft JhengHei" panose="020B0604030504040204" pitchFamily="34" charset="-120"/>
-                <a:ea typeface="Microsoft JhengHei" panose="020B0604030504040204" pitchFamily="34" charset="-120"/>
-              </a:rPr>
-              <a:t>，都可以有效的</a:t>
-            </a:r>
-            <a:r>
-              <a:rPr kumimoji="1" lang="en-US" altLang="zh-CN" sz="3200" dirty="0">
-                <a:latin typeface="Microsoft JhengHei" panose="020B0604030504040204" pitchFamily="34" charset="-120"/>
-                <a:ea typeface="Microsoft JhengHei" panose="020B0604030504040204" pitchFamily="34" charset="-120"/>
-              </a:rPr>
-              <a:t>Copy</a:t>
+              <a:t> model created by BigML.</a:t>
             </a:r>
           </a:p>
         </p:txBody>
@@ -8226,8 +7958,8 @@
         </p:nvSpPr>
         <p:spPr>
           <a:xfrm>
-            <a:off x="11693062" y="28549568"/>
-            <a:ext cx="9321126" cy="1138773"/>
+            <a:off x="11693062" y="28229528"/>
+            <a:ext cx="9321126" cy="1015663"/>
           </a:xfrm>
           <a:prstGeom prst="rect">
             <a:avLst/>
@@ -8241,102 +7973,18 @@
           <a:lstStyle/>
           <a:p>
             <a:r>
-              <a:rPr kumimoji="1" lang="en-US" altLang="zh-TW" sz="3600" b="1" dirty="0">
+              <a:rPr kumimoji="1" lang="en-US" altLang="zh-TW" sz="3200" b="1" dirty="0">
                 <a:latin typeface="Microsoft JhengHei" panose="020B0604030504040204" pitchFamily="34" charset="-120"/>
                 <a:ea typeface="Microsoft JhengHei" panose="020B0604030504040204" pitchFamily="34" charset="-120"/>
               </a:rPr>
               <a:t>3. </a:t>
             </a:r>
             <a:r>
-              <a:rPr kumimoji="1" lang="zh-CN" altLang="en-US" sz="3200" dirty="0">
+              <a:rPr kumimoji="1" lang="en-US" altLang="zh-CN" sz="2800" dirty="0">
                 <a:latin typeface="Microsoft JhengHei" panose="020B0604030504040204" pitchFamily="34" charset="-120"/>
                 <a:ea typeface="Microsoft JhengHei" panose="020B0604030504040204" pitchFamily="34" charset="-120"/>
               </a:rPr>
-              <a:t>在有限</a:t>
-            </a:r>
-            <a:r>
-              <a:rPr kumimoji="1" lang="zh-TW" altLang="en-US" sz="3200" dirty="0">
-                <a:latin typeface="Microsoft JhengHei" panose="020B0604030504040204" pitchFamily="34" charset="-120"/>
-                <a:ea typeface="Microsoft JhengHei" panose="020B0604030504040204" pitchFamily="34" charset="-120"/>
-              </a:rPr>
-              <a:t> </a:t>
-            </a:r>
-            <a:r>
-              <a:rPr kumimoji="1" lang="en-US" altLang="zh-TW" sz="3200" dirty="0">
-                <a:latin typeface="Microsoft JhengHei" panose="020B0604030504040204" pitchFamily="34" charset="-120"/>
-                <a:ea typeface="Microsoft JhengHei" panose="020B0604030504040204" pitchFamily="34" charset="-120"/>
-              </a:rPr>
-              <a:t>Training data </a:t>
-            </a:r>
-            <a:r>
-              <a:rPr kumimoji="1" lang="zh-CN" altLang="en-US" sz="3200" dirty="0">
-                <a:latin typeface="Microsoft JhengHei" panose="020B0604030504040204" pitchFamily="34" charset="-120"/>
-                <a:ea typeface="Microsoft JhengHei" panose="020B0604030504040204" pitchFamily="34" charset="-120"/>
-              </a:rPr>
-              <a:t>下，</a:t>
-            </a:r>
-            <a:r>
-              <a:rPr kumimoji="1" lang="en-US" altLang="zh-CN" sz="3200" dirty="0">
-                <a:latin typeface="Microsoft JhengHei" panose="020B0604030504040204" pitchFamily="34" charset="-120"/>
-                <a:ea typeface="Microsoft JhengHei" panose="020B0604030504040204" pitchFamily="34" charset="-120"/>
-              </a:rPr>
-              <a:t>Copy Model </a:t>
-            </a:r>
-            <a:r>
-              <a:rPr kumimoji="1" lang="zh-CN" altLang="en-US" sz="3200" dirty="0">
-                <a:latin typeface="Microsoft JhengHei" panose="020B0604030504040204" pitchFamily="34" charset="-120"/>
-                <a:ea typeface="Microsoft JhengHei" panose="020B0604030504040204" pitchFamily="34" charset="-120"/>
-              </a:rPr>
-              <a:t>的準確率比</a:t>
-            </a:r>
-            <a:r>
-              <a:rPr kumimoji="1" lang="en-US" altLang="zh-CN" sz="3200" dirty="0">
-                <a:latin typeface="Microsoft JhengHei" panose="020B0604030504040204" pitchFamily="34" charset="-120"/>
-                <a:ea typeface="Microsoft JhengHei" panose="020B0604030504040204" pitchFamily="34" charset="-120"/>
-              </a:rPr>
-              <a:t>Control Model </a:t>
-            </a:r>
-            <a:r>
-              <a:rPr kumimoji="1" lang="zh-CN" altLang="en-US" sz="3200" dirty="0">
-                <a:latin typeface="Microsoft JhengHei" panose="020B0604030504040204" pitchFamily="34" charset="-120"/>
-                <a:ea typeface="Microsoft JhengHei" panose="020B0604030504040204" pitchFamily="34" charset="-120"/>
-              </a:rPr>
-              <a:t>的準確率高</a:t>
-            </a:r>
-            <a:r>
-              <a:rPr kumimoji="1" lang="en-US" altLang="zh-CN" sz="3200" dirty="0">
-                <a:latin typeface="Microsoft JhengHei" panose="020B0604030504040204" pitchFamily="34" charset="-120"/>
-                <a:ea typeface="Microsoft JhengHei" panose="020B0604030504040204" pitchFamily="34" charset="-120"/>
-              </a:rPr>
-              <a:t>(</a:t>
-            </a:r>
-            <a:r>
-              <a:rPr kumimoji="1" lang="zh-CN" altLang="en-US" sz="3200" dirty="0">
-                <a:latin typeface="Microsoft JhengHei" panose="020B0604030504040204" pitchFamily="34" charset="-120"/>
-                <a:ea typeface="Microsoft JhengHei" panose="020B0604030504040204" pitchFamily="34" charset="-120"/>
-              </a:rPr>
-              <a:t>約</a:t>
-            </a:r>
-            <a:r>
-              <a:rPr kumimoji="1" lang="en-US" altLang="zh-CN" sz="3200" dirty="0">
-                <a:latin typeface="Microsoft JhengHei" panose="020B0604030504040204" pitchFamily="34" charset="-120"/>
-                <a:ea typeface="Microsoft JhengHei" panose="020B0604030504040204" pitchFamily="34" charset="-120"/>
-              </a:rPr>
-              <a:t> 10 </a:t>
-            </a:r>
-            <a:r>
-              <a:rPr kumimoji="1" lang="zh-CN" altLang="en-US" sz="3200" dirty="0">
-                <a:latin typeface="Microsoft JhengHei" panose="020B0604030504040204" pitchFamily="34" charset="-120"/>
-                <a:ea typeface="Microsoft JhengHei" panose="020B0604030504040204" pitchFamily="34" charset="-120"/>
-              </a:rPr>
-              <a:t>％</a:t>
-            </a:r>
-            <a:r>
-              <a:rPr kumimoji="1" lang="en-US" altLang="zh-CN" sz="3200" dirty="0">
-                <a:latin typeface="Microsoft JhengHei" panose="020B0604030504040204" pitchFamily="34" charset="-120"/>
-                <a:ea typeface="Microsoft JhengHei" panose="020B0604030504040204" pitchFamily="34" charset="-120"/>
-              </a:rPr>
-              <a:t>)</a:t>
+              <a:t>The precision of copy model is higher than control model in limited training data (about 10% higher).</a:t>
             </a:r>
           </a:p>
         </p:txBody>
